--- a/Documentation/Release 2 Storyboarding/M&E_Officer.pptx
+++ b/Documentation/Release 2 Storyboarding/M&E_Officer.pptx
@@ -5,7 +5,7 @@
     <p:sldMasterId id="2147483660" r:id="rId151"/>
   </p:sldMasterIdLst>
   <p:notesMasterIdLst>
-    <p:notesMasterId r:id="rId158"/>
+    <p:notesMasterId r:id="rId157"/>
   </p:notesMasterIdLst>
   <p:sldIdLst>
     <p:sldId id="262" r:id="rId152"/>
@@ -13,7 +13,6 @@
     <p:sldId id="259" r:id="rId154"/>
     <p:sldId id="260" r:id="rId155"/>
     <p:sldId id="261" r:id="rId156"/>
-    <p:sldId id="257" r:id="rId157"/>
   </p:sldIdLst>
   <p:sldSz cx="9144000" cy="6858000" type="screen4x3"/>
   <p:notesSz cx="6858000" cy="9144000"/>
@@ -202,7 +201,7 @@
           <a:p>
             <a:fld id="{F622B2A9-49A0-4E42-9E43-8AF9B4665D99}" type="datetimeFigureOut">
               <a:rPr lang="en-US" smtClean="0"/>
-              <a:t>4/29/2014</a:t>
+              <a:t>8/6/2014</a:t>
             </a:fld>
             <a:endParaRPr lang="en-US"/>
           </a:p>
@@ -2169,7 +2168,7 @@
           <a:p>
             <a:fld id="{ABFEF788-F3BB-4429-AAFE-A2F89F0C8F35}" type="datetimeFigureOut">
               <a:rPr lang="en-US" smtClean="0"/>
-              <a:t>4/29/2014</a:t>
+              <a:t>8/6/2014</a:t>
             </a:fld>
             <a:endParaRPr lang="en-US"/>
           </a:p>
@@ -2349,7 +2348,7 @@
           <a:p>
             <a:fld id="{ABFEF788-F3BB-4429-AAFE-A2F89F0C8F35}" type="datetimeFigureOut">
               <a:rPr lang="en-US" smtClean="0"/>
-              <a:t>4/29/2014</a:t>
+              <a:t>8/6/2014</a:t>
             </a:fld>
             <a:endParaRPr lang="en-US"/>
           </a:p>
@@ -5845,7 +5844,7 @@
           <a:p>
             <a:fld id="{ABFEF788-F3BB-4429-AAFE-A2F89F0C8F35}" type="datetimeFigureOut">
               <a:rPr lang="en-US" smtClean="0"/>
-              <a:t>4/29/2014</a:t>
+              <a:t>8/6/2014</a:t>
             </a:fld>
             <a:endParaRPr lang="en-US"/>
           </a:p>
@@ -6089,7 +6088,7 @@
           <a:p>
             <a:fld id="{ABFEF788-F3BB-4429-AAFE-A2F89F0C8F35}" type="datetimeFigureOut">
               <a:rPr lang="en-US" smtClean="0"/>
-              <a:t>4/29/2014</a:t>
+              <a:t>8/6/2014</a:t>
             </a:fld>
             <a:endParaRPr lang="en-US"/>
           </a:p>
@@ -6321,7 +6320,7 @@
           <a:p>
             <a:fld id="{ABFEF788-F3BB-4429-AAFE-A2F89F0C8F35}" type="datetimeFigureOut">
               <a:rPr lang="en-US" smtClean="0"/>
-              <a:t>4/29/2014</a:t>
+              <a:t>8/6/2014</a:t>
             </a:fld>
             <a:endParaRPr lang="en-US"/>
           </a:p>
@@ -6688,7 +6687,7 @@
           <a:p>
             <a:fld id="{ABFEF788-F3BB-4429-AAFE-A2F89F0C8F35}" type="datetimeFigureOut">
               <a:rPr lang="en-US" smtClean="0"/>
-              <a:t>4/29/2014</a:t>
+              <a:t>8/6/2014</a:t>
             </a:fld>
             <a:endParaRPr lang="en-US"/>
           </a:p>
@@ -6806,7 +6805,7 @@
           <a:p>
             <a:fld id="{ABFEF788-F3BB-4429-AAFE-A2F89F0C8F35}" type="datetimeFigureOut">
               <a:rPr lang="en-US" smtClean="0"/>
-              <a:t>4/29/2014</a:t>
+              <a:t>8/6/2014</a:t>
             </a:fld>
             <a:endParaRPr lang="en-US"/>
           </a:p>
@@ -6901,7 +6900,7 @@
           <a:p>
             <a:fld id="{ABFEF788-F3BB-4429-AAFE-A2F89F0C8F35}" type="datetimeFigureOut">
               <a:rPr lang="en-US" smtClean="0"/>
-              <a:t>4/29/2014</a:t>
+              <a:t>8/6/2014</a:t>
             </a:fld>
             <a:endParaRPr lang="en-US"/>
           </a:p>
@@ -7178,7 +7177,7 @@
           <a:p>
             <a:fld id="{ABFEF788-F3BB-4429-AAFE-A2F89F0C8F35}" type="datetimeFigureOut">
               <a:rPr lang="en-US" smtClean="0"/>
-              <a:t>4/29/2014</a:t>
+              <a:t>8/6/2014</a:t>
             </a:fld>
             <a:endParaRPr lang="en-US"/>
           </a:p>
@@ -7435,7 +7434,7 @@
           <a:p>
             <a:fld id="{ABFEF788-F3BB-4429-AAFE-A2F89F0C8F35}" type="datetimeFigureOut">
               <a:rPr lang="en-US" smtClean="0"/>
-              <a:t>4/29/2014</a:t>
+              <a:t>8/6/2014</a:t>
             </a:fld>
             <a:endParaRPr lang="en-US"/>
           </a:p>
@@ -7648,7 +7647,7 @@
           <a:p>
             <a:fld id="{ABFEF788-F3BB-4429-AAFE-A2F89F0C8F35}" type="datetimeFigureOut">
               <a:rPr lang="en-US" smtClean="0"/>
-              <a:t>4/29/2014</a:t>
+              <a:t>8/6/2014</a:t>
             </a:fld>
             <a:endParaRPr lang="en-US"/>
           </a:p>
@@ -25378,36 +25377,6 @@
 </p:sld>
 </file>
 
-<file path=ppt/slides/slide6.xml><?xml version="1.0" encoding="utf-8"?>
-<p:sld xmlns:a="http://schemas.openxmlformats.org/drawingml/2006/main" xmlns:r="http://schemas.openxmlformats.org/officeDocument/2006/relationships" xmlns:p="http://schemas.openxmlformats.org/presentationml/2006/main">
-  <p:cSld>
-    <p:spTree>
-      <p:nvGrpSpPr>
-        <p:cNvPr id="1" name=""/>
-        <p:cNvGrpSpPr/>
-        <p:nvPr/>
-      </p:nvGrpSpPr>
-      <p:grpSpPr>
-        <a:xfrm>
-          <a:off x="0" y="0"/>
-          <a:ext cx="0" cy="0"/>
-          <a:chOff x="0" y="0"/>
-          <a:chExt cx="0" cy="0"/>
-        </a:xfrm>
-      </p:grpSpPr>
-    </p:spTree>
-    <p:extLst>
-      <p:ext uri="{BB962C8B-B14F-4D97-AF65-F5344CB8AC3E}">
-        <p14:creationId xmlns:p14="http://schemas.microsoft.com/office/powerpoint/2010/main" val="2881109993"/>
-      </p:ext>
-    </p:extLst>
-  </p:cSld>
-  <p:clrMapOvr>
-    <a:masterClrMapping/>
-  </p:clrMapOvr>
-</p:sld>
-</file>
-
 <file path=ppt/theme/theme1.xml><?xml version="1.0" encoding="utf-8"?>
 <a:theme xmlns:a="http://schemas.openxmlformats.org/drawingml/2006/main" name="Office Theme">
   <a:themeElements>
@@ -25932,103 +25901,103 @@
 
 <file path=customXml/item1.xml><?xml version="1.0" encoding="utf-8"?>
 <Control xmlns="http://schemas.microsoft.com/VisualStudio/2011/storyboarding/control">
+  <Id Name="System.Storyboarding.Common.TabGroup" Revision="1" Stencil="System.Storyboarding.Common" StencilVersion="0.1"/>
+</Control>
+</file>
+
+<file path=customXml/item10.xml><?xml version="1.0" encoding="utf-8"?>
+<Control xmlns="http://schemas.microsoft.com/VisualStudio/2011/storyboarding/control">
+  <Id Name="System.Storyboarding.Common.TextArea" Revision="1" Stencil="System.Storyboarding.Common" StencilVersion="0.1"/>
+</Control>
+</file>
+
+<file path=customXml/item100.xml><?xml version="1.0" encoding="utf-8"?>
+<Control xmlns="http://schemas.microsoft.com/VisualStudio/2011/storyboarding/control">
+  <Id Name="System.Storyboarding.Common.TextArea" Revision="1" Stencil="System.Storyboarding.Common" StencilVersion="0.1"/>
+</Control>
+</file>
+
+<file path=customXml/item101.xml><?xml version="1.0" encoding="utf-8"?>
+<Control xmlns="http://schemas.microsoft.com/VisualStudio/2011/storyboarding/control">
   <Id Name="600d61f4-2d09-42e6-a6db-83e260e051ae" RevisionId="3c9eb7e9-0ea7-4fb5-adc7-dcc81ff0fb36" Stencil="172d6d98-e5c9-42e9-a209-79f7a94bbd38" StencilRevisionId="00000000-0000-0000-0000-000000000000" StencilVersion="0.0"/>
 </Control>
 </file>
 
-<file path=customXml/item10.xml><?xml version="1.0" encoding="utf-8"?>
+<file path=customXml/item102.xml><?xml version="1.0" encoding="utf-8"?>
 <Control xmlns="http://schemas.microsoft.com/VisualStudio/2011/storyboarding/control">
   <Id Name="366cd925-969f-44e1-b789-354cb31b0dfd" RevisionId="87c5073a-f3d6-4c7e-a7b7-c9586eacad3b" Stencil="172d6d98-e5c9-42e9-a209-79f7a94bbd38" StencilRevisionId="00000000-0000-0000-0000-000000000000" StencilVersion="0.0"/>
 </Control>
 </file>
 
-<file path=customXml/item100.xml><?xml version="1.0" encoding="utf-8"?>
+<file path=customXml/item103.xml><?xml version="1.0" encoding="utf-8"?>
+<Control xmlns="http://schemas.microsoft.com/VisualStudio/2011/storyboarding/control">
+  <Id Name="System.Storyboarding.Common.SearchBox" Revision="1" Stencil="System.Storyboarding.Common" StencilVersion="0.1"/>
+</Control>
+</file>
+
+<file path=customXml/item104.xml><?xml version="1.0" encoding="utf-8"?>
+<Control xmlns="http://schemas.microsoft.com/VisualStudio/2011/storyboarding/control">
+  <Id Name="600d61f4-2d09-42e6-a6db-83e260e051ae" RevisionId="3c9eb7e9-0ea7-4fb5-adc7-dcc81ff0fb36" Stencil="172d6d98-e5c9-42e9-a209-79f7a94bbd38" StencilRevisionId="00000000-0000-0000-0000-000000000000" StencilVersion="0.0"/>
+</Control>
+</file>
+
+<file path=customXml/item105.xml><?xml version="1.0" encoding="utf-8"?>
+<Control xmlns="http://schemas.microsoft.com/VisualStudio/2011/storyboarding/control">
+  <Id Name="9d9c56e0-6ca3-4298-b757-9c73dab947ac" RevisionId="993ea365-49c2-46dc-bf14-e971e460de1e" Stencil="172d6d98-e5c9-42e9-a209-79f7a94bbd38" StencilRevisionId="00000000-0000-0000-0000-000000000000" StencilVersion="0.0"/>
+</Control>
+</file>
+
+<file path=customXml/item106.xml><?xml version="1.0" encoding="utf-8"?>
+<Control xmlns="http://schemas.microsoft.com/VisualStudio/2011/storyboarding/control">
+  <Id Name="System.Storyboarding.WindowsPhoneIcons.BaseCircle" Revision="1" Stencil="System.Storyboarding.WindowsPhoneIcons" StencilVersion="0.1"/>
+</Control>
+</file>
+
+<file path=customXml/item107.xml><?xml version="1.0" encoding="utf-8"?>
+<Control xmlns="http://schemas.microsoft.com/VisualStudio/2011/storyboarding/control">
+  <Id Name="b5742593-4330-4997-98c6-02e7437a7975" Revision="1" Stencil="System.MyShapes" StencilVersion="1.0"/>
+</Control>
+</file>
+
+<file path=customXml/item108.xml><?xml version="1.0" encoding="utf-8"?>
+<Control xmlns="http://schemas.microsoft.com/VisualStudio/2011/storyboarding/control">
+  <Id Name="System.Storyboarding.Common.SearchBox" Revision="1" Stencil="System.Storyboarding.Common" StencilVersion="0.1"/>
+</Control>
+</file>
+
+<file path=customXml/item109.xml><?xml version="1.0" encoding="utf-8"?>
+<Control xmlns="http://schemas.microsoft.com/VisualStudio/2011/storyboarding/control">
+  <Id Name="System.Storyboarding.Common.Text" Revision="1" Stencil="System.Storyboarding.Common" StencilVersion="0.1"/>
+</Control>
+</file>
+
+<file path=customXml/item11.xml><?xml version="1.0" encoding="utf-8"?>
+<Control xmlns="http://schemas.microsoft.com/VisualStudio/2011/storyboarding/control">
+  <Id Name="System.Storyboarding.Common.MouseClick" Revision="1" Stencil="System.Storyboarding.Common" StencilVersion="0.1"/>
+</Control>
+</file>
+
+<file path=customXml/item110.xml><?xml version="1.0" encoding="utf-8"?>
+<Control xmlns="http://schemas.microsoft.com/VisualStudio/2011/storyboarding/control">
+  <Id Name="System.Storyboarding.Common.DropdownBox" Revision="1" Stencil="System.Storyboarding.Common" StencilVersion="0.1"/>
+</Control>
+</file>
+
+<file path=customXml/item111.xml><?xml version="1.0" encoding="utf-8"?>
+<Control xmlns="http://schemas.microsoft.com/VisualStudio/2011/storyboarding/control">
+  <Id Name="System.Storyboarding.WindowsPhoneIcons.BaseCircle" Revision="1" Stencil="System.Storyboarding.WindowsPhoneIcons" StencilVersion="0.1"/>
+</Control>
+</file>
+
+<file path=customXml/item112.xml><?xml version="1.0" encoding="utf-8"?>
 <Control xmlns="http://schemas.microsoft.com/VisualStudio/2011/storyboarding/control">
   <Id Name="366cd925-969f-44e1-b789-354cb31b0dfd" RevisionId="87c5073a-f3d6-4c7e-a7b7-c9586eacad3b" Stencil="172d6d98-e5c9-42e9-a209-79f7a94bbd38" StencilRevisionId="00000000-0000-0000-0000-000000000000" StencilVersion="0.0"/>
 </Control>
 </file>
 
-<file path=customXml/item101.xml><?xml version="1.0" encoding="utf-8"?>
-<Control xmlns="http://schemas.microsoft.com/VisualStudio/2011/storyboarding/control">
-  <Id Name="9d9c56e0-6ca3-4298-b757-9c73dab947ac" RevisionId="993ea365-49c2-46dc-bf14-e971e460de1e" Stencil="172d6d98-e5c9-42e9-a209-79f7a94bbd38" StencilRevisionId="00000000-0000-0000-0000-000000000000" StencilVersion="0.0"/>
-</Control>
-</file>
-
-<file path=customXml/item102.xml><?xml version="1.0" encoding="utf-8"?>
-<Control xmlns="http://schemas.microsoft.com/VisualStudio/2011/storyboarding/control">
-  <Id Name="600d61f4-2d09-42e6-a6db-83e260e051ae" RevisionId="3c9eb7e9-0ea7-4fb5-adc7-dcc81ff0fb36" Stencil="172d6d98-e5c9-42e9-a209-79f7a94bbd38" StencilRevisionId="00000000-0000-0000-0000-000000000000" StencilVersion="0.0"/>
-</Control>
-</file>
-
-<file path=customXml/item103.xml><?xml version="1.0" encoding="utf-8"?>
-<Control xmlns="http://schemas.microsoft.com/VisualStudio/2011/storyboarding/control">
-  <Id Name="366cd925-969f-44e1-b789-354cb31b0dfd" RevisionId="87c5073a-f3d6-4c7e-a7b7-c9586eacad3b" Stencil="172d6d98-e5c9-42e9-a209-79f7a94bbd38" StencilRevisionId="00000000-0000-0000-0000-000000000000" StencilVersion="0.0"/>
-</Control>
-</file>
-
-<file path=customXml/item104.xml><?xml version="1.0" encoding="utf-8"?>
-<Control xmlns="http://schemas.microsoft.com/VisualStudio/2011/storyboarding/control">
-  <Id Name="System.Storyboarding.Common.TextInput" Revision="1" Stencil="System.Storyboarding.Common" StencilVersion="0.1"/>
-</Control>
-</file>
-
-<file path=customXml/item105.xml><?xml version="1.0" encoding="utf-8"?>
-<Control xmlns="http://schemas.microsoft.com/VisualStudio/2011/storyboarding/control">
-  <Id Name="System.Storyboarding.Common.TextInput" Revision="1" Stencil="System.Storyboarding.Common" StencilVersion="0.1"/>
-</Control>
-</file>
-
-<file path=customXml/item106.xml><?xml version="1.0" encoding="utf-8"?>
-<Control xmlns="http://schemas.microsoft.com/VisualStudio/2011/storyboarding/control">
-  <Id Name="System.Storyboarding.Common.TextInput" Revision="1" Stencil="System.Storyboarding.Common" StencilVersion="0.1"/>
-</Control>
-</file>
-
-<file path=customXml/item107.xml><?xml version="1.0" encoding="utf-8"?>
-<Control xmlns="http://schemas.microsoft.com/VisualStudio/2011/storyboarding/control">
-  <Id Name="System.Storyboarding.Common.TextArea" Revision="1" Stencil="System.Storyboarding.Common" StencilVersion="0.1"/>
-</Control>
-</file>
-
-<file path=customXml/item108.xml><?xml version="1.0" encoding="utf-8"?>
-<Control xmlns="http://schemas.microsoft.com/VisualStudio/2011/storyboarding/control">
-  <Id Name="System.Storyboarding.Common.DropdownBox" Revision="1" Stencil="System.Storyboarding.Common" StencilVersion="0.1"/>
-</Control>
-</file>
-
-<file path=customXml/item109.xml><?xml version="1.0" encoding="utf-8"?>
-<Control xmlns="http://schemas.microsoft.com/VisualStudio/2011/storyboarding/control">
-  <Id Name="System.Storyboarding.Common.DropdownBox" Revision="1" Stencil="System.Storyboarding.Common" StencilVersion="0.1"/>
-</Control>
-</file>
-
-<file path=customXml/item11.xml><?xml version="1.0" encoding="utf-8"?>
-<Control xmlns="http://schemas.microsoft.com/VisualStudio/2011/storyboarding/control">
-  <Id Name="9d9c56e0-6ca3-4298-b757-9c73dab947ac" RevisionId="993ea365-49c2-46dc-bf14-e971e460de1e" Stencil="172d6d98-e5c9-42e9-a209-79f7a94bbd38" StencilRevisionId="00000000-0000-0000-0000-000000000000" StencilVersion="0.0"/>
-</Control>
-</file>
-
-<file path=customXml/item110.xml><?xml version="1.0" encoding="utf-8"?>
-<Control xmlns="http://schemas.microsoft.com/VisualStudio/2011/storyboarding/control">
-  <Id Name="System.Storyboarding.Common.SearchBox" Revision="1" Stencil="System.Storyboarding.Common" StencilVersion="0.1"/>
-</Control>
-</file>
-
-<file path=customXml/item111.xml><?xml version="1.0" encoding="utf-8"?>
-<Control xmlns="http://schemas.microsoft.com/VisualStudio/2011/storyboarding/control">
-  <Id Name="System.Storyboarding.Common.DropdownBox" Revision="1" Stencil="System.Storyboarding.Common" StencilVersion="0.1"/>
-</Control>
-</file>
-
-<file path=customXml/item112.xml><?xml version="1.0" encoding="utf-8"?>
-<Control xmlns="http://schemas.microsoft.com/VisualStudio/2011/storyboarding/control">
-  <Id Name="System.Storyboarding.Common.SearchBox" Revision="1" Stencil="System.Storyboarding.Common" StencilVersion="0.1"/>
-</Control>
-</file>
-
 <file path=customXml/item113.xml><?xml version="1.0" encoding="utf-8"?>
 <Control xmlns="http://schemas.microsoft.com/VisualStudio/2011/storyboarding/control">
-  <Id Name="System.Storyboarding.Common.DropdownBox" Revision="1" Stencil="System.Storyboarding.Common" StencilVersion="0.1"/>
+  <Id Name="System.Storyboarding.Common.MouseClick" Revision="1" Stencil="System.Storyboarding.Common" StencilVersion="0.1"/>
 </Control>
 </file>
 
@@ -26040,67 +26009,67 @@
 
 <file path=customXml/item115.xml><?xml version="1.0" encoding="utf-8"?>
 <Control xmlns="http://schemas.microsoft.com/VisualStudio/2011/storyboarding/control">
+  <Id Name="System.Storyboarding.Common.TextInput" Revision="1" Stencil="System.Storyboarding.Common" StencilVersion="0.1"/>
+</Control>
+</file>
+
+<file path=customXml/item116.xml><?xml version="1.0" encoding="utf-8"?>
+<Control xmlns="http://schemas.microsoft.com/VisualStudio/2011/storyboarding/control">
+  <Id Name="b5742593-4330-4997-98c6-02e7437a7975" Revision="1" Stencil="System.MyShapes" StencilVersion="1.0"/>
+</Control>
+</file>
+
+<file path=customXml/item117.xml><?xml version="1.0" encoding="utf-8"?>
+<Control xmlns="http://schemas.microsoft.com/VisualStudio/2011/storyboarding/control">
+  <Id Name="366cd925-969f-44e1-b789-354cb31b0dfd" RevisionId="87c5073a-f3d6-4c7e-a7b7-c9586eacad3b" Stencil="172d6d98-e5c9-42e9-a209-79f7a94bbd38" StencilRevisionId="00000000-0000-0000-0000-000000000000" StencilVersion="0.0"/>
+</Control>
+</file>
+
+<file path=customXml/item118.xml><?xml version="1.0" encoding="utf-8"?>
+<Control xmlns="http://schemas.microsoft.com/VisualStudio/2011/storyboarding/control">
   <Id Name="System.Storyboarding.Common.DropdownBox" Revision="1" Stencil="System.Storyboarding.Common" StencilVersion="0.1"/>
 </Control>
 </file>
 
-<file path=customXml/item116.xml><?xml version="1.0" encoding="utf-8"?>
-<Control xmlns="http://schemas.microsoft.com/VisualStudio/2011/storyboarding/control">
-  <Id Name="System.Storyboarding.Common.SearchBox" Revision="1" Stencil="System.Storyboarding.Common" StencilVersion="0.1"/>
-</Control>
-</file>
-
-<file path=customXml/item117.xml><?xml version="1.0" encoding="utf-8"?>
-<Control xmlns="http://schemas.microsoft.com/VisualStudio/2011/storyboarding/control">
-  <Id Name="System.Storyboarding.Common.TabGroupVertical" Revision="1" Stencil="System.Storyboarding.Common" StencilVersion="0.1"/>
-</Control>
-</file>
-
-<file path=customXml/item118.xml><?xml version="1.0" encoding="utf-8"?>
-<Control xmlns="http://schemas.microsoft.com/VisualStudio/2011/storyboarding/control">
-  <Id Name="System.Storyboarding.Common.Text" Revision="1" Stencil="System.Storyboarding.Common" StencilVersion="0.1"/>
-</Control>
-</file>
-
 <file path=customXml/item119.xml><?xml version="1.0" encoding="utf-8"?>
 <Control xmlns="http://schemas.microsoft.com/VisualStudio/2011/storyboarding/control">
-  <Id Name="System.Storyboarding.Common.Text" Revision="1" Stencil="System.Storyboarding.Common" StencilVersion="0.1"/>
+  <Id Name="System.Storyboarding.Common.TextArea" Revision="1" Stencil="System.Storyboarding.Common" StencilVersion="0.1"/>
 </Control>
 </file>
 
 <file path=customXml/item12.xml><?xml version="1.0" encoding="utf-8"?>
 <Control xmlns="http://schemas.microsoft.com/VisualStudio/2011/storyboarding/control">
-  <Id Name="9d9c56e0-6ca3-4298-b757-9c73dab947ac" RevisionId="993ea365-49c2-46dc-bf14-e971e460de1e" Stencil="172d6d98-e5c9-42e9-a209-79f7a94bbd38" StencilRevisionId="00000000-0000-0000-0000-000000000000" StencilVersion="0.0"/>
+  <Id Name="System.Storyboarding.Common.Button" Revision="1" Stencil="System.Storyboarding.Common" StencilVersion="0.1"/>
 </Control>
 </file>
 
 <file path=customXml/item120.xml><?xml version="1.0" encoding="utf-8"?>
 <Control xmlns="http://schemas.microsoft.com/VisualStudio/2011/storyboarding/control">
-  <Id Name="System.Storyboarding.Common.Text" Revision="1" Stencil="System.Storyboarding.Common" StencilVersion="0.1"/>
+  <Id Name="System.Storyboarding.Common.TextInput" Revision="1" Stencil="System.Storyboarding.Common" StencilVersion="0.1"/>
 </Control>
 </file>
 
 <file path=customXml/item121.xml><?xml version="1.0" encoding="utf-8"?>
 <Control xmlns="http://schemas.microsoft.com/VisualStudio/2011/storyboarding/control">
-  <Id Name="System.Storyboarding.Common.Text" Revision="1" Stencil="System.Storyboarding.Common" StencilVersion="0.1"/>
+  <Id Name="System.Storyboarding.Common.DropdownBox" Revision="1" Stencil="System.Storyboarding.Common" StencilVersion="0.1"/>
 </Control>
 </file>
 
 <file path=customXml/item122.xml><?xml version="1.0" encoding="utf-8"?>
 <Control xmlns="http://schemas.microsoft.com/VisualStudio/2011/storyboarding/control">
-  <Id Name="System.Storyboarding.Common.Text" Revision="1" Stencil="System.Storyboarding.Common" StencilVersion="0.1"/>
+  <Id Name="System.Storyboarding.Common.MouseClick" Revision="1" Stencil="System.Storyboarding.Common" StencilVersion="0.1"/>
 </Control>
 </file>
 
 <file path=customXml/item123.xml><?xml version="1.0" encoding="utf-8"?>
 <Control xmlns="http://schemas.microsoft.com/VisualStudio/2011/storyboarding/control">
-  <Id Name="System.Storyboarding.Common.Text" Revision="1" Stencil="System.Storyboarding.Common" StencilVersion="0.1"/>
+  <Id Name="System.Storyboarding.WindowsPhoneIcons.Cancel" Revision="1" Stencil="System.Storyboarding.WindowsPhoneIcons" StencilVersion="0.1"/>
 </Control>
 </file>
 
 <file path=customXml/item124.xml><?xml version="1.0" encoding="utf-8"?>
 <Control xmlns="http://schemas.microsoft.com/VisualStudio/2011/storyboarding/control">
-  <Id Name="System.Storyboarding.Common.Text" Revision="1" Stencil="System.Storyboarding.Common" StencilVersion="0.1"/>
+  <Id Name="9d9c56e0-6ca3-4298-b757-9c73dab947ac" RevisionId="993ea365-49c2-46dc-bf14-e971e460de1e" Stencil="172d6d98-e5c9-42e9-a209-79f7a94bbd38" StencilRevisionId="00000000-0000-0000-0000-000000000000" StencilVersion="0.0"/>
 </Control>
 </file>
 
@@ -26112,271 +26081,271 @@
 
 <file path=customXml/item126.xml><?xml version="1.0" encoding="utf-8"?>
 <Control xmlns="http://schemas.microsoft.com/VisualStudio/2011/storyboarding/control">
+  <Id Name="366cd925-969f-44e1-b789-354cb31b0dfd" RevisionId="87c5073a-f3d6-4c7e-a7b7-c9586eacad3b" Stencil="172d6d98-e5c9-42e9-a209-79f7a94bbd38" StencilRevisionId="00000000-0000-0000-0000-000000000000" StencilVersion="0.0"/>
+</Control>
+</file>
+
+<file path=customXml/item127.xml><?xml version="1.0" encoding="utf-8"?>
+<Control xmlns="http://schemas.microsoft.com/VisualStudio/2011/storyboarding/control">
   <Id Name="System.Storyboarding.Common.Button" Revision="1" Stencil="System.Storyboarding.Common" StencilVersion="0.1"/>
 </Control>
 </file>
 
-<file path=customXml/item127.xml><?xml version="1.0" encoding="utf-8"?>
+<file path=customXml/item128.xml><?xml version="1.0" encoding="utf-8"?>
+<Control xmlns="http://schemas.microsoft.com/VisualStudio/2011/storyboarding/control">
+  <Id Name="600d61f4-2d09-42e6-a6db-83e260e051ae" RevisionId="3c9eb7e9-0ea7-4fb5-adc7-dcc81ff0fb36" Stencil="172d6d98-e5c9-42e9-a209-79f7a94bbd38" StencilRevisionId="00000000-0000-0000-0000-000000000000" StencilVersion="0.0"/>
+</Control>
+</file>
+
+<file path=customXml/item129.xml><?xml version="1.0" encoding="utf-8"?>
+<Control xmlns="http://schemas.microsoft.com/VisualStudio/2011/storyboarding/control">
+  <Id Name="600d61f4-2d09-42e6-a6db-83e260e051ae" RevisionId="3c9eb7e9-0ea7-4fb5-adc7-dcc81ff0fb36" Stencil="172d6d98-e5c9-42e9-a209-79f7a94bbd38" StencilRevisionId="00000000-0000-0000-0000-000000000000" StencilVersion="0.0"/>
+</Control>
+</file>
+
+<file path=customXml/item13.xml><?xml version="1.0" encoding="utf-8"?>
+<Control xmlns="http://schemas.microsoft.com/VisualStudio/2011/storyboarding/control">
+  <Id Name="366cd925-969f-44e1-b789-354cb31b0dfd" RevisionId="87c5073a-f3d6-4c7e-a7b7-c9586eacad3b" Stencil="172d6d98-e5c9-42e9-a209-79f7a94bbd38" StencilRevisionId="00000000-0000-0000-0000-000000000000" StencilVersion="0.0"/>
+</Control>
+</file>
+
+<file path=customXml/item130.xml><?xml version="1.0" encoding="utf-8"?>
+<Control xmlns="http://schemas.microsoft.com/VisualStudio/2011/storyboarding/control">
+  <Id Name="System.Storyboarding.Common.DropdownBox" Revision="1" Stencil="System.Storyboarding.Common" StencilVersion="0.1"/>
+</Control>
+</file>
+
+<file path=customXml/item131.xml><?xml version="1.0" encoding="utf-8"?>
+<Control xmlns="http://schemas.microsoft.com/VisualStudio/2011/storyboarding/control">
+  <Id Name="366cd925-969f-44e1-b789-354cb31b0dfd" RevisionId="87c5073a-f3d6-4c7e-a7b7-c9586eacad3b" Stencil="172d6d98-e5c9-42e9-a209-79f7a94bbd38" StencilRevisionId="00000000-0000-0000-0000-000000000000" StencilVersion="0.0"/>
+</Control>
+</file>
+
+<file path=customXml/item132.xml><?xml version="1.0" encoding="utf-8"?>
+<Control xmlns="http://schemas.microsoft.com/VisualStudio/2011/storyboarding/control">
+  <Id Name="9d9c56e0-6ca3-4298-b757-9c73dab947ac" RevisionId="993ea365-49c2-46dc-bf14-e971e460de1e" Stencil="172d6d98-e5c9-42e9-a209-79f7a94bbd38" StencilRevisionId="00000000-0000-0000-0000-000000000000" StencilVersion="0.0"/>
+</Control>
+</file>
+
+<file path=customXml/item133.xml><?xml version="1.0" encoding="utf-8"?>
+<Control xmlns="http://schemas.microsoft.com/VisualStudio/2011/storyboarding/control">
+  <Id Name="System.Storyboarding.Common.Text" Revision="1" Stencil="System.Storyboarding.Common" StencilVersion="0.1"/>
+</Control>
+</file>
+
+<file path=customXml/item134.xml><?xml version="1.0" encoding="utf-8"?>
+<Control xmlns="http://schemas.microsoft.com/VisualStudio/2011/storyboarding/control">
+  <Id Name="System.Storyboarding.Common.SearchBox" Revision="1" Stencil="System.Storyboarding.Common" StencilVersion="0.1"/>
+</Control>
+</file>
+
+<file path=customXml/item135.xml><?xml version="1.0" encoding="utf-8"?>
+<Control xmlns="http://schemas.microsoft.com/VisualStudio/2011/storyboarding/control">
+  <Id Name="System.Storyboarding.WindowsPhoneIcons.Save" Revision="1" Stencil="System.Storyboarding.WindowsPhoneIcons" StencilVersion="0.1"/>
+</Control>
+</file>
+
+<file path=customXml/item136.xml><?xml version="1.0" encoding="utf-8"?>
+<Control xmlns="http://schemas.microsoft.com/VisualStudio/2011/storyboarding/control">
+  <Id Name="600d61f4-2d09-42e6-a6db-83e260e051ae" RevisionId="3c9eb7e9-0ea7-4fb5-adc7-dcc81ff0fb36" Stencil="172d6d98-e5c9-42e9-a209-79f7a94bbd38" StencilRevisionId="00000000-0000-0000-0000-000000000000" StencilVersion="0.0"/>
+</Control>
+</file>
+
+<file path=customXml/item137.xml><?xml version="1.0" encoding="utf-8"?>
+<Control xmlns="http://schemas.microsoft.com/VisualStudio/2011/storyboarding/control">
+  <Id Name="System.Storyboarding.Common.MouseClick" Revision="1" Stencil="System.Storyboarding.Common" StencilVersion="0.1"/>
+</Control>
+</file>
+
+<file path=customXml/item138.xml><?xml version="1.0" encoding="utf-8"?>
+<Control xmlns="http://schemas.microsoft.com/VisualStudio/2011/storyboarding/control">
+  <Id Name="System.Storyboarding.Common.DropdownBox" Revision="1" Stencil="System.Storyboarding.Common" StencilVersion="0.1"/>
+</Control>
+</file>
+
+<file path=customXml/item139.xml><?xml version="1.0" encoding="utf-8"?>
+<Control xmlns="http://schemas.microsoft.com/VisualStudio/2011/storyboarding/control">
+  <Id Name="System.Storyboarding.Common.SearchBox" Revision="1" Stencil="System.Storyboarding.Common" StencilVersion="0.1"/>
+</Control>
+</file>
+
+<file path=customXml/item14.xml><?xml version="1.0" encoding="utf-8"?>
 <Control xmlns="http://schemas.microsoft.com/VisualStudio/2011/storyboarding/control">
   <Id Name="b5742593-4330-4997-98c6-02e7437a7975" Revision="1" Stencil="System.MyShapes" StencilVersion="1.0"/>
 </Control>
 </file>
 
-<file path=customXml/item128.xml><?xml version="1.0" encoding="utf-8"?>
+<file path=customXml/item140.xml><?xml version="1.0" encoding="utf-8"?>
+<Control xmlns="http://schemas.microsoft.com/VisualStudio/2011/storyboarding/control">
+  <Id Name="600d61f4-2d09-42e6-a6db-83e260e051ae" RevisionId="3c9eb7e9-0ea7-4fb5-adc7-dcc81ff0fb36" Stencil="172d6d98-e5c9-42e9-a209-79f7a94bbd38" StencilRevisionId="00000000-0000-0000-0000-000000000000" StencilVersion="0.0"/>
+</Control>
+</file>
+
+<file path=customXml/item141.xml><?xml version="1.0" encoding="utf-8"?>
+<Control xmlns="http://schemas.microsoft.com/VisualStudio/2011/storyboarding/control">
+  <Id Name="System.Storyboarding.Common.Text" Revision="1" Stencil="System.Storyboarding.Common" StencilVersion="0.1"/>
+</Control>
+</file>
+
+<file path=customXml/item142.xml><?xml version="1.0" encoding="utf-8"?>
+<Control xmlns="http://schemas.microsoft.com/VisualStudio/2011/storyboarding/control">
+  <Id Name="9d9c56e0-6ca3-4298-b757-9c73dab947ac" RevisionId="993ea365-49c2-46dc-bf14-e971e460de1e" Stencil="172d6d98-e5c9-42e9-a209-79f7a94bbd38" StencilRevisionId="00000000-0000-0000-0000-000000000000" StencilVersion="0.0"/>
+</Control>
+</file>
+
+<file path=customXml/item143.xml><?xml version="1.0" encoding="utf-8"?>
+<Control xmlns="http://schemas.microsoft.com/VisualStudio/2011/storyboarding/control">
+  <Id Name="System.Storyboarding.Common.Text" Revision="1" Stencil="System.Storyboarding.Common" StencilVersion="0.1"/>
+</Control>
+</file>
+
+<file path=customXml/item144.xml><?xml version="1.0" encoding="utf-8"?>
+<Control xmlns="http://schemas.microsoft.com/VisualStudio/2011/storyboarding/control">
+  <Id Name="System.Storyboarding.Common.DropdownBox" Revision="1" Stencil="System.Storyboarding.Common" StencilVersion="0.1"/>
+</Control>
+</file>
+
+<file path=customXml/item145.xml><?xml version="1.0" encoding="utf-8"?>
+<Control xmlns="http://schemas.microsoft.com/VisualStudio/2011/storyboarding/control">
+  <Id Name="System.Storyboarding.Common.TabGroup" Revision="1" Stencil="System.Storyboarding.Common" StencilVersion="0.1"/>
+</Control>
+</file>
+
+<file path=customXml/item146.xml><?xml version="1.0" encoding="utf-8"?>
+<Control xmlns="http://schemas.microsoft.com/VisualStudio/2011/storyboarding/control">
+  <Id Name="600d61f4-2d09-42e6-a6db-83e260e051ae" RevisionId="3c9eb7e9-0ea7-4fb5-adc7-dcc81ff0fb36" Stencil="172d6d98-e5c9-42e9-a209-79f7a94bbd38" StencilRevisionId="00000000-0000-0000-0000-000000000000" StencilVersion="0.0"/>
+</Control>
+</file>
+
+<file path=customXml/item147.xml><?xml version="1.0" encoding="utf-8"?>
+<Control xmlns="http://schemas.microsoft.com/VisualStudio/2011/storyboarding/control">
+  <Id Name="System.Storyboarding.Common.DropdownBox" Revision="1" Stencil="System.Storyboarding.Common" StencilVersion="0.1"/>
+</Control>
+</file>
+
+<file path=customXml/item148.xml><?xml version="1.0" encoding="utf-8"?>
+<Control xmlns="http://schemas.microsoft.com/VisualStudio/2011/storyboarding/control">
+  <Id Name="System.Storyboarding.WindowsPhoneIcons.Cancel" Revision="1" Stencil="System.Storyboarding.WindowsPhoneIcons" StencilVersion="0.1"/>
+</Control>
+</file>
+
+<file path=customXml/item149.xml><?xml version="1.0" encoding="utf-8"?>
+<Control xmlns="http://schemas.microsoft.com/VisualStudio/2011/storyboarding/control">
+  <Id Name="System.Storyboarding.Common.DropdownBox" Revision="1" Stencil="System.Storyboarding.Common" StencilVersion="0.1"/>
+</Control>
+</file>
+
+<file path=customXml/item15.xml><?xml version="1.0" encoding="utf-8"?>
+<Control xmlns="http://schemas.microsoft.com/VisualStudio/2011/storyboarding/control">
+  <Id Name="System.Storyboarding.Common.TextInput" Revision="1" Stencil="System.Storyboarding.Common" StencilVersion="0.1"/>
+</Control>
+</file>
+
+<file path=customXml/item150.xml><?xml version="1.0" encoding="utf-8"?>
+<Control xmlns="http://schemas.microsoft.com/VisualStudio/2011/storyboarding/control">
+  <Id Name="System.Storyboarding.Common.TabGroupVertical" Revision="1" Stencil="System.Storyboarding.Common" StencilVersion="0.1"/>
+</Control>
+</file>
+
+<file path=customXml/item16.xml><?xml version="1.0" encoding="utf-8"?>
+<Control xmlns="http://schemas.microsoft.com/VisualStudio/2011/storyboarding/control">
+  <Id Name="System.Storyboarding.WindowsPhoneIcons.Cancel" Revision="1" Stencil="System.Storyboarding.WindowsPhoneIcons" StencilVersion="0.1"/>
+</Control>
+</file>
+
+<file path=customXml/item17.xml><?xml version="1.0" encoding="utf-8"?>
+<Control xmlns="http://schemas.microsoft.com/VisualStudio/2011/storyboarding/control">
+  <Id Name="System.Storyboarding.WindowsPhoneIcons.BaseCircle" Revision="1" Stencil="System.Storyboarding.WindowsPhoneIcons" StencilVersion="0.1"/>
+</Control>
+</file>
+
+<file path=customXml/item18.xml><?xml version="1.0" encoding="utf-8"?>
+<Control xmlns="http://schemas.microsoft.com/VisualStudio/2011/storyboarding/control">
+  <Id Name="System.Storyboarding.Common.Text" Revision="1" Stencil="System.Storyboarding.Common" StencilVersion="0.1"/>
+</Control>
+</file>
+
+<file path=customXml/item19.xml><?xml version="1.0" encoding="utf-8"?>
+<Control xmlns="http://schemas.microsoft.com/VisualStudio/2011/storyboarding/control">
+  <Id Name="366cd925-969f-44e1-b789-354cb31b0dfd" RevisionId="87c5073a-f3d6-4c7e-a7b7-c9586eacad3b" Stencil="172d6d98-e5c9-42e9-a209-79f7a94bbd38" StencilRevisionId="00000000-0000-0000-0000-000000000000" StencilVersion="0.0"/>
+</Control>
+</file>
+
+<file path=customXml/item2.xml><?xml version="1.0" encoding="utf-8"?>
+<Control xmlns="http://schemas.microsoft.com/VisualStudio/2011/storyboarding/control">
+  <Id Name="System.Storyboarding.WindowsPhoneIcons.Save" Revision="1" Stencil="System.Storyboarding.WindowsPhoneIcons" StencilVersion="0.1"/>
+</Control>
+</file>
+
+<file path=customXml/item20.xml><?xml version="1.0" encoding="utf-8"?>
+<Control xmlns="http://schemas.microsoft.com/VisualStudio/2011/storyboarding/control">
+  <Id Name="System.Storyboarding.Common.Text" Revision="1" Stencil="System.Storyboarding.Common" StencilVersion="0.1"/>
+</Control>
+</file>
+
+<file path=customXml/item21.xml><?xml version="1.0" encoding="utf-8"?>
 <Control xmlns="http://schemas.microsoft.com/VisualStudio/2011/storyboarding/control">
   <Id Name="System.Storyboarding.Common.MouseClick" Revision="1" Stencil="System.Storyboarding.Common" StencilVersion="0.1"/>
 </Control>
 </file>
 
-<file path=customXml/item129.xml><?xml version="1.0" encoding="utf-8"?>
-<Control xmlns="http://schemas.microsoft.com/VisualStudio/2011/storyboarding/control">
-  <Id Name="System.Storyboarding.Annotation.AnimatedRectangleCallout" Revision="1" Stencil="System.Storyboarding.Annotation" StencilVersion="0.1"/>
-</Control>
-</file>
-
-<file path=customXml/item13.xml><?xml version="1.0" encoding="utf-8"?>
+<file path=customXml/item22.xml><?xml version="1.0" encoding="utf-8"?>
 <Control xmlns="http://schemas.microsoft.com/VisualStudio/2011/storyboarding/control">
   <Id Name="9d9c56e0-6ca3-4298-b757-9c73dab947ac" RevisionId="993ea365-49c2-46dc-bf14-e971e460de1e" Stencil="172d6d98-e5c9-42e9-a209-79f7a94bbd38" StencilRevisionId="00000000-0000-0000-0000-000000000000" StencilVersion="0.0"/>
 </Control>
 </file>
 
-<file path=customXml/item130.xml><?xml version="1.0" encoding="utf-8"?>
+<file path=customXml/item23.xml><?xml version="1.0" encoding="utf-8"?>
 <Control xmlns="http://schemas.microsoft.com/VisualStudio/2011/storyboarding/control">
-  <Id Name="System.Storyboarding.Common.MouseClick" Revision="1" Stencil="System.Storyboarding.Common" StencilVersion="0.1"/>
+  <Id Name="366cd925-969f-44e1-b789-354cb31b0dfd" RevisionId="87c5073a-f3d6-4c7e-a7b7-c9586eacad3b" Stencil="172d6d98-e5c9-42e9-a209-79f7a94bbd38" StencilRevisionId="00000000-0000-0000-0000-000000000000" StencilVersion="0.0"/>
 </Control>
 </file>
 
-<file path=customXml/item131.xml><?xml version="1.0" encoding="utf-8"?>
+<file path=customXml/item24.xml><?xml version="1.0" encoding="utf-8"?>
+<Control xmlns="http://schemas.microsoft.com/VisualStudio/2011/storyboarding/control">
+  <Id Name="System.Storyboarding.Common.DropdownBox" Revision="1" Stencil="System.Storyboarding.Common" StencilVersion="0.1"/>
+</Control>
+</file>
+
+<file path=customXml/item25.xml><?xml version="1.0" encoding="utf-8"?>
 <Control xmlns="http://schemas.microsoft.com/VisualStudio/2011/storyboarding/control">
   <Id Name="System.Storyboarding.WindowsPhoneIcons.BaseCircle" Revision="1" Stencil="System.Storyboarding.WindowsPhoneIcons" StencilVersion="0.1"/>
 </Control>
 </file>
 
-<file path=customXml/item132.xml><?xml version="1.0" encoding="utf-8"?>
+<file path=customXml/item26.xml><?xml version="1.0" encoding="utf-8"?>
+<Control xmlns="http://schemas.microsoft.com/VisualStudio/2011/storyboarding/control">
+  <Id Name="System.Storyboarding.Common.SearchBox" Revision="1" Stencil="System.Storyboarding.Common" StencilVersion="0.1"/>
+</Control>
+</file>
+
+<file path=customXml/item27.xml><?xml version="1.0" encoding="utf-8"?>
+<Control xmlns="http://schemas.microsoft.com/VisualStudio/2011/storyboarding/control">
+  <Id Name="366cd925-969f-44e1-b789-354cb31b0dfd" RevisionId="87c5073a-f3d6-4c7e-a7b7-c9586eacad3b" Stencil="172d6d98-e5c9-42e9-a209-79f7a94bbd38" StencilRevisionId="00000000-0000-0000-0000-000000000000" StencilVersion="0.0"/>
+</Control>
+</file>
+
+<file path=customXml/item28.xml><?xml version="1.0" encoding="utf-8"?>
+<Control xmlns="http://schemas.microsoft.com/VisualStudio/2011/storyboarding/control">
+  <Id Name="System.Storyboarding.Common.DropdownBox" Revision="1" Stencil="System.Storyboarding.Common" StencilVersion="0.1"/>
+</Control>
+</file>
+
+<file path=customXml/item29.xml><?xml version="1.0" encoding="utf-8"?>
+<Control xmlns="http://schemas.microsoft.com/VisualStudio/2011/storyboarding/control">
+  <Id Name="System.Storyboarding.Common.Text" Revision="1" Stencil="System.Storyboarding.Common" StencilVersion="0.1"/>
+</Control>
+</file>
+
+<file path=customXml/item3.xml><?xml version="1.0" encoding="utf-8"?>
 <Control xmlns="http://schemas.microsoft.com/VisualStudio/2011/storyboarding/control">
   <Id Name="System.Storyboarding.WindowsPhoneIcons.BaseCircle" Revision="1" Stencil="System.Storyboarding.WindowsPhoneIcons" StencilVersion="0.1"/>
 </Control>
 </file>
 
-<file path=customXml/item133.xml><?xml version="1.0" encoding="utf-8"?>
-<Control xmlns="http://schemas.microsoft.com/VisualStudio/2011/storyboarding/control">
-  <Id Name="System.Storyboarding.WindowsPhoneIcons.Save" Revision="1" Stencil="System.Storyboarding.WindowsPhoneIcons" StencilVersion="0.1"/>
-</Control>
-</file>
-
-<file path=customXml/item134.xml><?xml version="1.0" encoding="utf-8"?>
-<Control xmlns="http://schemas.microsoft.com/VisualStudio/2011/storyboarding/control">
-  <Id Name="System.Storyboarding.WindowsPhoneIcons.Cancel" Revision="1" Stencil="System.Storyboarding.WindowsPhoneIcons" StencilVersion="0.1"/>
-</Control>
-</file>
-
-<file path=customXml/item135.xml><?xml version="1.0" encoding="utf-8"?>
-<Control xmlns="http://schemas.microsoft.com/VisualStudio/2011/storyboarding/control">
-  <Id Name="366cd925-969f-44e1-b789-354cb31b0dfd" RevisionId="87c5073a-f3d6-4c7e-a7b7-c9586eacad3b" Stencil="172d6d98-e5c9-42e9-a209-79f7a94bbd38" StencilRevisionId="00000000-0000-0000-0000-000000000000" StencilVersion="0.0"/>
-</Control>
-</file>
-
-<file path=customXml/item136.xml><?xml version="1.0" encoding="utf-8"?>
-<Control xmlns="http://schemas.microsoft.com/VisualStudio/2011/storyboarding/control">
-  <Id Name="9d9c56e0-6ca3-4298-b757-9c73dab947ac" RevisionId="993ea365-49c2-46dc-bf14-e971e460de1e" Stencil="172d6d98-e5c9-42e9-a209-79f7a94bbd38" StencilRevisionId="00000000-0000-0000-0000-000000000000" StencilVersion="0.0"/>
-</Control>
-</file>
-
-<file path=customXml/item137.xml><?xml version="1.0" encoding="utf-8"?>
-<Control xmlns="http://schemas.microsoft.com/VisualStudio/2011/storyboarding/control">
-  <Id Name="600d61f4-2d09-42e6-a6db-83e260e051ae" RevisionId="3c9eb7e9-0ea7-4fb5-adc7-dcc81ff0fb36" Stencil="172d6d98-e5c9-42e9-a209-79f7a94bbd38" StencilRevisionId="00000000-0000-0000-0000-000000000000" StencilVersion="0.0"/>
-</Control>
-</file>
-
-<file path=customXml/item138.xml><?xml version="1.0" encoding="utf-8"?>
-<Control xmlns="http://schemas.microsoft.com/VisualStudio/2011/storyboarding/control">
-  <Id Name="366cd925-969f-44e1-b789-354cb31b0dfd" RevisionId="87c5073a-f3d6-4c7e-a7b7-c9586eacad3b" Stencil="172d6d98-e5c9-42e9-a209-79f7a94bbd38" StencilRevisionId="00000000-0000-0000-0000-000000000000" StencilVersion="0.0"/>
-</Control>
-</file>
-
-<file path=customXml/item139.xml><?xml version="1.0" encoding="utf-8"?>
-<Control xmlns="http://schemas.microsoft.com/VisualStudio/2011/storyboarding/control">
-  <Id Name="366cd925-969f-44e1-b789-354cb31b0dfd" RevisionId="87c5073a-f3d6-4c7e-a7b7-c9586eacad3b" Stencil="172d6d98-e5c9-42e9-a209-79f7a94bbd38" StencilRevisionId="00000000-0000-0000-0000-000000000000" StencilVersion="0.0"/>
-</Control>
-</file>
-
-<file path=customXml/item14.xml><?xml version="1.0" encoding="utf-8"?>
-<Control xmlns="http://schemas.microsoft.com/VisualStudio/2011/storyboarding/control">
-  <Id Name="366cd925-969f-44e1-b789-354cb31b0dfd" RevisionId="87c5073a-f3d6-4c7e-a7b7-c9586eacad3b" Stencil="172d6d98-e5c9-42e9-a209-79f7a94bbd38" StencilRevisionId="00000000-0000-0000-0000-000000000000" StencilVersion="0.0"/>
-</Control>
-</file>
-
-<file path=customXml/item140.xml><?xml version="1.0" encoding="utf-8"?>
-<Control xmlns="http://schemas.microsoft.com/VisualStudio/2011/storyboarding/control">
-  <Id Name="9d9c56e0-6ca3-4298-b757-9c73dab947ac" RevisionId="993ea365-49c2-46dc-bf14-e971e460de1e" Stencil="172d6d98-e5c9-42e9-a209-79f7a94bbd38" StencilRevisionId="00000000-0000-0000-0000-000000000000" StencilVersion="0.0"/>
-</Control>
-</file>
-
-<file path=customXml/item141.xml><?xml version="1.0" encoding="utf-8"?>
-<Control xmlns="http://schemas.microsoft.com/VisualStudio/2011/storyboarding/control">
-  <Id Name="600d61f4-2d09-42e6-a6db-83e260e051ae" RevisionId="3c9eb7e9-0ea7-4fb5-adc7-dcc81ff0fb36" Stencil="172d6d98-e5c9-42e9-a209-79f7a94bbd38" StencilRevisionId="00000000-0000-0000-0000-000000000000" StencilVersion="0.0"/>
-</Control>
-</file>
-
-<file path=customXml/item142.xml><?xml version="1.0" encoding="utf-8"?>
-<Control xmlns="http://schemas.microsoft.com/VisualStudio/2011/storyboarding/control">
-  <Id Name="366cd925-969f-44e1-b789-354cb31b0dfd" RevisionId="87c5073a-f3d6-4c7e-a7b7-c9586eacad3b" Stencil="172d6d98-e5c9-42e9-a209-79f7a94bbd38" StencilRevisionId="00000000-0000-0000-0000-000000000000" StencilVersion="0.0"/>
-</Control>
-</file>
-
-<file path=customXml/item143.xml><?xml version="1.0" encoding="utf-8"?>
-<Control xmlns="http://schemas.microsoft.com/VisualStudio/2011/storyboarding/control">
-  <Id Name="366cd925-969f-44e1-b789-354cb31b0dfd" RevisionId="87c5073a-f3d6-4c7e-a7b7-c9586eacad3b" Stencil="172d6d98-e5c9-42e9-a209-79f7a94bbd38" StencilRevisionId="00000000-0000-0000-0000-000000000000" StencilVersion="0.0"/>
-</Control>
-</file>
-
-<file path=customXml/item144.xml><?xml version="1.0" encoding="utf-8"?>
-<Control xmlns="http://schemas.microsoft.com/VisualStudio/2011/storyboarding/control">
-  <Id Name="9d9c56e0-6ca3-4298-b757-9c73dab947ac" RevisionId="993ea365-49c2-46dc-bf14-e971e460de1e" Stencil="172d6d98-e5c9-42e9-a209-79f7a94bbd38" StencilRevisionId="00000000-0000-0000-0000-000000000000" StencilVersion="0.0"/>
-</Control>
-</file>
-
-<file path=customXml/item145.xml><?xml version="1.0" encoding="utf-8"?>
-<Control xmlns="http://schemas.microsoft.com/VisualStudio/2011/storyboarding/control">
-  <Id Name="600d61f4-2d09-42e6-a6db-83e260e051ae" RevisionId="3c9eb7e9-0ea7-4fb5-adc7-dcc81ff0fb36" Stencil="172d6d98-e5c9-42e9-a209-79f7a94bbd38" StencilRevisionId="00000000-0000-0000-0000-000000000000" StencilVersion="0.0"/>
-</Control>
-</file>
-
-<file path=customXml/item146.xml><?xml version="1.0" encoding="utf-8"?>
-<Control xmlns="http://schemas.microsoft.com/VisualStudio/2011/storyboarding/control">
-  <Id Name="366cd925-969f-44e1-b789-354cb31b0dfd" RevisionId="87c5073a-f3d6-4c7e-a7b7-c9586eacad3b" Stencil="172d6d98-e5c9-42e9-a209-79f7a94bbd38" StencilRevisionId="00000000-0000-0000-0000-000000000000" StencilVersion="0.0"/>
-</Control>
-</file>
-
-<file path=customXml/item147.xml><?xml version="1.0" encoding="utf-8"?>
-<Control xmlns="http://schemas.microsoft.com/VisualStudio/2011/storyboarding/control">
-  <Id Name="System.Storyboarding.Common.TabGroup" Revision="1" Stencil="System.Storyboarding.Common" StencilVersion="0.1"/>
-</Control>
-</file>
-
-<file path=customXml/item148.xml><?xml version="1.0" encoding="utf-8"?>
-<Control xmlns="http://schemas.microsoft.com/VisualStudio/2011/storyboarding/control">
-  <Id Name="System.Storyboarding.Common.Button" Revision="1" Stencil="System.Storyboarding.Common" StencilVersion="0.1"/>
-</Control>
-</file>
-
-<file path=customXml/item149.xml><?xml version="1.0" encoding="utf-8"?>
-<Control xmlns="http://schemas.microsoft.com/VisualStudio/2011/storyboarding/control">
-  <Id Name="System.Storyboarding.Common.Button" Revision="1" Stencil="System.Storyboarding.Common" StencilVersion="0.1"/>
-</Control>
-</file>
-
-<file path=customXml/item15.xml><?xml version="1.0" encoding="utf-8"?>
-<Control xmlns="http://schemas.microsoft.com/VisualStudio/2011/storyboarding/control">
-  <Id Name="366cd925-969f-44e1-b789-354cb31b0dfd" RevisionId="87c5073a-f3d6-4c7e-a7b7-c9586eacad3b" Stencil="172d6d98-e5c9-42e9-a209-79f7a94bbd38" StencilRevisionId="00000000-0000-0000-0000-000000000000" StencilVersion="0.0"/>
-</Control>
-</file>
-
-<file path=customXml/item150.xml><?xml version="1.0" encoding="utf-8"?>
-<Control xmlns="http://schemas.microsoft.com/VisualStudio/2011/storyboarding/control">
-  <Id Name="System.Storyboarding.Common.MouseClick" Revision="1" Stencil="System.Storyboarding.Common" StencilVersion="0.1"/>
-</Control>
-</file>
-
-<file path=customXml/item16.xml><?xml version="1.0" encoding="utf-8"?>
-<Control xmlns="http://schemas.microsoft.com/VisualStudio/2011/storyboarding/control">
-  <Id Name="600d61f4-2d09-42e6-a6db-83e260e051ae" RevisionId="3c9eb7e9-0ea7-4fb5-adc7-dcc81ff0fb36" Stencil="172d6d98-e5c9-42e9-a209-79f7a94bbd38" StencilRevisionId="00000000-0000-0000-0000-000000000000" StencilVersion="0.0"/>
-</Control>
-</file>
-
-<file path=customXml/item17.xml><?xml version="1.0" encoding="utf-8"?>
-<Control xmlns="http://schemas.microsoft.com/VisualStudio/2011/storyboarding/control">
-  <Id Name="366cd925-969f-44e1-b789-354cb31b0dfd" RevisionId="87c5073a-f3d6-4c7e-a7b7-c9586eacad3b" Stencil="172d6d98-e5c9-42e9-a209-79f7a94bbd38" StencilRevisionId="00000000-0000-0000-0000-000000000000" StencilVersion="0.0"/>
-</Control>
-</file>
-
-<file path=customXml/item18.xml><?xml version="1.0" encoding="utf-8"?>
-<Control xmlns="http://schemas.microsoft.com/VisualStudio/2011/storyboarding/control">
-  <Id Name="366cd925-969f-44e1-b789-354cb31b0dfd" RevisionId="87c5073a-f3d6-4c7e-a7b7-c9586eacad3b" Stencil="172d6d98-e5c9-42e9-a209-79f7a94bbd38" StencilRevisionId="00000000-0000-0000-0000-000000000000" StencilVersion="0.0"/>
-</Control>
-</file>
-
-<file path=customXml/item19.xml><?xml version="1.0" encoding="utf-8"?>
-<Control xmlns="http://schemas.microsoft.com/VisualStudio/2011/storyboarding/control">
-  <Id Name="600d61f4-2d09-42e6-a6db-83e260e051ae" RevisionId="3c9eb7e9-0ea7-4fb5-adc7-dcc81ff0fb36" Stencil="172d6d98-e5c9-42e9-a209-79f7a94bbd38" StencilRevisionId="00000000-0000-0000-0000-000000000000" StencilVersion="0.0"/>
-</Control>
-</file>
-
-<file path=customXml/item2.xml><?xml version="1.0" encoding="utf-8"?>
-<Control xmlns="http://schemas.microsoft.com/VisualStudio/2011/storyboarding/control">
-  <Id Name="366cd925-969f-44e1-b789-354cb31b0dfd" RevisionId="87c5073a-f3d6-4c7e-a7b7-c9586eacad3b" Stencil="172d6d98-e5c9-42e9-a209-79f7a94bbd38" StencilRevisionId="00000000-0000-0000-0000-000000000000" StencilVersion="0.0"/>
-</Control>
-</file>
-
-<file path=customXml/item20.xml><?xml version="1.0" encoding="utf-8"?>
-<Control xmlns="http://schemas.microsoft.com/VisualStudio/2011/storyboarding/control">
-  <Id Name="9d9c56e0-6ca3-4298-b757-9c73dab947ac" RevisionId="993ea365-49c2-46dc-bf14-e971e460de1e" Stencil="172d6d98-e5c9-42e9-a209-79f7a94bbd38" StencilRevisionId="00000000-0000-0000-0000-000000000000" StencilVersion="0.0"/>
-</Control>
-</file>
-
-<file path=customXml/item21.xml><?xml version="1.0" encoding="utf-8"?>
-<Control xmlns="http://schemas.microsoft.com/VisualStudio/2011/storyboarding/control">
-  <Id Name="System.Storyboarding.Common.TabGroup" Revision="1" Stencil="System.Storyboarding.Common" StencilVersion="0.1"/>
-</Control>
-</file>
-
-<file path=customXml/item22.xml><?xml version="1.0" encoding="utf-8"?>
-<Control xmlns="http://schemas.microsoft.com/VisualStudio/2011/storyboarding/control">
-  <Id Name="System.Storyboarding.Common.TextInput" Revision="1" Stencil="System.Storyboarding.Common" StencilVersion="0.1"/>
-</Control>
-</file>
-
-<file path=customXml/item23.xml><?xml version="1.0" encoding="utf-8"?>
-<Control xmlns="http://schemas.microsoft.com/VisualStudio/2011/storyboarding/control">
-  <Id Name="System.Storyboarding.Common.TextInput" Revision="1" Stencil="System.Storyboarding.Common" StencilVersion="0.1"/>
-</Control>
-</file>
-
-<file path=customXml/item24.xml><?xml version="1.0" encoding="utf-8"?>
-<Control xmlns="http://schemas.microsoft.com/VisualStudio/2011/storyboarding/control">
-  <Id Name="System.Storyboarding.Common.TextInput" Revision="1" Stencil="System.Storyboarding.Common" StencilVersion="0.1"/>
-</Control>
-</file>
-
-<file path=customXml/item25.xml><?xml version="1.0" encoding="utf-8"?>
-<Control xmlns="http://schemas.microsoft.com/VisualStudio/2011/storyboarding/control">
-  <Id Name="System.Storyboarding.Common.TextArea" Revision="1" Stencil="System.Storyboarding.Common" StencilVersion="0.1"/>
-</Control>
-</file>
-
-<file path=customXml/item26.xml><?xml version="1.0" encoding="utf-8"?>
-<Control xmlns="http://schemas.microsoft.com/VisualStudio/2011/storyboarding/control">
-  <Id Name="System.Storyboarding.Common.DropdownBox" Revision="1" Stencil="System.Storyboarding.Common" StencilVersion="0.1"/>
-</Control>
-</file>
-
-<file path=customXml/item27.xml><?xml version="1.0" encoding="utf-8"?>
-<Control xmlns="http://schemas.microsoft.com/VisualStudio/2011/storyboarding/control">
-  <Id Name="System.Storyboarding.Common.DropdownBox" Revision="1" Stencil="System.Storyboarding.Common" StencilVersion="0.1"/>
-</Control>
-</file>
-
-<file path=customXml/item28.xml><?xml version="1.0" encoding="utf-8"?>
-<Control xmlns="http://schemas.microsoft.com/VisualStudio/2011/storyboarding/control">
-  <Id Name="System.Storyboarding.Common.SearchBox" Revision="1" Stencil="System.Storyboarding.Common" StencilVersion="0.1"/>
-</Control>
-</file>
-
-<file path=customXml/item29.xml><?xml version="1.0" encoding="utf-8"?>
-<Control xmlns="http://schemas.microsoft.com/VisualStudio/2011/storyboarding/control">
-  <Id Name="System.Storyboarding.Common.DropdownBox" Revision="1" Stencil="System.Storyboarding.Common" StencilVersion="0.1"/>
-</Control>
-</file>
-
-<file path=customXml/item3.xml><?xml version="1.0" encoding="utf-8"?>
-<Control xmlns="http://schemas.microsoft.com/VisualStudio/2011/storyboarding/control">
-  <Id Name="366cd925-969f-44e1-b789-354cb31b0dfd" RevisionId="87c5073a-f3d6-4c7e-a7b7-c9586eacad3b" Stencil="172d6d98-e5c9-42e9-a209-79f7a94bbd38" StencilRevisionId="00000000-0000-0000-0000-000000000000" StencilVersion="0.0"/>
-</Control>
-</file>
-
 <file path=customXml/item30.xml><?xml version="1.0" encoding="utf-8"?>
 <Control xmlns="http://schemas.microsoft.com/VisualStudio/2011/storyboarding/control">
-  <Id Name="System.Storyboarding.Common.SearchBox" Revision="1" Stencil="System.Storyboarding.Common" StencilVersion="0.1"/>
+  <Id Name="System.Storyboarding.Annotation.AnimatedRectangleCallout" Revision="1" Stencil="System.Storyboarding.Annotation" StencilVersion="0.1"/>
 </Control>
 </file>
 
@@ -26388,7 +26357,7 @@
 
 <file path=customXml/item32.xml><?xml version="1.0" encoding="utf-8"?>
 <Control xmlns="http://schemas.microsoft.com/VisualStudio/2011/storyboarding/control">
-  <Id Name="System.Storyboarding.Common.SearchBox" Revision="1" Stencil="System.Storyboarding.Common" StencilVersion="0.1"/>
+  <Id Name="366cd925-969f-44e1-b789-354cb31b0dfd" RevisionId="87c5073a-f3d6-4c7e-a7b7-c9586eacad3b" Stencil="172d6d98-e5c9-42e9-a209-79f7a94bbd38" StencilRevisionId="00000000-0000-0000-0000-000000000000" StencilVersion="0.0"/>
 </Control>
 </file>
 
@@ -26400,103 +26369,103 @@
 
 <file path=customXml/item34.xml><?xml version="1.0" encoding="utf-8"?>
 <Control xmlns="http://schemas.microsoft.com/VisualStudio/2011/storyboarding/control">
-  <Id Name="System.Storyboarding.Common.SearchBox" Revision="1" Stencil="System.Storyboarding.Common" StencilVersion="0.1"/>
+  <Id Name="System.Storyboarding.Common.Text" Revision="1" Stencil="System.Storyboarding.Common" StencilVersion="0.1"/>
 </Control>
 </file>
 
 <file path=customXml/item35.xml><?xml version="1.0" encoding="utf-8"?>
-<Control xmlns="http://schemas.microsoft.com/VisualStudio/2011/storyboarding/control">
-  <Id Name="System.Storyboarding.Common.MouseClick" Revision="1" Stencil="System.Storyboarding.Common" StencilVersion="0.1"/>
-</Control>
-</file>
-
-<file path=customXml/item36.xml><?xml version="1.0" encoding="utf-8"?>
-<Control xmlns="http://schemas.microsoft.com/VisualStudio/2011/storyboarding/control">
-  <Id Name="System.Storyboarding.Common.MouseClick" Revision="1" Stencil="System.Storyboarding.Common" StencilVersion="0.1"/>
-</Control>
-</file>
-
-<file path=customXml/item37.xml><?xml version="1.0" encoding="utf-8"?>
-<Control xmlns="http://schemas.microsoft.com/VisualStudio/2011/storyboarding/control">
-  <Id Name="System.Storyboarding.Common.MouseClick" Revision="1" Stencil="System.Storyboarding.Common" StencilVersion="0.1"/>
-</Control>
-</file>
-
-<file path=customXml/item38.xml><?xml version="1.0" encoding="utf-8"?>
 <Control xmlns="http://schemas.microsoft.com/VisualStudio/2011/storyboarding/control">
   <Id Name="System.Storyboarding.WindowsPhoneIcons.BaseCircle" Revision="1" Stencil="System.Storyboarding.WindowsPhoneIcons" StencilVersion="0.1"/>
 </Control>
 </file>
 
-<file path=customXml/item39.xml><?xml version="1.0" encoding="utf-8"?>
+<file path=customXml/item36.xml><?xml version="1.0" encoding="utf-8"?>
 <Control xmlns="http://schemas.microsoft.com/VisualStudio/2011/storyboarding/control">
-  <Id Name="b5742593-4330-4997-98c6-02e7437a7975" Revision="1" Stencil="System.MyShapes" StencilVersion="1.0"/>
+  <Id Name="9d9c56e0-6ca3-4298-b757-9c73dab947ac" RevisionId="993ea365-49c2-46dc-bf14-e971e460de1e" Stencil="172d6d98-e5c9-42e9-a209-79f7a94bbd38" StencilRevisionId="00000000-0000-0000-0000-000000000000" StencilVersion="0.0"/>
 </Control>
 </file>
 
-<file path=customXml/item4.xml><?xml version="1.0" encoding="utf-8"?>
+<file path=customXml/item37.xml><?xml version="1.0" encoding="utf-8"?>
 <Control xmlns="http://schemas.microsoft.com/VisualStudio/2011/storyboarding/control">
   <Id Name="600d61f4-2d09-42e6-a6db-83e260e051ae" RevisionId="3c9eb7e9-0ea7-4fb5-adc7-dcc81ff0fb36" Stencil="172d6d98-e5c9-42e9-a209-79f7a94bbd38" StencilRevisionId="00000000-0000-0000-0000-000000000000" StencilVersion="0.0"/>
 </Control>
 </file>
 
+<file path=customXml/item38.xml><?xml version="1.0" encoding="utf-8"?>
+<Control xmlns="http://schemas.microsoft.com/VisualStudio/2011/storyboarding/control">
+  <Id Name="600d61f4-2d09-42e6-a6db-83e260e051ae" RevisionId="3c9eb7e9-0ea7-4fb5-adc7-dcc81ff0fb36" Stencil="172d6d98-e5c9-42e9-a209-79f7a94bbd38" StencilRevisionId="00000000-0000-0000-0000-000000000000" StencilVersion="0.0"/>
+</Control>
+</file>
+
+<file path=customXml/item39.xml><?xml version="1.0" encoding="utf-8"?>
+<Control xmlns="http://schemas.microsoft.com/VisualStudio/2011/storyboarding/control">
+  <Id Name="366cd925-969f-44e1-b789-354cb31b0dfd" RevisionId="87c5073a-f3d6-4c7e-a7b7-c9586eacad3b" Stencil="172d6d98-e5c9-42e9-a209-79f7a94bbd38" StencilRevisionId="00000000-0000-0000-0000-000000000000" StencilVersion="0.0"/>
+</Control>
+</file>
+
+<file path=customXml/item4.xml><?xml version="1.0" encoding="utf-8"?>
+<Control xmlns="http://schemas.microsoft.com/VisualStudio/2011/storyboarding/control">
+  <Id Name="System.Storyboarding.Common.TabGroupVertical" Revision="1" Stencil="System.Storyboarding.Common" StencilVersion="0.1"/>
+</Control>
+</file>
+
 <file path=customXml/item40.xml><?xml version="1.0" encoding="utf-8"?>
 <Control xmlns="http://schemas.microsoft.com/VisualStudio/2011/storyboarding/control">
-  <Id Name="System.Storyboarding.WindowsPhoneIcons.BaseCircle" Revision="1" Stencil="System.Storyboarding.WindowsPhoneIcons" StencilVersion="0.1"/>
+  <Id Name="System.Storyboarding.Common.TextInput" Revision="1" Stencil="System.Storyboarding.Common" StencilVersion="0.1"/>
 </Control>
 </file>
 
 <file path=customXml/item41.xml><?xml version="1.0" encoding="utf-8"?>
 <Control xmlns="http://schemas.microsoft.com/VisualStudio/2011/storyboarding/control">
-  <Id Name="System.Storyboarding.WindowsPhoneIcons.BaseCircle" Revision="1" Stencil="System.Storyboarding.WindowsPhoneIcons" StencilVersion="0.1"/>
+  <Id Name="System.Storyboarding.Common.SearchBox" Revision="1" Stencil="System.Storyboarding.Common" StencilVersion="0.1"/>
 </Control>
 </file>
 
 <file path=customXml/item42.xml><?xml version="1.0" encoding="utf-8"?>
+<Control xmlns="http://schemas.microsoft.com/VisualStudio/2011/storyboarding/control">
+  <Id Name="System.Storyboarding.Common.TextInput" Revision="1" Stencil="System.Storyboarding.Common" StencilVersion="0.1"/>
+</Control>
+</file>
+
+<file path=customXml/item43.xml><?xml version="1.0" encoding="utf-8"?>
+<Control xmlns="http://schemas.microsoft.com/VisualStudio/2011/storyboarding/control">
+  <Id Name="System.Storyboarding.Common.SearchBox" Revision="1" Stencil="System.Storyboarding.Common" StencilVersion="0.1"/>
+</Control>
+</file>
+
+<file path=customXml/item44.xml><?xml version="1.0" encoding="utf-8"?>
+<Control xmlns="http://schemas.microsoft.com/VisualStudio/2011/storyboarding/control">
+  <Id Name="System.Storyboarding.Common.Text" Revision="1" Stencil="System.Storyboarding.Common" StencilVersion="0.1"/>
+</Control>
+</file>
+
+<file path=customXml/item45.xml><?xml version="1.0" encoding="utf-8"?>
+<Control xmlns="http://schemas.microsoft.com/VisualStudio/2011/storyboarding/control">
+  <Id Name="366cd925-969f-44e1-b789-354cb31b0dfd" RevisionId="87c5073a-f3d6-4c7e-a7b7-c9586eacad3b" Stencil="172d6d98-e5c9-42e9-a209-79f7a94bbd38" StencilRevisionId="00000000-0000-0000-0000-000000000000" StencilVersion="0.0"/>
+</Control>
+</file>
+
+<file path=customXml/item46.xml><?xml version="1.0" encoding="utf-8"?>
+<Control xmlns="http://schemas.microsoft.com/VisualStudio/2011/storyboarding/control">
+  <Id Name="System.Storyboarding.Common.DropdownBox" Revision="1" Stencil="System.Storyboarding.Common" StencilVersion="0.1"/>
+</Control>
+</file>
+
+<file path=customXml/item47.xml><?xml version="1.0" encoding="utf-8"?>
 <Control xmlns="http://schemas.microsoft.com/VisualStudio/2011/storyboarding/control">
   <Id Name="System.Storyboarding.WindowsPhoneIcons.Save" Revision="1" Stencil="System.Storyboarding.WindowsPhoneIcons" StencilVersion="0.1"/>
 </Control>
 </file>
 
-<file path=customXml/item43.xml><?xml version="1.0" encoding="utf-8"?>
-<Control xmlns="http://schemas.microsoft.com/VisualStudio/2011/storyboarding/control">
-  <Id Name="System.Storyboarding.WindowsPhoneIcons.Cancel" Revision="1" Stencil="System.Storyboarding.WindowsPhoneIcons" StencilVersion="0.1"/>
-</Control>
-</file>
-
-<file path=customXml/item44.xml><?xml version="1.0" encoding="utf-8"?>
-<Control xmlns="http://schemas.microsoft.com/VisualStudio/2011/storyboarding/control">
-  <Id Name="366cd925-969f-44e1-b789-354cb31b0dfd" RevisionId="87c5073a-f3d6-4c7e-a7b7-c9586eacad3b" Stencil="172d6d98-e5c9-42e9-a209-79f7a94bbd38" StencilRevisionId="00000000-0000-0000-0000-000000000000" StencilVersion="0.0"/>
-</Control>
-</file>
-
-<file path=customXml/item45.xml><?xml version="1.0" encoding="utf-8"?>
-<Control xmlns="http://schemas.microsoft.com/VisualStudio/2011/storyboarding/control">
-  <Id Name="9d9c56e0-6ca3-4298-b757-9c73dab947ac" RevisionId="993ea365-49c2-46dc-bf14-e971e460de1e" Stencil="172d6d98-e5c9-42e9-a209-79f7a94bbd38" StencilRevisionId="00000000-0000-0000-0000-000000000000" StencilVersion="0.0"/>
-</Control>
-</file>
-
-<file path=customXml/item46.xml><?xml version="1.0" encoding="utf-8"?>
-<Control xmlns="http://schemas.microsoft.com/VisualStudio/2011/storyboarding/control">
-  <Id Name="600d61f4-2d09-42e6-a6db-83e260e051ae" RevisionId="3c9eb7e9-0ea7-4fb5-adc7-dcc81ff0fb36" Stencil="172d6d98-e5c9-42e9-a209-79f7a94bbd38" StencilRevisionId="00000000-0000-0000-0000-000000000000" StencilVersion="0.0"/>
-</Control>
-</file>
-
-<file path=customXml/item47.xml><?xml version="1.0" encoding="utf-8"?>
-<Control xmlns="http://schemas.microsoft.com/VisualStudio/2011/storyboarding/control">
-  <Id Name="366cd925-969f-44e1-b789-354cb31b0dfd" RevisionId="87c5073a-f3d6-4c7e-a7b7-c9586eacad3b" Stencil="172d6d98-e5c9-42e9-a209-79f7a94bbd38" StencilRevisionId="00000000-0000-0000-0000-000000000000" StencilVersion="0.0"/>
-</Control>
-</file>
-
 <file path=customXml/item48.xml><?xml version="1.0" encoding="utf-8"?>
 <Control xmlns="http://schemas.microsoft.com/VisualStudio/2011/storyboarding/control">
-  <Id Name="System.Storyboarding.Common.TabGroup" Revision="1" Stencil="System.Storyboarding.Common" StencilVersion="0.1"/>
+  <Id Name="System.Storyboarding.Common.SearchBox" Revision="1" Stencil="System.Storyboarding.Common" StencilVersion="0.1"/>
 </Control>
 </file>
 
 <file path=customXml/item49.xml><?xml version="1.0" encoding="utf-8"?>
 <Control xmlns="http://schemas.microsoft.com/VisualStudio/2011/storyboarding/control">
-  <Id Name="System.Storyboarding.Common.TextInput" Revision="1" Stencil="System.Storyboarding.Common" StencilVersion="0.1"/>
+  <Id Name="System.Storyboarding.Common.Text" Revision="1" Stencil="System.Storyboarding.Common" StencilVersion="0.1"/>
 </Control>
 </file>
 
@@ -26508,139 +26477,139 @@
 
 <file path=customXml/item50.xml><?xml version="1.0" encoding="utf-8"?>
 <Control xmlns="http://schemas.microsoft.com/VisualStudio/2011/storyboarding/control">
-  <Id Name="System.Storyboarding.Common.TextInput" Revision="1" Stencil="System.Storyboarding.Common" StencilVersion="0.1"/>
+  <Id Name="System.Storyboarding.Common.MouseClick" Revision="1" Stencil="System.Storyboarding.Common" StencilVersion="0.1"/>
 </Control>
 </file>
 
 <file path=customXml/item51.xml><?xml version="1.0" encoding="utf-8"?>
+<Control xmlns="http://schemas.microsoft.com/VisualStudio/2011/storyboarding/control">
+  <Id Name="366cd925-969f-44e1-b789-354cb31b0dfd" RevisionId="87c5073a-f3d6-4c7e-a7b7-c9586eacad3b" Stencil="172d6d98-e5c9-42e9-a209-79f7a94bbd38" StencilRevisionId="00000000-0000-0000-0000-000000000000" StencilVersion="0.0"/>
+</Control>
+</file>
+
+<file path=customXml/item52.xml><?xml version="1.0" encoding="utf-8"?>
+<Control xmlns="http://schemas.microsoft.com/VisualStudio/2011/storyboarding/control">
+  <Id Name="9d9c56e0-6ca3-4298-b757-9c73dab947ac" RevisionId="993ea365-49c2-46dc-bf14-e971e460de1e" Stencil="172d6d98-e5c9-42e9-a209-79f7a94bbd38" StencilRevisionId="00000000-0000-0000-0000-000000000000" StencilVersion="0.0"/>
+</Control>
+</file>
+
+<file path=customXml/item53.xml><?xml version="1.0" encoding="utf-8"?>
+<Control xmlns="http://schemas.microsoft.com/VisualStudio/2011/storyboarding/control">
+  <Id Name="366cd925-969f-44e1-b789-354cb31b0dfd" RevisionId="87c5073a-f3d6-4c7e-a7b7-c9586eacad3b" Stencil="172d6d98-e5c9-42e9-a209-79f7a94bbd38" StencilRevisionId="00000000-0000-0000-0000-000000000000" StencilVersion="0.0"/>
+</Control>
+</file>
+
+<file path=customXml/item54.xml><?xml version="1.0" encoding="utf-8"?>
+<Control xmlns="http://schemas.microsoft.com/VisualStudio/2011/storyboarding/control">
+  <Id Name="b5742593-4330-4997-98c6-02e7437a7975" Revision="1" Stencil="System.MyShapes" StencilVersion="1.0"/>
+</Control>
+</file>
+
+<file path=customXml/item55.xml><?xml version="1.0" encoding="utf-8"?>
+<Control xmlns="http://schemas.microsoft.com/VisualStudio/2011/storyboarding/control">
+  <Id Name="System.Storyboarding.Common.DropdownBox" Revision="1" Stencil="System.Storyboarding.Common" StencilVersion="0.1"/>
+</Control>
+</file>
+
+<file path=customXml/item56.xml><?xml version="1.0" encoding="utf-8"?>
+<Control xmlns="http://schemas.microsoft.com/VisualStudio/2011/storyboarding/control">
+  <Id Name="System.Storyboarding.Common.SearchBox" Revision="1" Stencil="System.Storyboarding.Common" StencilVersion="0.1"/>
+</Control>
+</file>
+
+<file path=customXml/item57.xml><?xml version="1.0" encoding="utf-8"?>
 <Control xmlns="http://schemas.microsoft.com/VisualStudio/2011/storyboarding/control">
   <Id Name="System.Storyboarding.Common.TextInput" Revision="1" Stencil="System.Storyboarding.Common" StencilVersion="0.1"/>
 </Control>
 </file>
 
-<file path=customXml/item52.xml><?xml version="1.0" encoding="utf-8"?>
+<file path=customXml/item58.xml><?xml version="1.0" encoding="utf-8"?>
+<Control xmlns="http://schemas.microsoft.com/VisualStudio/2011/storyboarding/control">
+  <Id Name="System.Storyboarding.Common.SearchBox" Revision="1" Stencil="System.Storyboarding.Common" StencilVersion="0.1"/>
+</Control>
+</file>
+
+<file path=customXml/item59.xml><?xml version="1.0" encoding="utf-8"?>
+<Control xmlns="http://schemas.microsoft.com/VisualStudio/2011/storyboarding/control">
+  <Id Name="System.Storyboarding.Common.DropdownBox" Revision="1" Stencil="System.Storyboarding.Common" StencilVersion="0.1"/>
+</Control>
+</file>
+
+<file path=customXml/item6.xml><?xml version="1.0" encoding="utf-8"?>
 <Control xmlns="http://schemas.microsoft.com/VisualStudio/2011/storyboarding/control">
   <Id Name="System.Storyboarding.Common.TextArea" Revision="1" Stencil="System.Storyboarding.Common" StencilVersion="0.1"/>
 </Control>
 </file>
 
-<file path=customXml/item53.xml><?xml version="1.0" encoding="utf-8"?>
+<file path=customXml/item60.xml><?xml version="1.0" encoding="utf-8"?>
 <Control xmlns="http://schemas.microsoft.com/VisualStudio/2011/storyboarding/control">
-  <Id Name="System.Storyboarding.Common.DropdownBox" Revision="1" Stencil="System.Storyboarding.Common" StencilVersion="0.1"/>
+  <Id Name="System.Storyboarding.WindowsPhoneIcons.BaseCircle" Revision="1" Stencil="System.Storyboarding.WindowsPhoneIcons" StencilVersion="0.1"/>
 </Control>
 </file>
 
-<file path=customXml/item54.xml><?xml version="1.0" encoding="utf-8"?>
+<file path=customXml/item61.xml><?xml version="1.0" encoding="utf-8"?>
 <Control xmlns="http://schemas.microsoft.com/VisualStudio/2011/storyboarding/control">
-  <Id Name="System.Storyboarding.Common.DropdownBox" Revision="1" Stencil="System.Storyboarding.Common" StencilVersion="0.1"/>
+  <Id Name="System.Storyboarding.Common.TextInput" Revision="1" Stencil="System.Storyboarding.Common" StencilVersion="0.1"/>
 </Control>
 </file>
 
-<file path=customXml/item55.xml><?xml version="1.0" encoding="utf-8"?>
+<file path=customXml/item62.xml><?xml version="1.0" encoding="utf-8"?>
 <Control xmlns="http://schemas.microsoft.com/VisualStudio/2011/storyboarding/control">
-  <Id Name="System.Storyboarding.Common.SearchBox" Revision="1" Stencil="System.Storyboarding.Common" StencilVersion="0.1"/>
+  <Id Name="System.Storyboarding.Common.Text" Revision="1" Stencil="System.Storyboarding.Common" StencilVersion="0.1"/>
 </Control>
 </file>
 
-<file path=customXml/item56.xml><?xml version="1.0" encoding="utf-8"?>
+<file path=customXml/item63.xml><?xml version="1.0" encoding="utf-8"?>
 <Control xmlns="http://schemas.microsoft.com/VisualStudio/2011/storyboarding/control">
-  <Id Name="System.Storyboarding.Common.DropdownBox" Revision="1" Stencil="System.Storyboarding.Common" StencilVersion="0.1"/>
+  <Id Name="System.Storyboarding.Common.Text" Revision="1" Stencil="System.Storyboarding.Common" StencilVersion="0.1"/>
 </Control>
 </file>
 
-<file path=customXml/item57.xml><?xml version="1.0" encoding="utf-8"?>
+<file path=customXml/item64.xml><?xml version="1.0" encoding="utf-8"?>
 <Control xmlns="http://schemas.microsoft.com/VisualStudio/2011/storyboarding/control">
-  <Id Name="System.Storyboarding.Common.SearchBox" Revision="1" Stencil="System.Storyboarding.Common" StencilVersion="0.1"/>
+  <Id Name="600d61f4-2d09-42e6-a6db-83e260e051ae" RevisionId="3c9eb7e9-0ea7-4fb5-adc7-dcc81ff0fb36" Stencil="172d6d98-e5c9-42e9-a209-79f7a94bbd38" StencilRevisionId="00000000-0000-0000-0000-000000000000" StencilVersion="0.0"/>
 </Control>
 </file>
 
-<file path=customXml/item58.xml><?xml version="1.0" encoding="utf-8"?>
-<Control xmlns="http://schemas.microsoft.com/VisualStudio/2011/storyboarding/control">
-  <Id Name="System.Storyboarding.Common.DropdownBox" Revision="1" Stencil="System.Storyboarding.Common" StencilVersion="0.1"/>
-</Control>
-</file>
-
-<file path=customXml/item59.xml><?xml version="1.0" encoding="utf-8"?>
-<Control xmlns="http://schemas.microsoft.com/VisualStudio/2011/storyboarding/control">
-  <Id Name="System.Storyboarding.Common.SearchBox" Revision="1" Stencil="System.Storyboarding.Common" StencilVersion="0.1"/>
-</Control>
-</file>
-
-<file path=customXml/item6.xml><?xml version="1.0" encoding="utf-8"?>
+<file path=customXml/item65.xml><?xml version="1.0" encoding="utf-8"?>
 <Control xmlns="http://schemas.microsoft.com/VisualStudio/2011/storyboarding/control">
   <Id Name="366cd925-969f-44e1-b789-354cb31b0dfd" RevisionId="87c5073a-f3d6-4c7e-a7b7-c9586eacad3b" Stencil="172d6d98-e5c9-42e9-a209-79f7a94bbd38" StencilRevisionId="00000000-0000-0000-0000-000000000000" StencilVersion="0.0"/>
 </Control>
 </file>
 
-<file path=customXml/item60.xml><?xml version="1.0" encoding="utf-8"?>
-<Control xmlns="http://schemas.microsoft.com/VisualStudio/2011/storyboarding/control">
-  <Id Name="System.Storyboarding.Common.DropdownBox" Revision="1" Stencil="System.Storyboarding.Common" StencilVersion="0.1"/>
-</Control>
-</file>
-
-<file path=customXml/item61.xml><?xml version="1.0" encoding="utf-8"?>
-<Control xmlns="http://schemas.microsoft.com/VisualStudio/2011/storyboarding/control">
-  <Id Name="System.Storyboarding.Common.SearchBox" Revision="1" Stencil="System.Storyboarding.Common" StencilVersion="0.1"/>
-</Control>
-</file>
-
-<file path=customXml/item62.xml><?xml version="1.0" encoding="utf-8"?>
-<Control xmlns="http://schemas.microsoft.com/VisualStudio/2011/storyboarding/control">
-  <Id Name="b5742593-4330-4997-98c6-02e7437a7975" Revision="1" Stencil="System.MyShapes" StencilVersion="1.0"/>
-</Control>
-</file>
-
-<file path=customXml/item63.xml><?xml version="1.0" encoding="utf-8"?>
-<Control xmlns="http://schemas.microsoft.com/VisualStudio/2011/storyboarding/control">
-  <Id Name="System.Storyboarding.WindowsPhoneIcons.BaseCircle" Revision="1" Stencil="System.Storyboarding.WindowsPhoneIcons" StencilVersion="0.1"/>
-</Control>
-</file>
-
-<file path=customXml/item64.xml><?xml version="1.0" encoding="utf-8"?>
-<Control xmlns="http://schemas.microsoft.com/VisualStudio/2011/storyboarding/control">
-  <Id Name="System.Storyboarding.WindowsPhoneIcons.BaseCircle" Revision="1" Stencil="System.Storyboarding.WindowsPhoneIcons" StencilVersion="0.1"/>
-</Control>
-</file>
-
-<file path=customXml/item65.xml><?xml version="1.0" encoding="utf-8"?>
-<Control xmlns="http://schemas.microsoft.com/VisualStudio/2011/storyboarding/control">
-  <Id Name="System.Storyboarding.WindowsPhoneIcons.Save" Revision="1" Stencil="System.Storyboarding.WindowsPhoneIcons" StencilVersion="0.1"/>
-</Control>
-</file>
-
 <file path=customXml/item66.xml><?xml version="1.0" encoding="utf-8"?>
-<Control xmlns="http://schemas.microsoft.com/VisualStudio/2011/storyboarding/control">
-  <Id Name="System.Storyboarding.WindowsPhoneIcons.Cancel" Revision="1" Stencil="System.Storyboarding.WindowsPhoneIcons" StencilVersion="0.1"/>
-</Control>
-</file>
-
-<file path=customXml/item67.xml><?xml version="1.0" encoding="utf-8"?>
 <Control xmlns="http://schemas.microsoft.com/VisualStudio/2011/storyboarding/control">
   <Id Name="366cd925-969f-44e1-b789-354cb31b0dfd" RevisionId="87c5073a-f3d6-4c7e-a7b7-c9586eacad3b" Stencil="172d6d98-e5c9-42e9-a209-79f7a94bbd38" StencilRevisionId="00000000-0000-0000-0000-000000000000" StencilVersion="0.0"/>
 </Control>
 </file>
 
+<file path=customXml/item67.xml><?xml version="1.0" encoding="utf-8"?>
+<Control xmlns="http://schemas.microsoft.com/VisualStudio/2011/storyboarding/control">
+  <Id Name="System.Storyboarding.Common.TextInput" Revision="1" Stencil="System.Storyboarding.Common" StencilVersion="0.1"/>
+</Control>
+</file>
+
 <file path=customXml/item68.xml><?xml version="1.0" encoding="utf-8"?>
+<Control xmlns="http://schemas.microsoft.com/VisualStudio/2011/storyboarding/control">
+  <Id Name="System.Storyboarding.Common.Text" Revision="1" Stencil="System.Storyboarding.Common" StencilVersion="0.1"/>
+</Control>
+</file>
+
+<file path=customXml/item69.xml><?xml version="1.0" encoding="utf-8"?>
+<Control xmlns="http://schemas.microsoft.com/VisualStudio/2011/storyboarding/control">
+  <Id Name="366cd925-969f-44e1-b789-354cb31b0dfd" RevisionId="87c5073a-f3d6-4c7e-a7b7-c9586eacad3b" Stencil="172d6d98-e5c9-42e9-a209-79f7a94bbd38" StencilRevisionId="00000000-0000-0000-0000-000000000000" StencilVersion="0.0"/>
+</Control>
+</file>
+
+<file path=customXml/item7.xml><?xml version="1.0" encoding="utf-8"?>
 <Control xmlns="http://schemas.microsoft.com/VisualStudio/2011/storyboarding/control">
   <Id Name="9d9c56e0-6ca3-4298-b757-9c73dab947ac" RevisionId="993ea365-49c2-46dc-bf14-e971e460de1e" Stencil="172d6d98-e5c9-42e9-a209-79f7a94bbd38" StencilRevisionId="00000000-0000-0000-0000-000000000000" StencilVersion="0.0"/>
 </Control>
 </file>
 
-<file path=customXml/item69.xml><?xml version="1.0" encoding="utf-8"?>
-<Control xmlns="http://schemas.microsoft.com/VisualStudio/2011/storyboarding/control">
-  <Id Name="600d61f4-2d09-42e6-a6db-83e260e051ae" RevisionId="3c9eb7e9-0ea7-4fb5-adc7-dcc81ff0fb36" Stencil="172d6d98-e5c9-42e9-a209-79f7a94bbd38" StencilRevisionId="00000000-0000-0000-0000-000000000000" StencilVersion="0.0"/>
-</Control>
-</file>
-
-<file path=customXml/item7.xml><?xml version="1.0" encoding="utf-8"?>
-<Control xmlns="http://schemas.microsoft.com/VisualStudio/2011/storyboarding/control">
-  <Id Name="366cd925-969f-44e1-b789-354cb31b0dfd" RevisionId="87c5073a-f3d6-4c7e-a7b7-c9586eacad3b" Stencil="172d6d98-e5c9-42e9-a209-79f7a94bbd38" StencilRevisionId="00000000-0000-0000-0000-000000000000" StencilVersion="0.0"/>
-</Control>
-</file>
-
 <file path=customXml/item70.xml><?xml version="1.0" encoding="utf-8"?>
 <Control xmlns="http://schemas.microsoft.com/VisualStudio/2011/storyboarding/control">
-  <Id Name="366cd925-969f-44e1-b789-354cb31b0dfd" RevisionId="87c5073a-f3d6-4c7e-a7b7-c9586eacad3b" Stencil="172d6d98-e5c9-42e9-a209-79f7a94bbd38" StencilRevisionId="00000000-0000-0000-0000-000000000000" StencilVersion="0.0"/>
+  <Id Name="System.Storyboarding.Common.DropdownBox" Revision="1" Stencil="System.Storyboarding.Common" StencilVersion="0.1"/>
 </Control>
 </file>
 
@@ -26652,185 +26621,841 @@
 
 <file path=customXml/item72.xml><?xml version="1.0" encoding="utf-8"?>
 <Control xmlns="http://schemas.microsoft.com/VisualStudio/2011/storyboarding/control">
-  <Id Name="System.Storyboarding.Common.TextInput" Revision="1" Stencil="System.Storyboarding.Common" StencilVersion="0.1"/>
+  <Id Name="System.Storyboarding.WindowsPhoneIcons.BaseCircle" Revision="1" Stencil="System.Storyboarding.WindowsPhoneIcons" StencilVersion="0.1"/>
 </Control>
 </file>
 
 <file path=customXml/item73.xml><?xml version="1.0" encoding="utf-8"?>
+<Control xmlns="http://schemas.microsoft.com/VisualStudio/2011/storyboarding/control">
+  <Id Name="9d9c56e0-6ca3-4298-b757-9c73dab947ac" RevisionId="993ea365-49c2-46dc-bf14-e971e460de1e" Stencil="172d6d98-e5c9-42e9-a209-79f7a94bbd38" StencilRevisionId="00000000-0000-0000-0000-000000000000" StencilVersion="0.0"/>
+</Control>
+</file>
+
+<file path=customXml/item74.xml><?xml version="1.0" encoding="utf-8"?>
+<Control xmlns="http://schemas.microsoft.com/VisualStudio/2011/storyboarding/control">
+  <Id Name="System.Storyboarding.WindowsPhoneIcons.Cancel" Revision="1" Stencil="System.Storyboarding.WindowsPhoneIcons" StencilVersion="0.1"/>
+</Control>
+</file>
+
+<file path=customXml/item75.xml><?xml version="1.0" encoding="utf-8"?>
+<Control xmlns="http://schemas.microsoft.com/VisualStudio/2011/storyboarding/control">
+  <Id Name="System.Storyboarding.Common.Text" Revision="1" Stencil="System.Storyboarding.Common" StencilVersion="0.1"/>
+</Control>
+</file>
+
+<file path=customXml/item76.xml><?xml version="1.0" encoding="utf-8"?>
+<Control xmlns="http://schemas.microsoft.com/VisualStudio/2011/storyboarding/control">
+  <Id Name="System.Storyboarding.Common.SearchBox" Revision="1" Stencil="System.Storyboarding.Common" StencilVersion="0.1"/>
+</Control>
+</file>
+
+<file path=customXml/item77.xml><?xml version="1.0" encoding="utf-8"?>
+<Control xmlns="http://schemas.microsoft.com/VisualStudio/2011/storyboarding/control">
+  <Id Name="System.Storyboarding.Common.DropdownBox" Revision="1" Stencil="System.Storyboarding.Common" StencilVersion="0.1"/>
+</Control>
+</file>
+
+<file path=customXml/item78.xml><?xml version="1.0" encoding="utf-8"?>
+<Control xmlns="http://schemas.microsoft.com/VisualStudio/2011/storyboarding/control">
+  <Id Name="System.Storyboarding.WindowsPhoneIcons.BaseCircle" Revision="1" Stencil="System.Storyboarding.WindowsPhoneIcons" StencilVersion="0.1"/>
+</Control>
+</file>
+
+<file path=customXml/item79.xml><?xml version="1.0" encoding="utf-8"?>
+<Control xmlns="http://schemas.microsoft.com/VisualStudio/2011/storyboarding/control">
+  <Id Name="9d9c56e0-6ca3-4298-b757-9c73dab947ac" RevisionId="993ea365-49c2-46dc-bf14-e971e460de1e" Stencil="172d6d98-e5c9-42e9-a209-79f7a94bbd38" StencilRevisionId="00000000-0000-0000-0000-000000000000" StencilVersion="0.0"/>
+</Control>
+</file>
+
+<file path=customXml/item8.xml><?xml version="1.0" encoding="utf-8"?>
+<Control xmlns="http://schemas.microsoft.com/VisualStudio/2011/storyboarding/control">
+  <Id Name="System.Storyboarding.Common.SearchBox" Revision="1" Stencil="System.Storyboarding.Common" StencilVersion="0.1"/>
+</Control>
+</file>
+
+<file path=customXml/item80.xml><?xml version="1.0" encoding="utf-8"?>
+<Control xmlns="http://schemas.microsoft.com/VisualStudio/2011/storyboarding/control">
+  <Id Name="System.Storyboarding.Common.SearchBox" Revision="1" Stencil="System.Storyboarding.Common" StencilVersion="0.1"/>
+</Control>
+</file>
+
+<file path=customXml/item81.xml><?xml version="1.0" encoding="utf-8"?>
+<Control xmlns="http://schemas.microsoft.com/VisualStudio/2011/storyboarding/control">
+  <Id Name="System.Storyboarding.Common.DropdownBox" Revision="1" Stencil="System.Storyboarding.Common" StencilVersion="0.1"/>
+</Control>
+</file>
+
+<file path=customXml/item82.xml><?xml version="1.0" encoding="utf-8"?>
+<Control xmlns="http://schemas.microsoft.com/VisualStudio/2011/storyboarding/control">
+  <Id Name="600d61f4-2d09-42e6-a6db-83e260e051ae" RevisionId="3c9eb7e9-0ea7-4fb5-adc7-dcc81ff0fb36" Stencil="172d6d98-e5c9-42e9-a209-79f7a94bbd38" StencilRevisionId="00000000-0000-0000-0000-000000000000" StencilVersion="0.0"/>
+</Control>
+</file>
+
+<file path=customXml/item83.xml><?xml version="1.0" encoding="utf-8"?>
+<Control xmlns="http://schemas.microsoft.com/VisualStudio/2011/storyboarding/control">
+  <Id Name="366cd925-969f-44e1-b789-354cb31b0dfd" RevisionId="87c5073a-f3d6-4c7e-a7b7-c9586eacad3b" Stencil="172d6d98-e5c9-42e9-a209-79f7a94bbd38" StencilRevisionId="00000000-0000-0000-0000-000000000000" StencilVersion="0.0"/>
+</Control>
+</file>
+
+<file path=customXml/item84.xml><?xml version="1.0" encoding="utf-8"?>
+<Control xmlns="http://schemas.microsoft.com/VisualStudio/2011/storyboarding/control">
+  <Id Name="System.Storyboarding.Common.SearchBox" Revision="1" Stencil="System.Storyboarding.Common" StencilVersion="0.1"/>
+</Control>
+</file>
+
+<file path=customXml/item85.xml><?xml version="1.0" encoding="utf-8"?>
+<Control xmlns="http://schemas.microsoft.com/VisualStudio/2011/storyboarding/control">
+  <Id Name="System.Storyboarding.Common.MouseClick" Revision="1" Stencil="System.Storyboarding.Common" StencilVersion="0.1"/>
+</Control>
+</file>
+
+<file path=customXml/item86.xml><?xml version="1.0" encoding="utf-8"?>
+<Control xmlns="http://schemas.microsoft.com/VisualStudio/2011/storyboarding/control">
+  <Id Name="System.Storyboarding.Common.DropdownBox" Revision="1" Stencil="System.Storyboarding.Common" StencilVersion="0.1"/>
+</Control>
+</file>
+
+<file path=customXml/item87.xml><?xml version="1.0" encoding="utf-8"?>
+<Control xmlns="http://schemas.microsoft.com/VisualStudio/2011/storyboarding/control">
+  <Id Name="System.Storyboarding.Common.SearchBox" Revision="1" Stencil="System.Storyboarding.Common" StencilVersion="0.1"/>
+</Control>
+</file>
+
+<file path=customXml/item88.xml><?xml version="1.0" encoding="utf-8"?>
+<Control xmlns="http://schemas.microsoft.com/VisualStudio/2011/storyboarding/control">
+  <Id Name="366cd925-969f-44e1-b789-354cb31b0dfd" RevisionId="87c5073a-f3d6-4c7e-a7b7-c9586eacad3b" Stencil="172d6d98-e5c9-42e9-a209-79f7a94bbd38" StencilRevisionId="00000000-0000-0000-0000-000000000000" StencilVersion="0.0"/>
+</Control>
+</file>
+
+<file path=customXml/item89.xml><?xml version="1.0" encoding="utf-8"?>
 <Control xmlns="http://schemas.microsoft.com/VisualStudio/2011/storyboarding/control">
   <Id Name="System.Storyboarding.Common.TextInput" Revision="1" Stencil="System.Storyboarding.Common" StencilVersion="0.1"/>
 </Control>
 </file>
 
-<file path=customXml/item74.xml><?xml version="1.0" encoding="utf-8"?>
-<Control xmlns="http://schemas.microsoft.com/VisualStudio/2011/storyboarding/control">
-  <Id Name="System.Storyboarding.Common.TextArea" Revision="1" Stencil="System.Storyboarding.Common" StencilVersion="0.1"/>
-</Control>
-</file>
-
-<file path=customXml/item75.xml><?xml version="1.0" encoding="utf-8"?>
+<file path=customXml/item9.xml><?xml version="1.0" encoding="utf-8"?>
 <Control xmlns="http://schemas.microsoft.com/VisualStudio/2011/storyboarding/control">
   <Id Name="System.Storyboarding.Common.DropdownBox" Revision="1" Stencil="System.Storyboarding.Common" StencilVersion="0.1"/>
 </Control>
 </file>
 
-<file path=customXml/item76.xml><?xml version="1.0" encoding="utf-8"?>
+<file path=customXml/item90.xml><?xml version="1.0" encoding="utf-8"?>
 <Control xmlns="http://schemas.microsoft.com/VisualStudio/2011/storyboarding/control">
-  <Id Name="System.Storyboarding.Common.DropdownBox" Revision="1" Stencil="System.Storyboarding.Common" StencilVersion="0.1"/>
+  <Id Name="System.Storyboarding.Common.Button" Revision="1" Stencil="System.Storyboarding.Common" StencilVersion="0.1"/>
 </Control>
 </file>
 
-<file path=customXml/item77.xml><?xml version="1.0" encoding="utf-8"?>
+<file path=customXml/item91.xml><?xml version="1.0" encoding="utf-8"?>
 <Control xmlns="http://schemas.microsoft.com/VisualStudio/2011/storyboarding/control">
-  <Id Name="System.Storyboarding.Common.SearchBox" Revision="1" Stencil="System.Storyboarding.Common" StencilVersion="0.1"/>
+  <Id Name="System.Storyboarding.Common.TabGroup" Revision="1" Stencil="System.Storyboarding.Common" StencilVersion="0.1"/>
 </Control>
 </file>
 
-<file path=customXml/item78.xml><?xml version="1.0" encoding="utf-8"?>
-<Control xmlns="http://schemas.microsoft.com/VisualStudio/2011/storyboarding/control">
-  <Id Name="System.Storyboarding.Common.DropdownBox" Revision="1" Stencil="System.Storyboarding.Common" StencilVersion="0.1"/>
-</Control>
-</file>
-
-<file path=customXml/item79.xml><?xml version="1.0" encoding="utf-8"?>
-<Control xmlns="http://schemas.microsoft.com/VisualStudio/2011/storyboarding/control">
-  <Id Name="System.Storyboarding.Common.SearchBox" Revision="1" Stencil="System.Storyboarding.Common" StencilVersion="0.1"/>
-</Control>
-</file>
-
-<file path=customXml/item8.xml><?xml version="1.0" encoding="utf-8"?>
+<file path=customXml/item92.xml><?xml version="1.0" encoding="utf-8"?>
 <Control xmlns="http://schemas.microsoft.com/VisualStudio/2011/storyboarding/control">
   <Id Name="9d9c56e0-6ca3-4298-b757-9c73dab947ac" RevisionId="993ea365-49c2-46dc-bf14-e971e460de1e" Stencil="172d6d98-e5c9-42e9-a209-79f7a94bbd38" StencilRevisionId="00000000-0000-0000-0000-000000000000" StencilVersion="0.0"/>
 </Control>
 </file>
 
-<file path=customXml/item80.xml><?xml version="1.0" encoding="utf-8"?>
+<file path=customXml/item93.xml><?xml version="1.0" encoding="utf-8"?>
 <Control xmlns="http://schemas.microsoft.com/VisualStudio/2011/storyboarding/control">
-  <Id Name="System.Storyboarding.Common.DropdownBox" Revision="1" Stencil="System.Storyboarding.Common" StencilVersion="0.1"/>
+  <Id Name="System.Storyboarding.Common.TextInput" Revision="1" Stencil="System.Storyboarding.Common" StencilVersion="0.1"/>
 </Control>
 </file>
 
-<file path=customXml/item81.xml><?xml version="1.0" encoding="utf-8"?>
+<file path=customXml/item94.xml><?xml version="1.0" encoding="utf-8"?>
 <Control xmlns="http://schemas.microsoft.com/VisualStudio/2011/storyboarding/control">
-  <Id Name="System.Storyboarding.Common.SearchBox" Revision="1" Stencil="System.Storyboarding.Common" StencilVersion="0.1"/>
+  <Id Name="System.Storyboarding.Common.TextInput" Revision="1" Stencil="System.Storyboarding.Common" StencilVersion="0.1"/>
 </Control>
 </file>
 
-<file path=customXml/item82.xml><?xml version="1.0" encoding="utf-8"?>
+<file path=customXml/item95.xml><?xml version="1.0" encoding="utf-8"?>
 <Control xmlns="http://schemas.microsoft.com/VisualStudio/2011/storyboarding/control">
-  <Id Name="System.Storyboarding.Common.DropdownBox" Revision="1" Stencil="System.Storyboarding.Common" StencilVersion="0.1"/>
+  <Id Name="System.Storyboarding.Common.Button" Revision="1" Stencil="System.Storyboarding.Common" StencilVersion="0.1"/>
 </Control>
 </file>
 
-<file path=customXml/item83.xml><?xml version="1.0" encoding="utf-8"?>
+<file path=customXml/item96.xml><?xml version="1.0" encoding="utf-8"?>
 <Control xmlns="http://schemas.microsoft.com/VisualStudio/2011/storyboarding/control">
-  <Id Name="System.Storyboarding.Common.SearchBox" Revision="1" Stencil="System.Storyboarding.Common" StencilVersion="0.1"/>
+  <Id Name="System.Storyboarding.WindowsPhoneIcons.Save" Revision="1" Stencil="System.Storyboarding.WindowsPhoneIcons" StencilVersion="0.1"/>
 </Control>
 </file>
 
-<file path=customXml/item84.xml><?xml version="1.0" encoding="utf-8"?>
-<Control xmlns="http://schemas.microsoft.com/VisualStudio/2011/storyboarding/control">
-  <Id Name="System.Storyboarding.Common.TabGroupVertical" Revision="1" Stencil="System.Storyboarding.Common" StencilVersion="0.1"/>
-</Control>
-</file>
-
-<file path=customXml/item85.xml><?xml version="1.0" encoding="utf-8"?>
+<file path=customXml/item97.xml><?xml version="1.0" encoding="utf-8"?>
 <Control xmlns="http://schemas.microsoft.com/VisualStudio/2011/storyboarding/control">
   <Id Name="System.Storyboarding.Common.Text" Revision="1" Stencil="System.Storyboarding.Common" StencilVersion="0.1"/>
 </Control>
 </file>
 
-<file path=customXml/item86.xml><?xml version="1.0" encoding="utf-8"?>
-<Control xmlns="http://schemas.microsoft.com/VisualStudio/2011/storyboarding/control">
-  <Id Name="System.Storyboarding.Common.Text" Revision="1" Stencil="System.Storyboarding.Common" StencilVersion="0.1"/>
-</Control>
-</file>
-
-<file path=customXml/item87.xml><?xml version="1.0" encoding="utf-8"?>
-<Control xmlns="http://schemas.microsoft.com/VisualStudio/2011/storyboarding/control">
-  <Id Name="System.Storyboarding.Common.Text" Revision="1" Stencil="System.Storyboarding.Common" StencilVersion="0.1"/>
-</Control>
-</file>
-
-<file path=customXml/item88.xml><?xml version="1.0" encoding="utf-8"?>
-<Control xmlns="http://schemas.microsoft.com/VisualStudio/2011/storyboarding/control">
-  <Id Name="System.Storyboarding.Common.Text" Revision="1" Stencil="System.Storyboarding.Common" StencilVersion="0.1"/>
-</Control>
-</file>
-
-<file path=customXml/item89.xml><?xml version="1.0" encoding="utf-8"?>
-<Control xmlns="http://schemas.microsoft.com/VisualStudio/2011/storyboarding/control">
-  <Id Name="System.Storyboarding.Common.Text" Revision="1" Stencil="System.Storyboarding.Common" StencilVersion="0.1"/>
-</Control>
-</file>
-
-<file path=customXml/item9.xml><?xml version="1.0" encoding="utf-8"?>
-<Control xmlns="http://schemas.microsoft.com/VisualStudio/2011/storyboarding/control">
-  <Id Name="600d61f4-2d09-42e6-a6db-83e260e051ae" RevisionId="3c9eb7e9-0ea7-4fb5-adc7-dcc81ff0fb36" Stencil="172d6d98-e5c9-42e9-a209-79f7a94bbd38" StencilRevisionId="00000000-0000-0000-0000-000000000000" StencilVersion="0.0"/>
-</Control>
-</file>
-
-<file path=customXml/item90.xml><?xml version="1.0" encoding="utf-8"?>
-<Control xmlns="http://schemas.microsoft.com/VisualStudio/2011/storyboarding/control">
-  <Id Name="System.Storyboarding.Common.Text" Revision="1" Stencil="System.Storyboarding.Common" StencilVersion="0.1"/>
-</Control>
-</file>
-
-<file path=customXml/item91.xml><?xml version="1.0" encoding="utf-8"?>
-<Control xmlns="http://schemas.microsoft.com/VisualStudio/2011/storyboarding/control">
-  <Id Name="System.Storyboarding.Common.Text" Revision="1" Stencil="System.Storyboarding.Common" StencilVersion="0.1"/>
-</Control>
-</file>
-
-<file path=customXml/item92.xml><?xml version="1.0" encoding="utf-8"?>
-<Control xmlns="http://schemas.microsoft.com/VisualStudio/2011/storyboarding/control">
-  <Id Name="System.Storyboarding.Common.Text" Revision="1" Stencil="System.Storyboarding.Common" StencilVersion="0.1"/>
-</Control>
-</file>
-
-<file path=customXml/item93.xml><?xml version="1.0" encoding="utf-8"?>
-<Control xmlns="http://schemas.microsoft.com/VisualStudio/2011/storyboarding/control">
-  <Id Name="System.Storyboarding.Common.Button" Revision="1" Stencil="System.Storyboarding.Common" StencilVersion="0.1"/>
-</Control>
-</file>
-
-<file path=customXml/item94.xml><?xml version="1.0" encoding="utf-8"?>
-<Control xmlns="http://schemas.microsoft.com/VisualStudio/2011/storyboarding/control">
-  <Id Name="System.Storyboarding.Common.MouseClick" Revision="1" Stencil="System.Storyboarding.Common" StencilVersion="0.1"/>
-</Control>
-</file>
-
-<file path=customXml/item95.xml><?xml version="1.0" encoding="utf-8"?>
-<Control xmlns="http://schemas.microsoft.com/VisualStudio/2011/storyboarding/control">
-  <Id Name="b5742593-4330-4997-98c6-02e7437a7975" Revision="1" Stencil="System.MyShapes" StencilVersion="1.0"/>
-</Control>
-</file>
-
-<file path=customXml/item96.xml><?xml version="1.0" encoding="utf-8"?>
-<Control xmlns="http://schemas.microsoft.com/VisualStudio/2011/storyboarding/control">
-  <Id Name="System.Storyboarding.WindowsPhoneIcons.BaseCircle" Revision="1" Stencil="System.Storyboarding.WindowsPhoneIcons" StencilVersion="0.1"/>
-</Control>
-</file>
-
-<file path=customXml/item97.xml><?xml version="1.0" encoding="utf-8"?>
-<Control xmlns="http://schemas.microsoft.com/VisualStudio/2011/storyboarding/control">
-  <Id Name="System.Storyboarding.WindowsPhoneIcons.BaseCircle" Revision="1" Stencil="System.Storyboarding.WindowsPhoneIcons" StencilVersion="0.1"/>
-</Control>
-</file>
-
 <file path=customXml/item98.xml><?xml version="1.0" encoding="utf-8"?>
 <Control xmlns="http://schemas.microsoft.com/VisualStudio/2011/storyboarding/control">
-  <Id Name="System.Storyboarding.WindowsPhoneIcons.Save" Revision="1" Stencil="System.Storyboarding.WindowsPhoneIcons" StencilVersion="0.1"/>
+  <Id Name="366cd925-969f-44e1-b789-354cb31b0dfd" RevisionId="87c5073a-f3d6-4c7e-a7b7-c9586eacad3b" Stencil="172d6d98-e5c9-42e9-a209-79f7a94bbd38" StencilRevisionId="00000000-0000-0000-0000-000000000000" StencilVersion="0.0"/>
 </Control>
 </file>
 
 <file path=customXml/item99.xml><?xml version="1.0" encoding="utf-8"?>
 <Control xmlns="http://schemas.microsoft.com/VisualStudio/2011/storyboarding/control">
-  <Id Name="System.Storyboarding.WindowsPhoneIcons.Cancel" Revision="1" Stencil="System.Storyboarding.WindowsPhoneIcons" StencilVersion="0.1"/>
+  <Id Name="366cd925-969f-44e1-b789-354cb31b0dfd" RevisionId="87c5073a-f3d6-4c7e-a7b7-c9586eacad3b" Stencil="172d6d98-e5c9-42e9-a209-79f7a94bbd38" StencilRevisionId="00000000-0000-0000-0000-000000000000" StencilVersion="0.0"/>
 </Control>
 </file>
 
 <file path=customXml/itemProps1.xml><?xml version="1.0" encoding="utf-8"?>
+<ds:datastoreItem xmlns:ds="http://schemas.openxmlformats.org/officeDocument/2006/customXml" ds:itemID="{08DA91C3-9E8C-4E3B-B736-151D6C7434DE}">
+  <ds:schemaRefs>
+    <ds:schemaRef ds:uri="http://schemas.microsoft.com/VisualStudio/2011/storyboarding/control"/>
+  </ds:schemaRefs>
+</ds:datastoreItem>
+</file>
+
+<file path=customXml/itemProps10.xml><?xml version="1.0" encoding="utf-8"?>
+<ds:datastoreItem xmlns:ds="http://schemas.openxmlformats.org/officeDocument/2006/customXml" ds:itemID="{F92EF8BB-D2BE-4418-B8AD-29FA731D55B9}">
+  <ds:schemaRefs>
+    <ds:schemaRef ds:uri="http://schemas.microsoft.com/VisualStudio/2011/storyboarding/control"/>
+  </ds:schemaRefs>
+</ds:datastoreItem>
+</file>
+
+<file path=customXml/itemProps100.xml><?xml version="1.0" encoding="utf-8"?>
+<ds:datastoreItem xmlns:ds="http://schemas.openxmlformats.org/officeDocument/2006/customXml" ds:itemID="{01E3ABAE-27A9-4AFF-84A0-79D09E4F82A8}">
+  <ds:schemaRefs>
+    <ds:schemaRef ds:uri="http://schemas.microsoft.com/VisualStudio/2011/storyboarding/control"/>
+  </ds:schemaRefs>
+</ds:datastoreItem>
+</file>
+
+<file path=customXml/itemProps101.xml><?xml version="1.0" encoding="utf-8"?>
+<ds:datastoreItem xmlns:ds="http://schemas.openxmlformats.org/officeDocument/2006/customXml" ds:itemID="{25BB3D14-7BD0-40EA-8565-52F97AA81D6C}">
+  <ds:schemaRefs>
+    <ds:schemaRef ds:uri="http://schemas.microsoft.com/VisualStudio/2011/storyboarding/control"/>
+  </ds:schemaRefs>
+</ds:datastoreItem>
+</file>
+
+<file path=customXml/itemProps102.xml><?xml version="1.0" encoding="utf-8"?>
+<ds:datastoreItem xmlns:ds="http://schemas.openxmlformats.org/officeDocument/2006/customXml" ds:itemID="{3E3B3F0C-0986-42B7-986B-2CB115B5EDEF}">
+  <ds:schemaRefs>
+    <ds:schemaRef ds:uri="http://schemas.microsoft.com/VisualStudio/2011/storyboarding/control"/>
+  </ds:schemaRefs>
+</ds:datastoreItem>
+</file>
+
+<file path=customXml/itemProps103.xml><?xml version="1.0" encoding="utf-8"?>
+<ds:datastoreItem xmlns:ds="http://schemas.openxmlformats.org/officeDocument/2006/customXml" ds:itemID="{9690B37A-1B5F-460A-A127-70D2533C568A}">
+  <ds:schemaRefs>
+    <ds:schemaRef ds:uri="http://schemas.microsoft.com/VisualStudio/2011/storyboarding/control"/>
+  </ds:schemaRefs>
+</ds:datastoreItem>
+</file>
+
+<file path=customXml/itemProps104.xml><?xml version="1.0" encoding="utf-8"?>
+<ds:datastoreItem xmlns:ds="http://schemas.openxmlformats.org/officeDocument/2006/customXml" ds:itemID="{41AABDD2-093E-4AB3-92F0-0F664B1D3529}">
+  <ds:schemaRefs>
+    <ds:schemaRef ds:uri="http://schemas.microsoft.com/VisualStudio/2011/storyboarding/control"/>
+  </ds:schemaRefs>
+</ds:datastoreItem>
+</file>
+
+<file path=customXml/itemProps105.xml><?xml version="1.0" encoding="utf-8"?>
+<ds:datastoreItem xmlns:ds="http://schemas.openxmlformats.org/officeDocument/2006/customXml" ds:itemID="{817CE946-86E3-495C-AE43-4406EE862C46}">
+  <ds:schemaRefs>
+    <ds:schemaRef ds:uri="http://schemas.microsoft.com/VisualStudio/2011/storyboarding/control"/>
+  </ds:schemaRefs>
+</ds:datastoreItem>
+</file>
+
+<file path=customXml/itemProps106.xml><?xml version="1.0" encoding="utf-8"?>
+<ds:datastoreItem xmlns:ds="http://schemas.openxmlformats.org/officeDocument/2006/customXml" ds:itemID="{9EEF3F90-2E32-454E-905A-CF082245DEAF}">
+  <ds:schemaRefs>
+    <ds:schemaRef ds:uri="http://schemas.microsoft.com/VisualStudio/2011/storyboarding/control"/>
+  </ds:schemaRefs>
+</ds:datastoreItem>
+</file>
+
+<file path=customXml/itemProps107.xml><?xml version="1.0" encoding="utf-8"?>
+<ds:datastoreItem xmlns:ds="http://schemas.openxmlformats.org/officeDocument/2006/customXml" ds:itemID="{62C97371-9463-4725-BFFA-4F7084B88D57}">
+  <ds:schemaRefs>
+    <ds:schemaRef ds:uri="http://schemas.microsoft.com/VisualStudio/2011/storyboarding/control"/>
+  </ds:schemaRefs>
+</ds:datastoreItem>
+</file>
+
+<file path=customXml/itemProps108.xml><?xml version="1.0" encoding="utf-8"?>
+<ds:datastoreItem xmlns:ds="http://schemas.openxmlformats.org/officeDocument/2006/customXml" ds:itemID="{70021761-42C8-4BFB-950E-339E7AA14DFE}">
+  <ds:schemaRefs>
+    <ds:schemaRef ds:uri="http://schemas.microsoft.com/VisualStudio/2011/storyboarding/control"/>
+  </ds:schemaRefs>
+</ds:datastoreItem>
+</file>
+
+<file path=customXml/itemProps109.xml><?xml version="1.0" encoding="utf-8"?>
+<ds:datastoreItem xmlns:ds="http://schemas.openxmlformats.org/officeDocument/2006/customXml" ds:itemID="{CA16E968-79AB-417B-A3C4-1F6901E69161}">
+  <ds:schemaRefs>
+    <ds:schemaRef ds:uri="http://schemas.microsoft.com/VisualStudio/2011/storyboarding/control"/>
+  </ds:schemaRefs>
+</ds:datastoreItem>
+</file>
+
+<file path=customXml/itemProps11.xml><?xml version="1.0" encoding="utf-8"?>
+<ds:datastoreItem xmlns:ds="http://schemas.openxmlformats.org/officeDocument/2006/customXml" ds:itemID="{495D47A3-576F-464E-9313-CB04E63E2E1B}">
+  <ds:schemaRefs>
+    <ds:schemaRef ds:uri="http://schemas.microsoft.com/VisualStudio/2011/storyboarding/control"/>
+  </ds:schemaRefs>
+</ds:datastoreItem>
+</file>
+
+<file path=customXml/itemProps110.xml><?xml version="1.0" encoding="utf-8"?>
+<ds:datastoreItem xmlns:ds="http://schemas.openxmlformats.org/officeDocument/2006/customXml" ds:itemID="{4B74660E-933B-4EDC-8E00-1A4EE9C2CD93}">
+  <ds:schemaRefs>
+    <ds:schemaRef ds:uri="http://schemas.microsoft.com/VisualStudio/2011/storyboarding/control"/>
+  </ds:schemaRefs>
+</ds:datastoreItem>
+</file>
+
+<file path=customXml/itemProps111.xml><?xml version="1.0" encoding="utf-8"?>
+<ds:datastoreItem xmlns:ds="http://schemas.openxmlformats.org/officeDocument/2006/customXml" ds:itemID="{F65839FA-3C09-4BDA-923F-CE143EBA4751}">
+  <ds:schemaRefs>
+    <ds:schemaRef ds:uri="http://schemas.microsoft.com/VisualStudio/2011/storyboarding/control"/>
+  </ds:schemaRefs>
+</ds:datastoreItem>
+</file>
+
+<file path=customXml/itemProps112.xml><?xml version="1.0" encoding="utf-8"?>
+<ds:datastoreItem xmlns:ds="http://schemas.openxmlformats.org/officeDocument/2006/customXml" ds:itemID="{5C22CF0E-6851-4AAD-BF64-70BAB0586916}">
+  <ds:schemaRefs>
+    <ds:schemaRef ds:uri="http://schemas.microsoft.com/VisualStudio/2011/storyboarding/control"/>
+  </ds:schemaRefs>
+</ds:datastoreItem>
+</file>
+
+<file path=customXml/itemProps113.xml><?xml version="1.0" encoding="utf-8"?>
+<ds:datastoreItem xmlns:ds="http://schemas.openxmlformats.org/officeDocument/2006/customXml" ds:itemID="{08A11AF4-9E71-4615-9C88-A4C2B56E5F0E}">
+  <ds:schemaRefs>
+    <ds:schemaRef ds:uri="http://schemas.microsoft.com/VisualStudio/2011/storyboarding/control"/>
+  </ds:schemaRefs>
+</ds:datastoreItem>
+</file>
+
+<file path=customXml/itemProps114.xml><?xml version="1.0" encoding="utf-8"?>
+<ds:datastoreItem xmlns:ds="http://schemas.openxmlformats.org/officeDocument/2006/customXml" ds:itemID="{0C583B0D-D29E-4AF7-8381-95E44F6A341C}">
+  <ds:schemaRefs>
+    <ds:schemaRef ds:uri="http://schemas.microsoft.com/VisualStudio/2011/storyboarding/control"/>
+  </ds:schemaRefs>
+</ds:datastoreItem>
+</file>
+
+<file path=customXml/itemProps115.xml><?xml version="1.0" encoding="utf-8"?>
+<ds:datastoreItem xmlns:ds="http://schemas.openxmlformats.org/officeDocument/2006/customXml" ds:itemID="{9296BA53-6802-4194-B27A-6F711A9A3196}">
+  <ds:schemaRefs>
+    <ds:schemaRef ds:uri="http://schemas.microsoft.com/VisualStudio/2011/storyboarding/control"/>
+  </ds:schemaRefs>
+</ds:datastoreItem>
+</file>
+
+<file path=customXml/itemProps116.xml><?xml version="1.0" encoding="utf-8"?>
+<ds:datastoreItem xmlns:ds="http://schemas.openxmlformats.org/officeDocument/2006/customXml" ds:itemID="{C8E1E520-FE36-40E8-9D47-3EA9453661A7}">
+  <ds:schemaRefs>
+    <ds:schemaRef ds:uri="http://schemas.microsoft.com/VisualStudio/2011/storyboarding/control"/>
+  </ds:schemaRefs>
+</ds:datastoreItem>
+</file>
+
+<file path=customXml/itemProps117.xml><?xml version="1.0" encoding="utf-8"?>
+<ds:datastoreItem xmlns:ds="http://schemas.openxmlformats.org/officeDocument/2006/customXml" ds:itemID="{213C61FB-DAED-46E7-BBA0-B53F75E2931E}">
+  <ds:schemaRefs>
+    <ds:schemaRef ds:uri="http://schemas.microsoft.com/VisualStudio/2011/storyboarding/control"/>
+  </ds:schemaRefs>
+</ds:datastoreItem>
+</file>
+
+<file path=customXml/itemProps118.xml><?xml version="1.0" encoding="utf-8"?>
+<ds:datastoreItem xmlns:ds="http://schemas.openxmlformats.org/officeDocument/2006/customXml" ds:itemID="{66BC53EB-3CAB-4EE7-982E-35A8C0F12B49}">
+  <ds:schemaRefs>
+    <ds:schemaRef ds:uri="http://schemas.microsoft.com/VisualStudio/2011/storyboarding/control"/>
+  </ds:schemaRefs>
+</ds:datastoreItem>
+</file>
+
+<file path=customXml/itemProps119.xml><?xml version="1.0" encoding="utf-8"?>
+<ds:datastoreItem xmlns:ds="http://schemas.openxmlformats.org/officeDocument/2006/customXml" ds:itemID="{80EE1B6F-57AE-439C-AEFC-F9E218EDD35F}">
+  <ds:schemaRefs>
+    <ds:schemaRef ds:uri="http://schemas.microsoft.com/VisualStudio/2011/storyboarding/control"/>
+  </ds:schemaRefs>
+</ds:datastoreItem>
+</file>
+
+<file path=customXml/itemProps12.xml><?xml version="1.0" encoding="utf-8"?>
+<ds:datastoreItem xmlns:ds="http://schemas.openxmlformats.org/officeDocument/2006/customXml" ds:itemID="{3376561D-5E0E-43BB-88B8-ABD8D662D1A4}">
+  <ds:schemaRefs>
+    <ds:schemaRef ds:uri="http://schemas.microsoft.com/VisualStudio/2011/storyboarding/control"/>
+  </ds:schemaRefs>
+</ds:datastoreItem>
+</file>
+
+<file path=customXml/itemProps120.xml><?xml version="1.0" encoding="utf-8"?>
+<ds:datastoreItem xmlns:ds="http://schemas.openxmlformats.org/officeDocument/2006/customXml" ds:itemID="{0883CB79-711C-40BA-95C3-3CC9CD8C31B9}">
+  <ds:schemaRefs>
+    <ds:schemaRef ds:uri="http://schemas.microsoft.com/VisualStudio/2011/storyboarding/control"/>
+  </ds:schemaRefs>
+</ds:datastoreItem>
+</file>
+
+<file path=customXml/itemProps121.xml><?xml version="1.0" encoding="utf-8"?>
+<ds:datastoreItem xmlns:ds="http://schemas.openxmlformats.org/officeDocument/2006/customXml" ds:itemID="{FC559BC3-5881-4400-8694-FFACD166D722}">
+  <ds:schemaRefs>
+    <ds:schemaRef ds:uri="http://schemas.microsoft.com/VisualStudio/2011/storyboarding/control"/>
+  </ds:schemaRefs>
+</ds:datastoreItem>
+</file>
+
+<file path=customXml/itemProps122.xml><?xml version="1.0" encoding="utf-8"?>
+<ds:datastoreItem xmlns:ds="http://schemas.openxmlformats.org/officeDocument/2006/customXml" ds:itemID="{73122FA6-EEA6-4318-AA32-4D8CC919AC3D}">
+  <ds:schemaRefs>
+    <ds:schemaRef ds:uri="http://schemas.microsoft.com/VisualStudio/2011/storyboarding/control"/>
+  </ds:schemaRefs>
+</ds:datastoreItem>
+</file>
+
+<file path=customXml/itemProps123.xml><?xml version="1.0" encoding="utf-8"?>
+<ds:datastoreItem xmlns:ds="http://schemas.openxmlformats.org/officeDocument/2006/customXml" ds:itemID="{BA53BBF3-7869-4224-835B-3B46C2492F59}">
+  <ds:schemaRefs>
+    <ds:schemaRef ds:uri="http://schemas.microsoft.com/VisualStudio/2011/storyboarding/control"/>
+  </ds:schemaRefs>
+</ds:datastoreItem>
+</file>
+
+<file path=customXml/itemProps124.xml><?xml version="1.0" encoding="utf-8"?>
+<ds:datastoreItem xmlns:ds="http://schemas.openxmlformats.org/officeDocument/2006/customXml" ds:itemID="{44054EC8-9D64-49F4-8547-821073619DD2}">
+  <ds:schemaRefs>
+    <ds:schemaRef ds:uri="http://schemas.microsoft.com/VisualStudio/2011/storyboarding/control"/>
+  </ds:schemaRefs>
+</ds:datastoreItem>
+</file>
+
+<file path=customXml/itemProps125.xml><?xml version="1.0" encoding="utf-8"?>
+<ds:datastoreItem xmlns:ds="http://schemas.openxmlformats.org/officeDocument/2006/customXml" ds:itemID="{9D6E7750-E6FA-498B-B3BA-68715A746A60}">
+  <ds:schemaRefs>
+    <ds:schemaRef ds:uri="http://schemas.microsoft.com/VisualStudio/2011/storyboarding/control"/>
+  </ds:schemaRefs>
+</ds:datastoreItem>
+</file>
+
+<file path=customXml/itemProps126.xml><?xml version="1.0" encoding="utf-8"?>
+<ds:datastoreItem xmlns:ds="http://schemas.openxmlformats.org/officeDocument/2006/customXml" ds:itemID="{EEB7FA5B-393F-4875-AAAC-421999BCB3FA}">
+  <ds:schemaRefs>
+    <ds:schemaRef ds:uri="http://schemas.microsoft.com/VisualStudio/2011/storyboarding/control"/>
+  </ds:schemaRefs>
+</ds:datastoreItem>
+</file>
+
+<file path=customXml/itemProps127.xml><?xml version="1.0" encoding="utf-8"?>
+<ds:datastoreItem xmlns:ds="http://schemas.openxmlformats.org/officeDocument/2006/customXml" ds:itemID="{5FA037C0-BB1E-4746-926C-9FA5086A0F91}">
+  <ds:schemaRefs>
+    <ds:schemaRef ds:uri="http://schemas.microsoft.com/VisualStudio/2011/storyboarding/control"/>
+  </ds:schemaRefs>
+</ds:datastoreItem>
+</file>
+
+<file path=customXml/itemProps128.xml><?xml version="1.0" encoding="utf-8"?>
+<ds:datastoreItem xmlns:ds="http://schemas.openxmlformats.org/officeDocument/2006/customXml" ds:itemID="{56D5384C-6887-4784-B35F-6BA21D5C067C}">
+  <ds:schemaRefs>
+    <ds:schemaRef ds:uri="http://schemas.microsoft.com/VisualStudio/2011/storyboarding/control"/>
+  </ds:schemaRefs>
+</ds:datastoreItem>
+</file>
+
+<file path=customXml/itemProps129.xml><?xml version="1.0" encoding="utf-8"?>
+<ds:datastoreItem xmlns:ds="http://schemas.openxmlformats.org/officeDocument/2006/customXml" ds:itemID="{FB73D5EE-2530-4108-804E-BC9762641E83}">
+  <ds:schemaRefs>
+    <ds:schemaRef ds:uri="http://schemas.microsoft.com/VisualStudio/2011/storyboarding/control"/>
+  </ds:schemaRefs>
+</ds:datastoreItem>
+</file>
+
+<file path=customXml/itemProps13.xml><?xml version="1.0" encoding="utf-8"?>
+<ds:datastoreItem xmlns:ds="http://schemas.openxmlformats.org/officeDocument/2006/customXml" ds:itemID="{AD02BD6A-65CC-468F-A23E-D6BFD148AB99}">
+  <ds:schemaRefs>
+    <ds:schemaRef ds:uri="http://schemas.microsoft.com/VisualStudio/2011/storyboarding/control"/>
+  </ds:schemaRefs>
+</ds:datastoreItem>
+</file>
+
+<file path=customXml/itemProps130.xml><?xml version="1.0" encoding="utf-8"?>
+<ds:datastoreItem xmlns:ds="http://schemas.openxmlformats.org/officeDocument/2006/customXml" ds:itemID="{442E4D51-0396-4DEE-8401-9D74EEF104D7}">
+  <ds:schemaRefs>
+    <ds:schemaRef ds:uri="http://schemas.microsoft.com/VisualStudio/2011/storyboarding/control"/>
+  </ds:schemaRefs>
+</ds:datastoreItem>
+</file>
+
+<file path=customXml/itemProps131.xml><?xml version="1.0" encoding="utf-8"?>
+<ds:datastoreItem xmlns:ds="http://schemas.openxmlformats.org/officeDocument/2006/customXml" ds:itemID="{5EA27EFC-6692-49E4-9A10-EE7A2ABD13AE}">
+  <ds:schemaRefs>
+    <ds:schemaRef ds:uri="http://schemas.microsoft.com/VisualStudio/2011/storyboarding/control"/>
+  </ds:schemaRefs>
+</ds:datastoreItem>
+</file>
+
+<file path=customXml/itemProps132.xml><?xml version="1.0" encoding="utf-8"?>
+<ds:datastoreItem xmlns:ds="http://schemas.openxmlformats.org/officeDocument/2006/customXml" ds:itemID="{AEEBFD92-4C25-4AE6-89C9-4ABC983F1A5C}">
+  <ds:schemaRefs>
+    <ds:schemaRef ds:uri="http://schemas.microsoft.com/VisualStudio/2011/storyboarding/control"/>
+  </ds:schemaRefs>
+</ds:datastoreItem>
+</file>
+
+<file path=customXml/itemProps133.xml><?xml version="1.0" encoding="utf-8"?>
+<ds:datastoreItem xmlns:ds="http://schemas.openxmlformats.org/officeDocument/2006/customXml" ds:itemID="{7EEB8715-F7E1-49E9-B95F-1398D04AEE4F}">
+  <ds:schemaRefs>
+    <ds:schemaRef ds:uri="http://schemas.microsoft.com/VisualStudio/2011/storyboarding/control"/>
+  </ds:schemaRefs>
+</ds:datastoreItem>
+</file>
+
+<file path=customXml/itemProps134.xml><?xml version="1.0" encoding="utf-8"?>
+<ds:datastoreItem xmlns:ds="http://schemas.openxmlformats.org/officeDocument/2006/customXml" ds:itemID="{F27C4D14-0B24-4E2A-801C-A2DC5DE89679}">
+  <ds:schemaRefs>
+    <ds:schemaRef ds:uri="http://schemas.microsoft.com/VisualStudio/2011/storyboarding/control"/>
+  </ds:schemaRefs>
+</ds:datastoreItem>
+</file>
+
+<file path=customXml/itemProps135.xml><?xml version="1.0" encoding="utf-8"?>
+<ds:datastoreItem xmlns:ds="http://schemas.openxmlformats.org/officeDocument/2006/customXml" ds:itemID="{7B0B6F63-6626-40AD-9AA0-C1423CB1C8E2}">
+  <ds:schemaRefs>
+    <ds:schemaRef ds:uri="http://schemas.microsoft.com/VisualStudio/2011/storyboarding/control"/>
+  </ds:schemaRefs>
+</ds:datastoreItem>
+</file>
+
+<file path=customXml/itemProps136.xml><?xml version="1.0" encoding="utf-8"?>
+<ds:datastoreItem xmlns:ds="http://schemas.openxmlformats.org/officeDocument/2006/customXml" ds:itemID="{74A1524E-6161-4BD3-8F36-666CEFF2EB3B}">
+  <ds:schemaRefs>
+    <ds:schemaRef ds:uri="http://schemas.microsoft.com/VisualStudio/2011/storyboarding/control"/>
+  </ds:schemaRefs>
+</ds:datastoreItem>
+</file>
+
+<file path=customXml/itemProps137.xml><?xml version="1.0" encoding="utf-8"?>
+<ds:datastoreItem xmlns:ds="http://schemas.openxmlformats.org/officeDocument/2006/customXml" ds:itemID="{A10214C5-3F13-4148-9B9A-9973B3F0129E}">
+  <ds:schemaRefs>
+    <ds:schemaRef ds:uri="http://schemas.microsoft.com/VisualStudio/2011/storyboarding/control"/>
+  </ds:schemaRefs>
+</ds:datastoreItem>
+</file>
+
+<file path=customXml/itemProps138.xml><?xml version="1.0" encoding="utf-8"?>
+<ds:datastoreItem xmlns:ds="http://schemas.openxmlformats.org/officeDocument/2006/customXml" ds:itemID="{75247A1B-9D54-4629-98EC-828F32F56EC3}">
+  <ds:schemaRefs>
+    <ds:schemaRef ds:uri="http://schemas.microsoft.com/VisualStudio/2011/storyboarding/control"/>
+  </ds:schemaRefs>
+</ds:datastoreItem>
+</file>
+
+<file path=customXml/itemProps139.xml><?xml version="1.0" encoding="utf-8"?>
+<ds:datastoreItem xmlns:ds="http://schemas.openxmlformats.org/officeDocument/2006/customXml" ds:itemID="{CA2E5D99-8D35-4345-8681-207DEA29CE92}">
+  <ds:schemaRefs>
+    <ds:schemaRef ds:uri="http://schemas.microsoft.com/VisualStudio/2011/storyboarding/control"/>
+  </ds:schemaRefs>
+</ds:datastoreItem>
+</file>
+
+<file path=customXml/itemProps14.xml><?xml version="1.0" encoding="utf-8"?>
+<ds:datastoreItem xmlns:ds="http://schemas.openxmlformats.org/officeDocument/2006/customXml" ds:itemID="{025E9338-3A03-449D-A3F9-5A282F54152A}">
+  <ds:schemaRefs>
+    <ds:schemaRef ds:uri="http://schemas.microsoft.com/VisualStudio/2011/storyboarding/control"/>
+  </ds:schemaRefs>
+</ds:datastoreItem>
+</file>
+
+<file path=customXml/itemProps140.xml><?xml version="1.0" encoding="utf-8"?>
+<ds:datastoreItem xmlns:ds="http://schemas.openxmlformats.org/officeDocument/2006/customXml" ds:itemID="{2B88F5CB-54C2-43B4-9B21-FF286CE3AAD9}">
+  <ds:schemaRefs>
+    <ds:schemaRef ds:uri="http://schemas.microsoft.com/VisualStudio/2011/storyboarding/control"/>
+  </ds:schemaRefs>
+</ds:datastoreItem>
+</file>
+
+<file path=customXml/itemProps141.xml><?xml version="1.0" encoding="utf-8"?>
+<ds:datastoreItem xmlns:ds="http://schemas.openxmlformats.org/officeDocument/2006/customXml" ds:itemID="{BEB7B5FD-6ACD-4EF5-849C-BD3DC2BC2C3C}">
+  <ds:schemaRefs>
+    <ds:schemaRef ds:uri="http://schemas.microsoft.com/VisualStudio/2011/storyboarding/control"/>
+  </ds:schemaRefs>
+</ds:datastoreItem>
+</file>
+
+<file path=customXml/itemProps142.xml><?xml version="1.0" encoding="utf-8"?>
+<ds:datastoreItem xmlns:ds="http://schemas.openxmlformats.org/officeDocument/2006/customXml" ds:itemID="{9797BBD6-3559-4610-9FE3-C07100ADCBE2}">
+  <ds:schemaRefs>
+    <ds:schemaRef ds:uri="http://schemas.microsoft.com/VisualStudio/2011/storyboarding/control"/>
+  </ds:schemaRefs>
+</ds:datastoreItem>
+</file>
+
+<file path=customXml/itemProps143.xml><?xml version="1.0" encoding="utf-8"?>
+<ds:datastoreItem xmlns:ds="http://schemas.openxmlformats.org/officeDocument/2006/customXml" ds:itemID="{E2880F58-0CC6-4E09-89FE-1F2DC16AD8C5}">
+  <ds:schemaRefs>
+    <ds:schemaRef ds:uri="http://schemas.microsoft.com/VisualStudio/2011/storyboarding/control"/>
+  </ds:schemaRefs>
+</ds:datastoreItem>
+</file>
+
+<file path=customXml/itemProps144.xml><?xml version="1.0" encoding="utf-8"?>
+<ds:datastoreItem xmlns:ds="http://schemas.openxmlformats.org/officeDocument/2006/customXml" ds:itemID="{37427A08-ABCD-4D37-B741-2E47A469CD93}">
+  <ds:schemaRefs>
+    <ds:schemaRef ds:uri="http://schemas.microsoft.com/VisualStudio/2011/storyboarding/control"/>
+  </ds:schemaRefs>
+</ds:datastoreItem>
+</file>
+
+<file path=customXml/itemProps145.xml><?xml version="1.0" encoding="utf-8"?>
+<ds:datastoreItem xmlns:ds="http://schemas.openxmlformats.org/officeDocument/2006/customXml" ds:itemID="{BA2B2B35-A89E-42F4-9CE7-BC82D26C8AC9}">
+  <ds:schemaRefs>
+    <ds:schemaRef ds:uri="http://schemas.microsoft.com/VisualStudio/2011/storyboarding/control"/>
+  </ds:schemaRefs>
+</ds:datastoreItem>
+</file>
+
+<file path=customXml/itemProps146.xml><?xml version="1.0" encoding="utf-8"?>
+<ds:datastoreItem xmlns:ds="http://schemas.openxmlformats.org/officeDocument/2006/customXml" ds:itemID="{19D9C7C1-5A85-4461-AAA3-EC6BA82DCF81}">
+  <ds:schemaRefs>
+    <ds:schemaRef ds:uri="http://schemas.microsoft.com/VisualStudio/2011/storyboarding/control"/>
+  </ds:schemaRefs>
+</ds:datastoreItem>
+</file>
+
+<file path=customXml/itemProps147.xml><?xml version="1.0" encoding="utf-8"?>
+<ds:datastoreItem xmlns:ds="http://schemas.openxmlformats.org/officeDocument/2006/customXml" ds:itemID="{2E83B95C-053F-4703-9413-72F938DE162B}">
+  <ds:schemaRefs>
+    <ds:schemaRef ds:uri="http://schemas.microsoft.com/VisualStudio/2011/storyboarding/control"/>
+  </ds:schemaRefs>
+</ds:datastoreItem>
+</file>
+
+<file path=customXml/itemProps148.xml><?xml version="1.0" encoding="utf-8"?>
+<ds:datastoreItem xmlns:ds="http://schemas.openxmlformats.org/officeDocument/2006/customXml" ds:itemID="{C769FD69-A27A-4D7C-8539-715585B5A21A}">
+  <ds:schemaRefs>
+    <ds:schemaRef ds:uri="http://schemas.microsoft.com/VisualStudio/2011/storyboarding/control"/>
+  </ds:schemaRefs>
+</ds:datastoreItem>
+</file>
+
+<file path=customXml/itemProps149.xml><?xml version="1.0" encoding="utf-8"?>
+<ds:datastoreItem xmlns:ds="http://schemas.openxmlformats.org/officeDocument/2006/customXml" ds:itemID="{98194403-41CF-4A6B-8A84-7A73DA1F5A30}">
+  <ds:schemaRefs>
+    <ds:schemaRef ds:uri="http://schemas.microsoft.com/VisualStudio/2011/storyboarding/control"/>
+  </ds:schemaRefs>
+</ds:datastoreItem>
+</file>
+
+<file path=customXml/itemProps15.xml><?xml version="1.0" encoding="utf-8"?>
+<ds:datastoreItem xmlns:ds="http://schemas.openxmlformats.org/officeDocument/2006/customXml" ds:itemID="{3B64F317-55C6-4B2F-8D9A-15C2FC6AF2B0}">
+  <ds:schemaRefs>
+    <ds:schemaRef ds:uri="http://schemas.microsoft.com/VisualStudio/2011/storyboarding/control"/>
+  </ds:schemaRefs>
+</ds:datastoreItem>
+</file>
+
+<file path=customXml/itemProps150.xml><?xml version="1.0" encoding="utf-8"?>
+<ds:datastoreItem xmlns:ds="http://schemas.openxmlformats.org/officeDocument/2006/customXml" ds:itemID="{31F7918E-BFE7-462D-802B-92203383BC7D}">
+  <ds:schemaRefs>
+    <ds:schemaRef ds:uri="http://schemas.microsoft.com/VisualStudio/2011/storyboarding/control"/>
+  </ds:schemaRefs>
+</ds:datastoreItem>
+</file>
+
+<file path=customXml/itemProps16.xml><?xml version="1.0" encoding="utf-8"?>
+<ds:datastoreItem xmlns:ds="http://schemas.openxmlformats.org/officeDocument/2006/customXml" ds:itemID="{2ACBCFAA-F6BD-4B80-AFDE-F0F21758C52F}">
+  <ds:schemaRefs>
+    <ds:schemaRef ds:uri="http://schemas.microsoft.com/VisualStudio/2011/storyboarding/control"/>
+  </ds:schemaRefs>
+</ds:datastoreItem>
+</file>
+
+<file path=customXml/itemProps17.xml><?xml version="1.0" encoding="utf-8"?>
+<ds:datastoreItem xmlns:ds="http://schemas.openxmlformats.org/officeDocument/2006/customXml" ds:itemID="{846FB4E3-8A90-4638-B045-2295072D70A1}">
+  <ds:schemaRefs>
+    <ds:schemaRef ds:uri="http://schemas.microsoft.com/VisualStudio/2011/storyboarding/control"/>
+  </ds:schemaRefs>
+</ds:datastoreItem>
+</file>
+
+<file path=customXml/itemProps18.xml><?xml version="1.0" encoding="utf-8"?>
+<ds:datastoreItem xmlns:ds="http://schemas.openxmlformats.org/officeDocument/2006/customXml" ds:itemID="{DB17BFFB-5E44-4E39-80CA-2524146582F7}">
+  <ds:schemaRefs>
+    <ds:schemaRef ds:uri="http://schemas.microsoft.com/VisualStudio/2011/storyboarding/control"/>
+  </ds:schemaRefs>
+</ds:datastoreItem>
+</file>
+
+<file path=customXml/itemProps19.xml><?xml version="1.0" encoding="utf-8"?>
+<ds:datastoreItem xmlns:ds="http://schemas.openxmlformats.org/officeDocument/2006/customXml" ds:itemID="{751C91BA-F090-43B7-90AE-C7FDA9935275}">
+  <ds:schemaRefs>
+    <ds:schemaRef ds:uri="http://schemas.microsoft.com/VisualStudio/2011/storyboarding/control"/>
+  </ds:schemaRefs>
+</ds:datastoreItem>
+</file>
+
+<file path=customXml/itemProps2.xml><?xml version="1.0" encoding="utf-8"?>
+<ds:datastoreItem xmlns:ds="http://schemas.openxmlformats.org/officeDocument/2006/customXml" ds:itemID="{307F672E-8D12-4800-A1D7-77221497D849}">
+  <ds:schemaRefs>
+    <ds:schemaRef ds:uri="http://schemas.microsoft.com/VisualStudio/2011/storyboarding/control"/>
+  </ds:schemaRefs>
+</ds:datastoreItem>
+</file>
+
+<file path=customXml/itemProps20.xml><?xml version="1.0" encoding="utf-8"?>
+<ds:datastoreItem xmlns:ds="http://schemas.openxmlformats.org/officeDocument/2006/customXml" ds:itemID="{2169EC5A-6A22-400D-AC70-7C3692790B54}">
+  <ds:schemaRefs>
+    <ds:schemaRef ds:uri="http://schemas.microsoft.com/VisualStudio/2011/storyboarding/control"/>
+  </ds:schemaRefs>
+</ds:datastoreItem>
+</file>
+
+<file path=customXml/itemProps21.xml><?xml version="1.0" encoding="utf-8"?>
+<ds:datastoreItem xmlns:ds="http://schemas.openxmlformats.org/officeDocument/2006/customXml" ds:itemID="{7DE0DBB8-3251-44A0-B561-FCB409C98783}">
+  <ds:schemaRefs>
+    <ds:schemaRef ds:uri="http://schemas.microsoft.com/VisualStudio/2011/storyboarding/control"/>
+  </ds:schemaRefs>
+</ds:datastoreItem>
+</file>
+
+<file path=customXml/itemProps22.xml><?xml version="1.0" encoding="utf-8"?>
+<ds:datastoreItem xmlns:ds="http://schemas.openxmlformats.org/officeDocument/2006/customXml" ds:itemID="{BA804EEF-5790-4E01-B667-ECB62CFB3737}">
+  <ds:schemaRefs>
+    <ds:schemaRef ds:uri="http://schemas.microsoft.com/VisualStudio/2011/storyboarding/control"/>
+  </ds:schemaRefs>
+</ds:datastoreItem>
+</file>
+
+<file path=customXml/itemProps23.xml><?xml version="1.0" encoding="utf-8"?>
+<ds:datastoreItem xmlns:ds="http://schemas.openxmlformats.org/officeDocument/2006/customXml" ds:itemID="{9CC7DA74-F89F-4639-A5D6-AD7DE787043A}">
+  <ds:schemaRefs>
+    <ds:schemaRef ds:uri="http://schemas.microsoft.com/VisualStudio/2011/storyboarding/control"/>
+  </ds:schemaRefs>
+</ds:datastoreItem>
+</file>
+
+<file path=customXml/itemProps24.xml><?xml version="1.0" encoding="utf-8"?>
+<ds:datastoreItem xmlns:ds="http://schemas.openxmlformats.org/officeDocument/2006/customXml" ds:itemID="{63B3C1C7-B581-40F6-AF30-536DB49F7380}">
+  <ds:schemaRefs>
+    <ds:schemaRef ds:uri="http://schemas.microsoft.com/VisualStudio/2011/storyboarding/control"/>
+  </ds:schemaRefs>
+</ds:datastoreItem>
+</file>
+
+<file path=customXml/itemProps25.xml><?xml version="1.0" encoding="utf-8"?>
+<ds:datastoreItem xmlns:ds="http://schemas.openxmlformats.org/officeDocument/2006/customXml" ds:itemID="{C4DA0C7F-684F-4C5F-9AFC-01F1AC7D1204}">
+  <ds:schemaRefs>
+    <ds:schemaRef ds:uri="http://schemas.microsoft.com/VisualStudio/2011/storyboarding/control"/>
+  </ds:schemaRefs>
+</ds:datastoreItem>
+</file>
+
+<file path=customXml/itemProps26.xml><?xml version="1.0" encoding="utf-8"?>
+<ds:datastoreItem xmlns:ds="http://schemas.openxmlformats.org/officeDocument/2006/customXml" ds:itemID="{66F891A4-1E0C-4366-AF81-C31386042B19}">
+  <ds:schemaRefs>
+    <ds:schemaRef ds:uri="http://schemas.microsoft.com/VisualStudio/2011/storyboarding/control"/>
+  </ds:schemaRefs>
+</ds:datastoreItem>
+</file>
+
+<file path=customXml/itemProps27.xml><?xml version="1.0" encoding="utf-8"?>
+<ds:datastoreItem xmlns:ds="http://schemas.openxmlformats.org/officeDocument/2006/customXml" ds:itemID="{A093C6BD-8E27-404E-A5F5-E6E32FC799AF}">
+  <ds:schemaRefs>
+    <ds:schemaRef ds:uri="http://schemas.microsoft.com/VisualStudio/2011/storyboarding/control"/>
+  </ds:schemaRefs>
+</ds:datastoreItem>
+</file>
+
+<file path=customXml/itemProps28.xml><?xml version="1.0" encoding="utf-8"?>
+<ds:datastoreItem xmlns:ds="http://schemas.openxmlformats.org/officeDocument/2006/customXml" ds:itemID="{F7FE134A-EACA-4AD0-BD84-9AF8EA9370B9}">
+  <ds:schemaRefs>
+    <ds:schemaRef ds:uri="http://schemas.microsoft.com/VisualStudio/2011/storyboarding/control"/>
+  </ds:schemaRefs>
+</ds:datastoreItem>
+</file>
+
+<file path=customXml/itemProps29.xml><?xml version="1.0" encoding="utf-8"?>
+<ds:datastoreItem xmlns:ds="http://schemas.openxmlformats.org/officeDocument/2006/customXml" ds:itemID="{AFFBC1FE-53DB-487F-BD25-7104F6A3D93F}">
+  <ds:schemaRefs>
+    <ds:schemaRef ds:uri="http://schemas.microsoft.com/VisualStudio/2011/storyboarding/control"/>
+  </ds:schemaRefs>
+</ds:datastoreItem>
+</file>
+
+<file path=customXml/itemProps3.xml><?xml version="1.0" encoding="utf-8"?>
+<ds:datastoreItem xmlns:ds="http://schemas.openxmlformats.org/officeDocument/2006/customXml" ds:itemID="{73AC646A-7B6C-476C-9341-9E4AD9C07ABC}">
+  <ds:schemaRefs>
+    <ds:schemaRef ds:uri="http://schemas.microsoft.com/VisualStudio/2011/storyboarding/control"/>
+  </ds:schemaRefs>
+</ds:datastoreItem>
+</file>
+
+<file path=customXml/itemProps30.xml><?xml version="1.0" encoding="utf-8"?>
+<ds:datastoreItem xmlns:ds="http://schemas.openxmlformats.org/officeDocument/2006/customXml" ds:itemID="{BF0F755C-5B52-4811-A132-FA2E422CF058}">
+  <ds:schemaRefs>
+    <ds:schemaRef ds:uri="http://schemas.microsoft.com/VisualStudio/2011/storyboarding/control"/>
+  </ds:schemaRefs>
+</ds:datastoreItem>
+</file>
+
+<file path=customXml/itemProps31.xml><?xml version="1.0" encoding="utf-8"?>
+<ds:datastoreItem xmlns:ds="http://schemas.openxmlformats.org/officeDocument/2006/customXml" ds:itemID="{B086F7BD-FA11-4B74-BB9E-9719CB13F9FE}">
+  <ds:schemaRefs>
+    <ds:schemaRef ds:uri="http://schemas.microsoft.com/VisualStudio/2011/storyboarding/control"/>
+  </ds:schemaRefs>
+</ds:datastoreItem>
+</file>
+
+<file path=customXml/itemProps32.xml><?xml version="1.0" encoding="utf-8"?>
+<ds:datastoreItem xmlns:ds="http://schemas.openxmlformats.org/officeDocument/2006/customXml" ds:itemID="{60E90F39-08BD-4FB9-91DF-16B487028BC8}">
+  <ds:schemaRefs>
+    <ds:schemaRef ds:uri="http://schemas.microsoft.com/VisualStudio/2011/storyboarding/control"/>
+  </ds:schemaRefs>
+</ds:datastoreItem>
+</file>
+
+<file path=customXml/itemProps33.xml><?xml version="1.0" encoding="utf-8"?>
+<ds:datastoreItem xmlns:ds="http://schemas.openxmlformats.org/officeDocument/2006/customXml" ds:itemID="{9789EF1F-74CC-4E36-94B8-9C6BCF1276B2}">
+  <ds:schemaRefs>
+    <ds:schemaRef ds:uri="http://schemas.microsoft.com/VisualStudio/2011/storyboarding/control"/>
+  </ds:schemaRefs>
+</ds:datastoreItem>
+</file>
+
+<file path=customXml/itemProps34.xml><?xml version="1.0" encoding="utf-8"?>
+<ds:datastoreItem xmlns:ds="http://schemas.openxmlformats.org/officeDocument/2006/customXml" ds:itemID="{F73BC4C1-B431-4D91-8F6A-B8642D04326B}">
+  <ds:schemaRefs>
+    <ds:schemaRef ds:uri="http://schemas.microsoft.com/VisualStudio/2011/storyboarding/control"/>
+  </ds:schemaRefs>
+</ds:datastoreItem>
+</file>
+
+<file path=customXml/itemProps35.xml><?xml version="1.0" encoding="utf-8"?>
+<ds:datastoreItem xmlns:ds="http://schemas.openxmlformats.org/officeDocument/2006/customXml" ds:itemID="{D8066D30-0198-4D81-B664-F42A8D9F3344}">
+  <ds:schemaRefs>
+    <ds:schemaRef ds:uri="http://schemas.microsoft.com/VisualStudio/2011/storyboarding/control"/>
+  </ds:schemaRefs>
+</ds:datastoreItem>
+</file>
+
+<file path=customXml/itemProps36.xml><?xml version="1.0" encoding="utf-8"?>
+<ds:datastoreItem xmlns:ds="http://schemas.openxmlformats.org/officeDocument/2006/customXml" ds:itemID="{EEAF559D-6ABB-4726-BC15-07720FBF5422}">
+  <ds:schemaRefs>
+    <ds:schemaRef ds:uri="http://schemas.microsoft.com/VisualStudio/2011/storyboarding/control"/>
+  </ds:schemaRefs>
+</ds:datastoreItem>
+</file>
+
+<file path=customXml/itemProps37.xml><?xml version="1.0" encoding="utf-8"?>
+<ds:datastoreItem xmlns:ds="http://schemas.openxmlformats.org/officeDocument/2006/customXml" ds:itemID="{F6D72439-5F63-431F-942E-E5B83B6E582B}">
+  <ds:schemaRefs>
+    <ds:schemaRef ds:uri="http://schemas.microsoft.com/VisualStudio/2011/storyboarding/control"/>
+  </ds:schemaRefs>
+</ds:datastoreItem>
+</file>
+
+<file path=customXml/itemProps38.xml><?xml version="1.0" encoding="utf-8"?>
 <ds:datastoreItem xmlns:ds="http://schemas.openxmlformats.org/officeDocument/2006/customXml" ds:itemID="{7F38FAC9-01AB-482F-B487-7E71255A2D76}">
   <ds:schemaRefs>
     <ds:schemaRef ds:uri="http://schemas.microsoft.com/VisualStudio/2011/storyboarding/control"/>
@@ -26838,15 +27463,439 @@
 </ds:datastoreItem>
 </file>
 
-<file path=customXml/itemProps10.xml><?xml version="1.0" encoding="utf-8"?>
-<ds:datastoreItem xmlns:ds="http://schemas.openxmlformats.org/officeDocument/2006/customXml" ds:itemID="{213C61FB-DAED-46E7-BBA0-B53F75E2931E}">
+<file path=customXml/itemProps39.xml><?xml version="1.0" encoding="utf-8"?>
+<ds:datastoreItem xmlns:ds="http://schemas.openxmlformats.org/officeDocument/2006/customXml" ds:itemID="{89FC1577-1E1A-4116-A06B-FD08B9AB2DF0}">
   <ds:schemaRefs>
     <ds:schemaRef ds:uri="http://schemas.microsoft.com/VisualStudio/2011/storyboarding/control"/>
   </ds:schemaRefs>
 </ds:datastoreItem>
 </file>
 
-<file path=customXml/itemProps100.xml><?xml version="1.0" encoding="utf-8"?>
+<file path=customXml/itemProps4.xml><?xml version="1.0" encoding="utf-8"?>
+<ds:datastoreItem xmlns:ds="http://schemas.openxmlformats.org/officeDocument/2006/customXml" ds:itemID="{20F6B8E1-EB85-40D1-A3D3-55FF1069FC9F}">
+  <ds:schemaRefs>
+    <ds:schemaRef ds:uri="http://schemas.microsoft.com/VisualStudio/2011/storyboarding/control"/>
+  </ds:schemaRefs>
+</ds:datastoreItem>
+</file>
+
+<file path=customXml/itemProps40.xml><?xml version="1.0" encoding="utf-8"?>
+<ds:datastoreItem xmlns:ds="http://schemas.openxmlformats.org/officeDocument/2006/customXml" ds:itemID="{EBF855D8-0794-48CF-8342-218B09EC2D63}">
+  <ds:schemaRefs>
+    <ds:schemaRef ds:uri="http://schemas.microsoft.com/VisualStudio/2011/storyboarding/control"/>
+  </ds:schemaRefs>
+</ds:datastoreItem>
+</file>
+
+<file path=customXml/itemProps41.xml><?xml version="1.0" encoding="utf-8"?>
+<ds:datastoreItem xmlns:ds="http://schemas.openxmlformats.org/officeDocument/2006/customXml" ds:itemID="{10E361DB-C14B-4931-B7DE-45D0EE02CBD8}">
+  <ds:schemaRefs>
+    <ds:schemaRef ds:uri="http://schemas.microsoft.com/VisualStudio/2011/storyboarding/control"/>
+  </ds:schemaRefs>
+</ds:datastoreItem>
+</file>
+
+<file path=customXml/itemProps42.xml><?xml version="1.0" encoding="utf-8"?>
+<ds:datastoreItem xmlns:ds="http://schemas.openxmlformats.org/officeDocument/2006/customXml" ds:itemID="{B6BEF128-D031-4E3B-A542-436E714F781E}">
+  <ds:schemaRefs>
+    <ds:schemaRef ds:uri="http://schemas.microsoft.com/VisualStudio/2011/storyboarding/control"/>
+  </ds:schemaRefs>
+</ds:datastoreItem>
+</file>
+
+<file path=customXml/itemProps43.xml><?xml version="1.0" encoding="utf-8"?>
+<ds:datastoreItem xmlns:ds="http://schemas.openxmlformats.org/officeDocument/2006/customXml" ds:itemID="{BE1DE335-3C29-4935-AD98-2E2B9DACB0A8}">
+  <ds:schemaRefs>
+    <ds:schemaRef ds:uri="http://schemas.microsoft.com/VisualStudio/2011/storyboarding/control"/>
+  </ds:schemaRefs>
+</ds:datastoreItem>
+</file>
+
+<file path=customXml/itemProps44.xml><?xml version="1.0" encoding="utf-8"?>
+<ds:datastoreItem xmlns:ds="http://schemas.openxmlformats.org/officeDocument/2006/customXml" ds:itemID="{75727B66-6F63-4D61-AD77-1B833D11E605}">
+  <ds:schemaRefs>
+    <ds:schemaRef ds:uri="http://schemas.microsoft.com/VisualStudio/2011/storyboarding/control"/>
+  </ds:schemaRefs>
+</ds:datastoreItem>
+</file>
+
+<file path=customXml/itemProps45.xml><?xml version="1.0" encoding="utf-8"?>
+<ds:datastoreItem xmlns:ds="http://schemas.openxmlformats.org/officeDocument/2006/customXml" ds:itemID="{03C0BB87-78A4-45BE-A729-8B70521005C6}">
+  <ds:schemaRefs>
+    <ds:schemaRef ds:uri="http://schemas.microsoft.com/VisualStudio/2011/storyboarding/control"/>
+  </ds:schemaRefs>
+</ds:datastoreItem>
+</file>
+
+<file path=customXml/itemProps46.xml><?xml version="1.0" encoding="utf-8"?>
+<ds:datastoreItem xmlns:ds="http://schemas.openxmlformats.org/officeDocument/2006/customXml" ds:itemID="{044AA928-DA9A-437D-B0C5-7B1CC1D6F437}">
+  <ds:schemaRefs>
+    <ds:schemaRef ds:uri="http://schemas.microsoft.com/VisualStudio/2011/storyboarding/control"/>
+  </ds:schemaRefs>
+</ds:datastoreItem>
+</file>
+
+<file path=customXml/itemProps47.xml><?xml version="1.0" encoding="utf-8"?>
+<ds:datastoreItem xmlns:ds="http://schemas.openxmlformats.org/officeDocument/2006/customXml" ds:itemID="{084C007A-DF4E-4D39-B6C4-7C4BC213F3E7}">
+  <ds:schemaRefs>
+    <ds:schemaRef ds:uri="http://schemas.microsoft.com/VisualStudio/2011/storyboarding/control"/>
+  </ds:schemaRefs>
+</ds:datastoreItem>
+</file>
+
+<file path=customXml/itemProps48.xml><?xml version="1.0" encoding="utf-8"?>
+<ds:datastoreItem xmlns:ds="http://schemas.openxmlformats.org/officeDocument/2006/customXml" ds:itemID="{F269F591-E4E9-4E9F-A50A-1EBD8C10E288}">
+  <ds:schemaRefs>
+    <ds:schemaRef ds:uri="http://schemas.microsoft.com/VisualStudio/2011/storyboarding/control"/>
+  </ds:schemaRefs>
+</ds:datastoreItem>
+</file>
+
+<file path=customXml/itemProps49.xml><?xml version="1.0" encoding="utf-8"?>
+<ds:datastoreItem xmlns:ds="http://schemas.openxmlformats.org/officeDocument/2006/customXml" ds:itemID="{A450FB45-11F5-4FF1-B8C5-D4149938F596}">
+  <ds:schemaRefs>
+    <ds:schemaRef ds:uri="http://schemas.microsoft.com/VisualStudio/2011/storyboarding/control"/>
+  </ds:schemaRefs>
+</ds:datastoreItem>
+</file>
+
+<file path=customXml/itemProps5.xml><?xml version="1.0" encoding="utf-8"?>
+<ds:datastoreItem xmlns:ds="http://schemas.openxmlformats.org/officeDocument/2006/customXml" ds:itemID="{66F48B64-4F94-4753-AB0F-DDC7CE62E7CF}">
+  <ds:schemaRefs>
+    <ds:schemaRef ds:uri="http://schemas.microsoft.com/VisualStudio/2011/storyboarding/control"/>
+  </ds:schemaRefs>
+</ds:datastoreItem>
+</file>
+
+<file path=customXml/itemProps50.xml><?xml version="1.0" encoding="utf-8"?>
+<ds:datastoreItem xmlns:ds="http://schemas.openxmlformats.org/officeDocument/2006/customXml" ds:itemID="{5CA1C5B9-73FC-416D-ACF9-F624009E98DF}">
+  <ds:schemaRefs>
+    <ds:schemaRef ds:uri="http://schemas.microsoft.com/VisualStudio/2011/storyboarding/control"/>
+  </ds:schemaRefs>
+</ds:datastoreItem>
+</file>
+
+<file path=customXml/itemProps51.xml><?xml version="1.0" encoding="utf-8"?>
+<ds:datastoreItem xmlns:ds="http://schemas.openxmlformats.org/officeDocument/2006/customXml" ds:itemID="{009AE376-C22F-4CB9-8865-69864538F5B6}">
+  <ds:schemaRefs>
+    <ds:schemaRef ds:uri="http://schemas.microsoft.com/VisualStudio/2011/storyboarding/control"/>
+  </ds:schemaRefs>
+</ds:datastoreItem>
+</file>
+
+<file path=customXml/itemProps52.xml><?xml version="1.0" encoding="utf-8"?>
+<ds:datastoreItem xmlns:ds="http://schemas.openxmlformats.org/officeDocument/2006/customXml" ds:itemID="{BD0EC1C4-6C2F-4626-A0D8-3B0EB42EC4F2}">
+  <ds:schemaRefs>
+    <ds:schemaRef ds:uri="http://schemas.microsoft.com/VisualStudio/2011/storyboarding/control"/>
+  </ds:schemaRefs>
+</ds:datastoreItem>
+</file>
+
+<file path=customXml/itemProps53.xml><?xml version="1.0" encoding="utf-8"?>
+<ds:datastoreItem xmlns:ds="http://schemas.openxmlformats.org/officeDocument/2006/customXml" ds:itemID="{D58CACB2-FB3A-421C-AF31-9174983CFE8D}">
+  <ds:schemaRefs>
+    <ds:schemaRef ds:uri="http://schemas.microsoft.com/VisualStudio/2011/storyboarding/control"/>
+  </ds:schemaRefs>
+</ds:datastoreItem>
+</file>
+
+<file path=customXml/itemProps54.xml><?xml version="1.0" encoding="utf-8"?>
+<ds:datastoreItem xmlns:ds="http://schemas.openxmlformats.org/officeDocument/2006/customXml" ds:itemID="{B1EF30F9-0351-4DC4-BA58-819C0D70AB9D}">
+  <ds:schemaRefs>
+    <ds:schemaRef ds:uri="http://schemas.microsoft.com/VisualStudio/2011/storyboarding/control"/>
+  </ds:schemaRefs>
+</ds:datastoreItem>
+</file>
+
+<file path=customXml/itemProps55.xml><?xml version="1.0" encoding="utf-8"?>
+<ds:datastoreItem xmlns:ds="http://schemas.openxmlformats.org/officeDocument/2006/customXml" ds:itemID="{6FD1A331-5509-4BBB-AD8F-71A8BBAAAFF3}">
+  <ds:schemaRefs>
+    <ds:schemaRef ds:uri="http://schemas.microsoft.com/VisualStudio/2011/storyboarding/control"/>
+  </ds:schemaRefs>
+</ds:datastoreItem>
+</file>
+
+<file path=customXml/itemProps56.xml><?xml version="1.0" encoding="utf-8"?>
+<ds:datastoreItem xmlns:ds="http://schemas.openxmlformats.org/officeDocument/2006/customXml" ds:itemID="{C591595A-49AF-4280-A8DA-CB45A20CBDAC}">
+  <ds:schemaRefs>
+    <ds:schemaRef ds:uri="http://schemas.microsoft.com/VisualStudio/2011/storyboarding/control"/>
+  </ds:schemaRefs>
+</ds:datastoreItem>
+</file>
+
+<file path=customXml/itemProps57.xml><?xml version="1.0" encoding="utf-8"?>
+<ds:datastoreItem xmlns:ds="http://schemas.openxmlformats.org/officeDocument/2006/customXml" ds:itemID="{E2383BF3-EB27-4233-9678-DE2EFBBC4329}">
+  <ds:schemaRefs>
+    <ds:schemaRef ds:uri="http://schemas.microsoft.com/VisualStudio/2011/storyboarding/control"/>
+  </ds:schemaRefs>
+</ds:datastoreItem>
+</file>
+
+<file path=customXml/itemProps58.xml><?xml version="1.0" encoding="utf-8"?>
+<ds:datastoreItem xmlns:ds="http://schemas.openxmlformats.org/officeDocument/2006/customXml" ds:itemID="{B6FC8705-B60A-469E-87F8-5506895325B0}">
+  <ds:schemaRefs>
+    <ds:schemaRef ds:uri="http://schemas.microsoft.com/VisualStudio/2011/storyboarding/control"/>
+  </ds:schemaRefs>
+</ds:datastoreItem>
+</file>
+
+<file path=customXml/itemProps59.xml><?xml version="1.0" encoding="utf-8"?>
+<ds:datastoreItem xmlns:ds="http://schemas.openxmlformats.org/officeDocument/2006/customXml" ds:itemID="{414DD9E0-30EC-4B47-A843-FD74976D17D0}">
+  <ds:schemaRefs>
+    <ds:schemaRef ds:uri="http://schemas.microsoft.com/VisualStudio/2011/storyboarding/control"/>
+  </ds:schemaRefs>
+</ds:datastoreItem>
+</file>
+
+<file path=customXml/itemProps6.xml><?xml version="1.0" encoding="utf-8"?>
+<ds:datastoreItem xmlns:ds="http://schemas.openxmlformats.org/officeDocument/2006/customXml" ds:itemID="{DA150A48-3079-44D0-AB28-7AFF401EA12D}">
+  <ds:schemaRefs>
+    <ds:schemaRef ds:uri="http://schemas.microsoft.com/VisualStudio/2011/storyboarding/control"/>
+  </ds:schemaRefs>
+</ds:datastoreItem>
+</file>
+
+<file path=customXml/itemProps60.xml><?xml version="1.0" encoding="utf-8"?>
+<ds:datastoreItem xmlns:ds="http://schemas.openxmlformats.org/officeDocument/2006/customXml" ds:itemID="{BDA25D10-4D4B-4D45-9122-8C648851E4DB}">
+  <ds:schemaRefs>
+    <ds:schemaRef ds:uri="http://schemas.microsoft.com/VisualStudio/2011/storyboarding/control"/>
+  </ds:schemaRefs>
+</ds:datastoreItem>
+</file>
+
+<file path=customXml/itemProps61.xml><?xml version="1.0" encoding="utf-8"?>
+<ds:datastoreItem xmlns:ds="http://schemas.openxmlformats.org/officeDocument/2006/customXml" ds:itemID="{DAC73048-F318-4CFF-B7CF-F59B926D5BD6}">
+  <ds:schemaRefs>
+    <ds:schemaRef ds:uri="http://schemas.microsoft.com/VisualStudio/2011/storyboarding/control"/>
+  </ds:schemaRefs>
+</ds:datastoreItem>
+</file>
+
+<file path=customXml/itemProps62.xml><?xml version="1.0" encoding="utf-8"?>
+<ds:datastoreItem xmlns:ds="http://schemas.openxmlformats.org/officeDocument/2006/customXml" ds:itemID="{2A9190E7-FBBB-472D-AF72-4F87695828F3}">
+  <ds:schemaRefs>
+    <ds:schemaRef ds:uri="http://schemas.microsoft.com/VisualStudio/2011/storyboarding/control"/>
+  </ds:schemaRefs>
+</ds:datastoreItem>
+</file>
+
+<file path=customXml/itemProps63.xml><?xml version="1.0" encoding="utf-8"?>
+<ds:datastoreItem xmlns:ds="http://schemas.openxmlformats.org/officeDocument/2006/customXml" ds:itemID="{59F06247-8C5E-4E99-ACD3-3F4F2D88D930}">
+  <ds:schemaRefs>
+    <ds:schemaRef ds:uri="http://schemas.microsoft.com/VisualStudio/2011/storyboarding/control"/>
+  </ds:schemaRefs>
+</ds:datastoreItem>
+</file>
+
+<file path=customXml/itemProps64.xml><?xml version="1.0" encoding="utf-8"?>
+<ds:datastoreItem xmlns:ds="http://schemas.openxmlformats.org/officeDocument/2006/customXml" ds:itemID="{87DDB2A4-A3BB-4662-AD49-E33370743554}">
+  <ds:schemaRefs>
+    <ds:schemaRef ds:uri="http://schemas.microsoft.com/VisualStudio/2011/storyboarding/control"/>
+  </ds:schemaRefs>
+</ds:datastoreItem>
+</file>
+
+<file path=customXml/itemProps65.xml><?xml version="1.0" encoding="utf-8"?>
+<ds:datastoreItem xmlns:ds="http://schemas.openxmlformats.org/officeDocument/2006/customXml" ds:itemID="{97A870FB-C27D-4587-9BC0-E03FB800A290}">
+  <ds:schemaRefs>
+    <ds:schemaRef ds:uri="http://schemas.microsoft.com/VisualStudio/2011/storyboarding/control"/>
+  </ds:schemaRefs>
+</ds:datastoreItem>
+</file>
+
+<file path=customXml/itemProps66.xml><?xml version="1.0" encoding="utf-8"?>
+<ds:datastoreItem xmlns:ds="http://schemas.openxmlformats.org/officeDocument/2006/customXml" ds:itemID="{9F874354-5DAE-4169-B64B-C2A3DC4BC910}">
+  <ds:schemaRefs>
+    <ds:schemaRef ds:uri="http://schemas.microsoft.com/VisualStudio/2011/storyboarding/control"/>
+  </ds:schemaRefs>
+</ds:datastoreItem>
+</file>
+
+<file path=customXml/itemProps67.xml><?xml version="1.0" encoding="utf-8"?>
+<ds:datastoreItem xmlns:ds="http://schemas.openxmlformats.org/officeDocument/2006/customXml" ds:itemID="{F57B68D2-1D7C-415D-AEDA-52AEA8B0A86A}">
+  <ds:schemaRefs>
+    <ds:schemaRef ds:uri="http://schemas.microsoft.com/VisualStudio/2011/storyboarding/control"/>
+  </ds:schemaRefs>
+</ds:datastoreItem>
+</file>
+
+<file path=customXml/itemProps68.xml><?xml version="1.0" encoding="utf-8"?>
+<ds:datastoreItem xmlns:ds="http://schemas.openxmlformats.org/officeDocument/2006/customXml" ds:itemID="{AB589675-9F38-48F0-B414-E2E3C5F51D3B}">
+  <ds:schemaRefs>
+    <ds:schemaRef ds:uri="http://schemas.microsoft.com/VisualStudio/2011/storyboarding/control"/>
+  </ds:schemaRefs>
+</ds:datastoreItem>
+</file>
+
+<file path=customXml/itemProps69.xml><?xml version="1.0" encoding="utf-8"?>
+<ds:datastoreItem xmlns:ds="http://schemas.openxmlformats.org/officeDocument/2006/customXml" ds:itemID="{57B0DE56-B157-4F1F-8315-CEB4C5B4CB76}">
+  <ds:schemaRefs>
+    <ds:schemaRef ds:uri="http://schemas.microsoft.com/VisualStudio/2011/storyboarding/control"/>
+  </ds:schemaRefs>
+</ds:datastoreItem>
+</file>
+
+<file path=customXml/itemProps7.xml><?xml version="1.0" encoding="utf-8"?>
+<ds:datastoreItem xmlns:ds="http://schemas.openxmlformats.org/officeDocument/2006/customXml" ds:itemID="{97338CE5-9B75-42C3-8BA4-12D084FDEFC5}">
+  <ds:schemaRefs>
+    <ds:schemaRef ds:uri="http://schemas.microsoft.com/VisualStudio/2011/storyboarding/control"/>
+  </ds:schemaRefs>
+</ds:datastoreItem>
+</file>
+
+<file path=customXml/itemProps70.xml><?xml version="1.0" encoding="utf-8"?>
+<ds:datastoreItem xmlns:ds="http://schemas.openxmlformats.org/officeDocument/2006/customXml" ds:itemID="{47365708-AE26-4287-9018-3846CD59ADFA}">
+  <ds:schemaRefs>
+    <ds:schemaRef ds:uri="http://schemas.microsoft.com/VisualStudio/2011/storyboarding/control"/>
+  </ds:schemaRefs>
+</ds:datastoreItem>
+</file>
+
+<file path=customXml/itemProps71.xml><?xml version="1.0" encoding="utf-8"?>
+<ds:datastoreItem xmlns:ds="http://schemas.openxmlformats.org/officeDocument/2006/customXml" ds:itemID="{517591E8-B35A-4B7C-82EA-B13FA45F4D98}">
+  <ds:schemaRefs>
+    <ds:schemaRef ds:uri="http://schemas.microsoft.com/VisualStudio/2011/storyboarding/control"/>
+  </ds:schemaRefs>
+</ds:datastoreItem>
+</file>
+
+<file path=customXml/itemProps72.xml><?xml version="1.0" encoding="utf-8"?>
+<ds:datastoreItem xmlns:ds="http://schemas.openxmlformats.org/officeDocument/2006/customXml" ds:itemID="{5B141645-55E3-462F-844D-5C1389E9C01E}">
+  <ds:schemaRefs>
+    <ds:schemaRef ds:uri="http://schemas.microsoft.com/VisualStudio/2011/storyboarding/control"/>
+  </ds:schemaRefs>
+</ds:datastoreItem>
+</file>
+
+<file path=customXml/itemProps73.xml><?xml version="1.0" encoding="utf-8"?>
+<ds:datastoreItem xmlns:ds="http://schemas.openxmlformats.org/officeDocument/2006/customXml" ds:itemID="{0715CD44-F6EB-4E53-AB66-33EC385BDC06}">
+  <ds:schemaRefs>
+    <ds:schemaRef ds:uri="http://schemas.microsoft.com/VisualStudio/2011/storyboarding/control"/>
+  </ds:schemaRefs>
+</ds:datastoreItem>
+</file>
+
+<file path=customXml/itemProps74.xml><?xml version="1.0" encoding="utf-8"?>
+<ds:datastoreItem xmlns:ds="http://schemas.openxmlformats.org/officeDocument/2006/customXml" ds:itemID="{D4C7EECA-CD3B-4ABD-B53B-EF292A189C4E}">
+  <ds:schemaRefs>
+    <ds:schemaRef ds:uri="http://schemas.microsoft.com/VisualStudio/2011/storyboarding/control"/>
+  </ds:schemaRefs>
+</ds:datastoreItem>
+</file>
+
+<file path=customXml/itemProps75.xml><?xml version="1.0" encoding="utf-8"?>
+<ds:datastoreItem xmlns:ds="http://schemas.openxmlformats.org/officeDocument/2006/customXml" ds:itemID="{09A3EA89-A631-4A5F-8795-733C9A3EAC1A}">
+  <ds:schemaRefs>
+    <ds:schemaRef ds:uri="http://schemas.microsoft.com/VisualStudio/2011/storyboarding/control"/>
+  </ds:schemaRefs>
+</ds:datastoreItem>
+</file>
+
+<file path=customXml/itemProps76.xml><?xml version="1.0" encoding="utf-8"?>
+<ds:datastoreItem xmlns:ds="http://schemas.openxmlformats.org/officeDocument/2006/customXml" ds:itemID="{B7E427B5-EE1A-4041-BEED-22C315D78FB7}">
+  <ds:schemaRefs>
+    <ds:schemaRef ds:uri="http://schemas.microsoft.com/VisualStudio/2011/storyboarding/control"/>
+  </ds:schemaRefs>
+</ds:datastoreItem>
+</file>
+
+<file path=customXml/itemProps77.xml><?xml version="1.0" encoding="utf-8"?>
+<ds:datastoreItem xmlns:ds="http://schemas.openxmlformats.org/officeDocument/2006/customXml" ds:itemID="{5B3BC280-ED1C-4125-991B-7507C0132E01}">
+  <ds:schemaRefs>
+    <ds:schemaRef ds:uri="http://schemas.microsoft.com/VisualStudio/2011/storyboarding/control"/>
+  </ds:schemaRefs>
+</ds:datastoreItem>
+</file>
+
+<file path=customXml/itemProps78.xml><?xml version="1.0" encoding="utf-8"?>
+<ds:datastoreItem xmlns:ds="http://schemas.openxmlformats.org/officeDocument/2006/customXml" ds:itemID="{CEFA093D-98B3-4C9F-9AE0-1FC6AF8B30DE}">
+  <ds:schemaRefs>
+    <ds:schemaRef ds:uri="http://schemas.microsoft.com/VisualStudio/2011/storyboarding/control"/>
+  </ds:schemaRefs>
+</ds:datastoreItem>
+</file>
+
+<file path=customXml/itemProps79.xml><?xml version="1.0" encoding="utf-8"?>
+<ds:datastoreItem xmlns:ds="http://schemas.openxmlformats.org/officeDocument/2006/customXml" ds:itemID="{F665C1EF-10F2-450E-AA28-CA28A7CD1413}">
+  <ds:schemaRefs>
+    <ds:schemaRef ds:uri="http://schemas.microsoft.com/VisualStudio/2011/storyboarding/control"/>
+  </ds:schemaRefs>
+</ds:datastoreItem>
+</file>
+
+<file path=customXml/itemProps8.xml><?xml version="1.0" encoding="utf-8"?>
+<ds:datastoreItem xmlns:ds="http://schemas.openxmlformats.org/officeDocument/2006/customXml" ds:itemID="{993ACFB9-90DE-45BE-9EC9-60E8ECD4A37E}">
+  <ds:schemaRefs>
+    <ds:schemaRef ds:uri="http://schemas.microsoft.com/VisualStudio/2011/storyboarding/control"/>
+  </ds:schemaRefs>
+</ds:datastoreItem>
+</file>
+
+<file path=customXml/itemProps80.xml><?xml version="1.0" encoding="utf-8"?>
+<ds:datastoreItem xmlns:ds="http://schemas.openxmlformats.org/officeDocument/2006/customXml" ds:itemID="{3A060B6E-E4C6-46BD-9F01-42E580790DD3}">
+  <ds:schemaRefs>
+    <ds:schemaRef ds:uri="http://schemas.microsoft.com/VisualStudio/2011/storyboarding/control"/>
+  </ds:schemaRefs>
+</ds:datastoreItem>
+</file>
+
+<file path=customXml/itemProps81.xml><?xml version="1.0" encoding="utf-8"?>
+<ds:datastoreItem xmlns:ds="http://schemas.openxmlformats.org/officeDocument/2006/customXml" ds:itemID="{A826F1E2-52D8-4783-87A3-7075BFC4C0FB}">
+  <ds:schemaRefs>
+    <ds:schemaRef ds:uri="http://schemas.microsoft.com/VisualStudio/2011/storyboarding/control"/>
+  </ds:schemaRefs>
+</ds:datastoreItem>
+</file>
+
+<file path=customXml/itemProps82.xml><?xml version="1.0" encoding="utf-8"?>
+<ds:datastoreItem xmlns:ds="http://schemas.openxmlformats.org/officeDocument/2006/customXml" ds:itemID="{B4F81F4E-8DE9-4EE7-B97E-FEFEB5665977}">
+  <ds:schemaRefs>
+    <ds:schemaRef ds:uri="http://schemas.microsoft.com/VisualStudio/2011/storyboarding/control"/>
+  </ds:schemaRefs>
+</ds:datastoreItem>
+</file>
+
+<file path=customXml/itemProps83.xml><?xml version="1.0" encoding="utf-8"?>
+<ds:datastoreItem xmlns:ds="http://schemas.openxmlformats.org/officeDocument/2006/customXml" ds:itemID="{DA4BCA12-5CFD-4AB9-B74F-58FA697CAC9F}">
+  <ds:schemaRefs>
+    <ds:schemaRef ds:uri="http://schemas.microsoft.com/VisualStudio/2011/storyboarding/control"/>
+  </ds:schemaRefs>
+</ds:datastoreItem>
+</file>
+
+<file path=customXml/itemProps84.xml><?xml version="1.0" encoding="utf-8"?>
+<ds:datastoreItem xmlns:ds="http://schemas.openxmlformats.org/officeDocument/2006/customXml" ds:itemID="{9ED0D019-0124-4C06-BAF7-A93446BDD58E}">
+  <ds:schemaRefs>
+    <ds:schemaRef ds:uri="http://schemas.microsoft.com/VisualStudio/2011/storyboarding/control"/>
+  </ds:schemaRefs>
+</ds:datastoreItem>
+</file>
+
+<file path=customXml/itemProps85.xml><?xml version="1.0" encoding="utf-8"?>
+<ds:datastoreItem xmlns:ds="http://schemas.openxmlformats.org/officeDocument/2006/customXml" ds:itemID="{6FD09C26-9E01-4CB8-B41D-F0458F6D6021}">
+  <ds:schemaRefs>
+    <ds:schemaRef ds:uri="http://schemas.microsoft.com/VisualStudio/2011/storyboarding/control"/>
+  </ds:schemaRefs>
+</ds:datastoreItem>
+</file>
+
+<file path=customXml/itemProps86.xml><?xml version="1.0" encoding="utf-8"?>
+<ds:datastoreItem xmlns:ds="http://schemas.openxmlformats.org/officeDocument/2006/customXml" ds:itemID="{0AF76D56-49D2-4070-922D-4165B0E5357D}">
+  <ds:schemaRefs>
+    <ds:schemaRef ds:uri="http://schemas.microsoft.com/VisualStudio/2011/storyboarding/control"/>
+  </ds:schemaRefs>
+</ds:datastoreItem>
+</file>
+
+<file path=customXml/itemProps87.xml><?xml version="1.0" encoding="utf-8"?>
+<ds:datastoreItem xmlns:ds="http://schemas.openxmlformats.org/officeDocument/2006/customXml" ds:itemID="{0FF5BBA3-544A-4DB4-845E-B4AFCC34112D}">
+  <ds:schemaRefs>
+    <ds:schemaRef ds:uri="http://schemas.microsoft.com/VisualStudio/2011/storyboarding/control"/>
+  </ds:schemaRefs>
+</ds:datastoreItem>
+</file>
+
+<file path=customXml/itemProps88.xml><?xml version="1.0" encoding="utf-8"?>
 <ds:datastoreItem xmlns:ds="http://schemas.openxmlformats.org/officeDocument/2006/customXml" ds:itemID="{024F0062-BFFF-4E80-8E04-1F0B7EAEBF34}">
   <ds:schemaRefs>
     <ds:schemaRef ds:uri="http://schemas.microsoft.com/VisualStudio/2011/storyboarding/control"/>
@@ -26854,39 +27903,7 @@
 </ds:datastoreItem>
 </file>
 
-<file path=customXml/itemProps101.xml><?xml version="1.0" encoding="utf-8"?>
-<ds:datastoreItem xmlns:ds="http://schemas.openxmlformats.org/officeDocument/2006/customXml" ds:itemID="{44054EC8-9D64-49F4-8547-821073619DD2}">
-  <ds:schemaRefs>
-    <ds:schemaRef ds:uri="http://schemas.microsoft.com/VisualStudio/2011/storyboarding/control"/>
-  </ds:schemaRefs>
-</ds:datastoreItem>
-</file>
-
-<file path=customXml/itemProps102.xml><?xml version="1.0" encoding="utf-8"?>
-<ds:datastoreItem xmlns:ds="http://schemas.openxmlformats.org/officeDocument/2006/customXml" ds:itemID="{2B88F5CB-54C2-43B4-9B21-FF286CE3AAD9}">
-  <ds:schemaRefs>
-    <ds:schemaRef ds:uri="http://schemas.microsoft.com/VisualStudio/2011/storyboarding/control"/>
-  </ds:schemaRefs>
-</ds:datastoreItem>
-</file>
-
-<file path=customXml/itemProps103.xml><?xml version="1.0" encoding="utf-8"?>
-<ds:datastoreItem xmlns:ds="http://schemas.openxmlformats.org/officeDocument/2006/customXml" ds:itemID="{A093C6BD-8E27-404E-A5F5-E6E32FC799AF}">
-  <ds:schemaRefs>
-    <ds:schemaRef ds:uri="http://schemas.microsoft.com/VisualStudio/2011/storyboarding/control"/>
-  </ds:schemaRefs>
-</ds:datastoreItem>
-</file>
-
-<file path=customXml/itemProps104.xml><?xml version="1.0" encoding="utf-8"?>
-<ds:datastoreItem xmlns:ds="http://schemas.openxmlformats.org/officeDocument/2006/customXml" ds:itemID="{DAC73048-F318-4CFF-B7CF-F59B926D5BD6}">
-  <ds:schemaRefs>
-    <ds:schemaRef ds:uri="http://schemas.microsoft.com/VisualStudio/2011/storyboarding/control"/>
-  </ds:schemaRefs>
-</ds:datastoreItem>
-</file>
-
-<file path=customXml/itemProps105.xml><?xml version="1.0" encoding="utf-8"?>
+<file path=customXml/itemProps89.xml><?xml version="1.0" encoding="utf-8"?>
 <ds:datastoreItem xmlns:ds="http://schemas.openxmlformats.org/officeDocument/2006/customXml" ds:itemID="{D6915D3A-355C-4078-9E74-9327CECB0B1A}">
   <ds:schemaRefs>
     <ds:schemaRef ds:uri="http://schemas.microsoft.com/VisualStudio/2011/storyboarding/control"/>
@@ -26894,143 +27911,71 @@
 </ds:datastoreItem>
 </file>
 
-<file path=customXml/itemProps106.xml><?xml version="1.0" encoding="utf-8"?>
-<ds:datastoreItem xmlns:ds="http://schemas.openxmlformats.org/officeDocument/2006/customXml" ds:itemID="{9296BA53-6802-4194-B27A-6F711A9A3196}">
+<file path=customXml/itemProps9.xml><?xml version="1.0" encoding="utf-8"?>
+<ds:datastoreItem xmlns:ds="http://schemas.openxmlformats.org/officeDocument/2006/customXml" ds:itemID="{CCCA689B-F2B6-4B42-A7F7-90233C27F893}">
   <ds:schemaRefs>
     <ds:schemaRef ds:uri="http://schemas.microsoft.com/VisualStudio/2011/storyboarding/control"/>
   </ds:schemaRefs>
 </ds:datastoreItem>
 </file>
 
-<file path=customXml/itemProps107.xml><?xml version="1.0" encoding="utf-8"?>
-<ds:datastoreItem xmlns:ds="http://schemas.openxmlformats.org/officeDocument/2006/customXml" ds:itemID="{DA150A48-3079-44D0-AB28-7AFF401EA12D}">
+<file path=customXml/itemProps90.xml><?xml version="1.0" encoding="utf-8"?>
+<ds:datastoreItem xmlns:ds="http://schemas.openxmlformats.org/officeDocument/2006/customXml" ds:itemID="{CB9A73B9-9731-49F1-9312-27A77F24A875}">
   <ds:schemaRefs>
     <ds:schemaRef ds:uri="http://schemas.microsoft.com/VisualStudio/2011/storyboarding/control"/>
   </ds:schemaRefs>
 </ds:datastoreItem>
 </file>
 
-<file path=customXml/itemProps108.xml><?xml version="1.0" encoding="utf-8"?>
-<ds:datastoreItem xmlns:ds="http://schemas.openxmlformats.org/officeDocument/2006/customXml" ds:itemID="{F7FE134A-EACA-4AD0-BD84-9AF8EA9370B9}">
+<file path=customXml/itemProps91.xml><?xml version="1.0" encoding="utf-8"?>
+<ds:datastoreItem xmlns:ds="http://schemas.openxmlformats.org/officeDocument/2006/customXml" ds:itemID="{E2B1785F-18CB-4BF4-B853-899DEFF2177F}">
   <ds:schemaRefs>
     <ds:schemaRef ds:uri="http://schemas.microsoft.com/VisualStudio/2011/storyboarding/control"/>
   </ds:schemaRefs>
 </ds:datastoreItem>
 </file>
 
-<file path=customXml/itemProps109.xml><?xml version="1.0" encoding="utf-8"?>
-<ds:datastoreItem xmlns:ds="http://schemas.openxmlformats.org/officeDocument/2006/customXml" ds:itemID="{6FD1A331-5509-4BBB-AD8F-71A8BBAAAFF3}">
+<file path=customXml/itemProps92.xml><?xml version="1.0" encoding="utf-8"?>
+<ds:datastoreItem xmlns:ds="http://schemas.openxmlformats.org/officeDocument/2006/customXml" ds:itemID="{3A6E97BB-64F7-469B-BC44-BCF9048F052D}">
   <ds:schemaRefs>
     <ds:schemaRef ds:uri="http://schemas.microsoft.com/VisualStudio/2011/storyboarding/control"/>
   </ds:schemaRefs>
 </ds:datastoreItem>
 </file>
 
-<file path=customXml/itemProps11.xml><?xml version="1.0" encoding="utf-8"?>
-<ds:datastoreItem xmlns:ds="http://schemas.openxmlformats.org/officeDocument/2006/customXml" ds:itemID="{97338CE5-9B75-42C3-8BA4-12D084FDEFC5}">
+<file path=customXml/itemProps93.xml><?xml version="1.0" encoding="utf-8"?>
+<ds:datastoreItem xmlns:ds="http://schemas.openxmlformats.org/officeDocument/2006/customXml" ds:itemID="{B026B6F0-3C27-4AED-8FA7-FFEC3021BBDB}">
   <ds:schemaRefs>
     <ds:schemaRef ds:uri="http://schemas.microsoft.com/VisualStudio/2011/storyboarding/control"/>
   </ds:schemaRefs>
 </ds:datastoreItem>
 </file>
 
-<file path=customXml/itemProps110.xml><?xml version="1.0" encoding="utf-8"?>
-<ds:datastoreItem xmlns:ds="http://schemas.openxmlformats.org/officeDocument/2006/customXml" ds:itemID="{B7E427B5-EE1A-4041-BEED-22C315D78FB7}">
+<file path=customXml/itemProps94.xml><?xml version="1.0" encoding="utf-8"?>
+<ds:datastoreItem xmlns:ds="http://schemas.openxmlformats.org/officeDocument/2006/customXml" ds:itemID="{5C37F9AC-10D9-4A08-8396-09E9B38D6B4E}">
   <ds:schemaRefs>
     <ds:schemaRef ds:uri="http://schemas.microsoft.com/VisualStudio/2011/storyboarding/control"/>
   </ds:schemaRefs>
 </ds:datastoreItem>
 </file>
 
-<file path=customXml/itemProps111.xml><?xml version="1.0" encoding="utf-8"?>
-<ds:datastoreItem xmlns:ds="http://schemas.openxmlformats.org/officeDocument/2006/customXml" ds:itemID="{4B74660E-933B-4EDC-8E00-1A4EE9C2CD93}">
+<file path=customXml/itemProps95.xml><?xml version="1.0" encoding="utf-8"?>
+<ds:datastoreItem xmlns:ds="http://schemas.openxmlformats.org/officeDocument/2006/customXml" ds:itemID="{8B4ED6C5-8A0A-4DCF-94AF-A7C5D51F9F13}">
   <ds:schemaRefs>
     <ds:schemaRef ds:uri="http://schemas.microsoft.com/VisualStudio/2011/storyboarding/control"/>
   </ds:schemaRefs>
 </ds:datastoreItem>
 </file>
 
-<file path=customXml/itemProps112.xml><?xml version="1.0" encoding="utf-8"?>
-<ds:datastoreItem xmlns:ds="http://schemas.openxmlformats.org/officeDocument/2006/customXml" ds:itemID="{F27C4D14-0B24-4E2A-801C-A2DC5DE89679}">
+<file path=customXml/itemProps96.xml><?xml version="1.0" encoding="utf-8"?>
+<ds:datastoreItem xmlns:ds="http://schemas.openxmlformats.org/officeDocument/2006/customXml" ds:itemID="{179946FC-F45E-4304-9C4D-ACCAF9EB39A2}">
   <ds:schemaRefs>
     <ds:schemaRef ds:uri="http://schemas.microsoft.com/VisualStudio/2011/storyboarding/control"/>
   </ds:schemaRefs>
 </ds:datastoreItem>
 </file>
 
-<file path=customXml/itemProps113.xml><?xml version="1.0" encoding="utf-8"?>
-<ds:datastoreItem xmlns:ds="http://schemas.openxmlformats.org/officeDocument/2006/customXml" ds:itemID="{2E83B95C-053F-4703-9413-72F938DE162B}">
-  <ds:schemaRefs>
-    <ds:schemaRef ds:uri="http://schemas.microsoft.com/VisualStudio/2011/storyboarding/control"/>
-  </ds:schemaRefs>
-</ds:datastoreItem>
-</file>
-
-<file path=customXml/itemProps114.xml><?xml version="1.0" encoding="utf-8"?>
-<ds:datastoreItem xmlns:ds="http://schemas.openxmlformats.org/officeDocument/2006/customXml" ds:itemID="{BE1DE335-3C29-4935-AD98-2E2B9DACB0A8}">
-  <ds:schemaRefs>
-    <ds:schemaRef ds:uri="http://schemas.microsoft.com/VisualStudio/2011/storyboarding/control"/>
-  </ds:schemaRefs>
-</ds:datastoreItem>
-</file>
-
-<file path=customXml/itemProps115.xml><?xml version="1.0" encoding="utf-8"?>
-<ds:datastoreItem xmlns:ds="http://schemas.openxmlformats.org/officeDocument/2006/customXml" ds:itemID="{5B3BC280-ED1C-4125-991B-7507C0132E01}">
-  <ds:schemaRefs>
-    <ds:schemaRef ds:uri="http://schemas.microsoft.com/VisualStudio/2011/storyboarding/control"/>
-  </ds:schemaRefs>
-</ds:datastoreItem>
-</file>
-
-<file path=customXml/itemProps116.xml><?xml version="1.0" encoding="utf-8"?>
-<ds:datastoreItem xmlns:ds="http://schemas.openxmlformats.org/officeDocument/2006/customXml" ds:itemID="{9690B37A-1B5F-460A-A127-70D2533C568A}">
-  <ds:schemaRefs>
-    <ds:schemaRef ds:uri="http://schemas.microsoft.com/VisualStudio/2011/storyboarding/control"/>
-  </ds:schemaRefs>
-</ds:datastoreItem>
-</file>
-
-<file path=customXml/itemProps117.xml><?xml version="1.0" encoding="utf-8"?>
-<ds:datastoreItem xmlns:ds="http://schemas.openxmlformats.org/officeDocument/2006/customXml" ds:itemID="{31F7918E-BFE7-462D-802B-92203383BC7D}">
-  <ds:schemaRefs>
-    <ds:schemaRef ds:uri="http://schemas.microsoft.com/VisualStudio/2011/storyboarding/control"/>
-  </ds:schemaRefs>
-</ds:datastoreItem>
-</file>
-
-<file path=customXml/itemProps118.xml><?xml version="1.0" encoding="utf-8"?>
-<ds:datastoreItem xmlns:ds="http://schemas.openxmlformats.org/officeDocument/2006/customXml" ds:itemID="{DB17BFFB-5E44-4E39-80CA-2524146582F7}">
-  <ds:schemaRefs>
-    <ds:schemaRef ds:uri="http://schemas.microsoft.com/VisualStudio/2011/storyboarding/control"/>
-  </ds:schemaRefs>
-</ds:datastoreItem>
-</file>
-
-<file path=customXml/itemProps119.xml><?xml version="1.0" encoding="utf-8"?>
-<ds:datastoreItem xmlns:ds="http://schemas.openxmlformats.org/officeDocument/2006/customXml" ds:itemID="{75727B66-6F63-4D61-AD77-1B833D11E605}">
-  <ds:schemaRefs>
-    <ds:schemaRef ds:uri="http://schemas.microsoft.com/VisualStudio/2011/storyboarding/control"/>
-  </ds:schemaRefs>
-</ds:datastoreItem>
-</file>
-
-<file path=customXml/itemProps12.xml><?xml version="1.0" encoding="utf-8"?>
-<ds:datastoreItem xmlns:ds="http://schemas.openxmlformats.org/officeDocument/2006/customXml" ds:itemID="{BA804EEF-5790-4E01-B667-ECB62CFB3737}">
-  <ds:schemaRefs>
-    <ds:schemaRef ds:uri="http://schemas.microsoft.com/VisualStudio/2011/storyboarding/control"/>
-  </ds:schemaRefs>
-</ds:datastoreItem>
-</file>
-
-<file path=customXml/itemProps120.xml><?xml version="1.0" encoding="utf-8"?>
-<ds:datastoreItem xmlns:ds="http://schemas.openxmlformats.org/officeDocument/2006/customXml" ds:itemID="{2A9190E7-FBBB-472D-AF72-4F87695828F3}">
-  <ds:schemaRefs>
-    <ds:schemaRef ds:uri="http://schemas.microsoft.com/VisualStudio/2011/storyboarding/control"/>
-  </ds:schemaRefs>
-</ds:datastoreItem>
-</file>
-
-<file path=customXml/itemProps121.xml><?xml version="1.0" encoding="utf-8"?>
+<file path=customXml/itemProps97.xml><?xml version="1.0" encoding="utf-8"?>
 <ds:datastoreItem xmlns:ds="http://schemas.openxmlformats.org/officeDocument/2006/customXml" ds:itemID="{D8C41DD4-DC70-4762-9553-0F3E89595CA1}">
   <ds:schemaRefs>
     <ds:schemaRef ds:uri="http://schemas.microsoft.com/VisualStudio/2011/storyboarding/control"/>
@@ -27038,183 +27983,7 @@
 </ds:datastoreItem>
 </file>
 
-<file path=customXml/itemProps122.xml><?xml version="1.0" encoding="utf-8"?>
-<ds:datastoreItem xmlns:ds="http://schemas.openxmlformats.org/officeDocument/2006/customXml" ds:itemID="{9D6E7750-E6FA-498B-B3BA-68715A746A60}">
-  <ds:schemaRefs>
-    <ds:schemaRef ds:uri="http://schemas.microsoft.com/VisualStudio/2011/storyboarding/control"/>
-  </ds:schemaRefs>
-</ds:datastoreItem>
-</file>
-
-<file path=customXml/itemProps123.xml><?xml version="1.0" encoding="utf-8"?>
-<ds:datastoreItem xmlns:ds="http://schemas.openxmlformats.org/officeDocument/2006/customXml" ds:itemID="{BEB7B5FD-6ACD-4EF5-849C-BD3DC2BC2C3C}">
-  <ds:schemaRefs>
-    <ds:schemaRef ds:uri="http://schemas.microsoft.com/VisualStudio/2011/storyboarding/control"/>
-  </ds:schemaRefs>
-</ds:datastoreItem>
-</file>
-
-<file path=customXml/itemProps124.xml><?xml version="1.0" encoding="utf-8"?>
-<ds:datastoreItem xmlns:ds="http://schemas.openxmlformats.org/officeDocument/2006/customXml" ds:itemID="{AFFBC1FE-53DB-487F-BD25-7104F6A3D93F}">
-  <ds:schemaRefs>
-    <ds:schemaRef ds:uri="http://schemas.microsoft.com/VisualStudio/2011/storyboarding/control"/>
-  </ds:schemaRefs>
-</ds:datastoreItem>
-</file>
-
-<file path=customXml/itemProps125.xml><?xml version="1.0" encoding="utf-8"?>
-<ds:datastoreItem xmlns:ds="http://schemas.openxmlformats.org/officeDocument/2006/customXml" ds:itemID="{59F06247-8C5E-4E99-ACD3-3F4F2D88D930}">
-  <ds:schemaRefs>
-    <ds:schemaRef ds:uri="http://schemas.microsoft.com/VisualStudio/2011/storyboarding/control"/>
-  </ds:schemaRefs>
-</ds:datastoreItem>
-</file>
-
-<file path=customXml/itemProps126.xml><?xml version="1.0" encoding="utf-8"?>
-<ds:datastoreItem xmlns:ds="http://schemas.openxmlformats.org/officeDocument/2006/customXml" ds:itemID="{CB9A73B9-9731-49F1-9312-27A77F24A875}">
-  <ds:schemaRefs>
-    <ds:schemaRef ds:uri="http://schemas.microsoft.com/VisualStudio/2011/storyboarding/control"/>
-  </ds:schemaRefs>
-</ds:datastoreItem>
-</file>
-
-<file path=customXml/itemProps127.xml><?xml version="1.0" encoding="utf-8"?>
-<ds:datastoreItem xmlns:ds="http://schemas.openxmlformats.org/officeDocument/2006/customXml" ds:itemID="{C8E1E520-FE36-40E8-9D47-3EA9453661A7}">
-  <ds:schemaRefs>
-    <ds:schemaRef ds:uri="http://schemas.microsoft.com/VisualStudio/2011/storyboarding/control"/>
-  </ds:schemaRefs>
-</ds:datastoreItem>
-</file>
-
-<file path=customXml/itemProps128.xml><?xml version="1.0" encoding="utf-8"?>
-<ds:datastoreItem xmlns:ds="http://schemas.openxmlformats.org/officeDocument/2006/customXml" ds:itemID="{495D47A3-576F-464E-9313-CB04E63E2E1B}">
-  <ds:schemaRefs>
-    <ds:schemaRef ds:uri="http://schemas.microsoft.com/VisualStudio/2011/storyboarding/control"/>
-  </ds:schemaRefs>
-</ds:datastoreItem>
-</file>
-
-<file path=customXml/itemProps129.xml><?xml version="1.0" encoding="utf-8"?>
-<ds:datastoreItem xmlns:ds="http://schemas.openxmlformats.org/officeDocument/2006/customXml" ds:itemID="{BF0F755C-5B52-4811-A132-FA2E422CF058}">
-  <ds:schemaRefs>
-    <ds:schemaRef ds:uri="http://schemas.microsoft.com/VisualStudio/2011/storyboarding/control"/>
-  </ds:schemaRefs>
-</ds:datastoreItem>
-</file>
-
-<file path=customXml/itemProps13.xml><?xml version="1.0" encoding="utf-8"?>
-<ds:datastoreItem xmlns:ds="http://schemas.openxmlformats.org/officeDocument/2006/customXml" ds:itemID="{BD0EC1C4-6C2F-4626-A0D8-3B0EB42EC4F2}">
-  <ds:schemaRefs>
-    <ds:schemaRef ds:uri="http://schemas.microsoft.com/VisualStudio/2011/storyboarding/control"/>
-  </ds:schemaRefs>
-</ds:datastoreItem>
-</file>
-
-<file path=customXml/itemProps130.xml><?xml version="1.0" encoding="utf-8"?>
-<ds:datastoreItem xmlns:ds="http://schemas.openxmlformats.org/officeDocument/2006/customXml" ds:itemID="{5CA1C5B9-73FC-416D-ACF9-F624009E98DF}">
-  <ds:schemaRefs>
-    <ds:schemaRef ds:uri="http://schemas.microsoft.com/VisualStudio/2011/storyboarding/control"/>
-  </ds:schemaRefs>
-</ds:datastoreItem>
-</file>
-
-<file path=customXml/itemProps131.xml><?xml version="1.0" encoding="utf-8"?>
-<ds:datastoreItem xmlns:ds="http://schemas.openxmlformats.org/officeDocument/2006/customXml" ds:itemID="{CEFA093D-98B3-4C9F-9AE0-1FC6AF8B30DE}">
-  <ds:schemaRefs>
-    <ds:schemaRef ds:uri="http://schemas.microsoft.com/VisualStudio/2011/storyboarding/control"/>
-  </ds:schemaRefs>
-</ds:datastoreItem>
-</file>
-
-<file path=customXml/itemProps132.xml><?xml version="1.0" encoding="utf-8"?>
-<ds:datastoreItem xmlns:ds="http://schemas.openxmlformats.org/officeDocument/2006/customXml" ds:itemID="{F65839FA-3C09-4BDA-923F-CE143EBA4751}">
-  <ds:schemaRefs>
-    <ds:schemaRef ds:uri="http://schemas.microsoft.com/VisualStudio/2011/storyboarding/control"/>
-  </ds:schemaRefs>
-</ds:datastoreItem>
-</file>
-
-<file path=customXml/itemProps133.xml><?xml version="1.0" encoding="utf-8"?>
-<ds:datastoreItem xmlns:ds="http://schemas.openxmlformats.org/officeDocument/2006/customXml" ds:itemID="{7B0B6F63-6626-40AD-9AA0-C1423CB1C8E2}">
-  <ds:schemaRefs>
-    <ds:schemaRef ds:uri="http://schemas.microsoft.com/VisualStudio/2011/storyboarding/control"/>
-  </ds:schemaRefs>
-</ds:datastoreItem>
-</file>
-
-<file path=customXml/itemProps134.xml><?xml version="1.0" encoding="utf-8"?>
-<ds:datastoreItem xmlns:ds="http://schemas.openxmlformats.org/officeDocument/2006/customXml" ds:itemID="{C769FD69-A27A-4D7C-8539-715585B5A21A}">
-  <ds:schemaRefs>
-    <ds:schemaRef ds:uri="http://schemas.microsoft.com/VisualStudio/2011/storyboarding/control"/>
-  </ds:schemaRefs>
-</ds:datastoreItem>
-</file>
-
-<file path=customXml/itemProps135.xml><?xml version="1.0" encoding="utf-8"?>
-<ds:datastoreItem xmlns:ds="http://schemas.openxmlformats.org/officeDocument/2006/customXml" ds:itemID="{009AE376-C22F-4CB9-8865-69864538F5B6}">
-  <ds:schemaRefs>
-    <ds:schemaRef ds:uri="http://schemas.microsoft.com/VisualStudio/2011/storyboarding/control"/>
-  </ds:schemaRefs>
-</ds:datastoreItem>
-</file>
-
-<file path=customXml/itemProps136.xml><?xml version="1.0" encoding="utf-8"?>
-<ds:datastoreItem xmlns:ds="http://schemas.openxmlformats.org/officeDocument/2006/customXml" ds:itemID="{F665C1EF-10F2-450E-AA28-CA28A7CD1413}">
-  <ds:schemaRefs>
-    <ds:schemaRef ds:uri="http://schemas.microsoft.com/VisualStudio/2011/storyboarding/control"/>
-  </ds:schemaRefs>
-</ds:datastoreItem>
-</file>
-
-<file path=customXml/itemProps137.xml><?xml version="1.0" encoding="utf-8"?>
-<ds:datastoreItem xmlns:ds="http://schemas.openxmlformats.org/officeDocument/2006/customXml" ds:itemID="{41AABDD2-093E-4AB3-92F0-0F664B1D3529}">
-  <ds:schemaRefs>
-    <ds:schemaRef ds:uri="http://schemas.microsoft.com/VisualStudio/2011/storyboarding/control"/>
-  </ds:schemaRefs>
-</ds:datastoreItem>
-</file>
-
-<file path=customXml/itemProps138.xml><?xml version="1.0" encoding="utf-8"?>
-<ds:datastoreItem xmlns:ds="http://schemas.openxmlformats.org/officeDocument/2006/customXml" ds:itemID="{66F48B64-4F94-4753-AB0F-DDC7CE62E7CF}">
-  <ds:schemaRefs>
-    <ds:schemaRef ds:uri="http://schemas.microsoft.com/VisualStudio/2011/storyboarding/control"/>
-  </ds:schemaRefs>
-</ds:datastoreItem>
-</file>
-
-<file path=customXml/itemProps139.xml><?xml version="1.0" encoding="utf-8"?>
-<ds:datastoreItem xmlns:ds="http://schemas.openxmlformats.org/officeDocument/2006/customXml" ds:itemID="{751C91BA-F090-43B7-90AE-C7FDA9935275}">
-  <ds:schemaRefs>
-    <ds:schemaRef ds:uri="http://schemas.microsoft.com/VisualStudio/2011/storyboarding/control"/>
-  </ds:schemaRefs>
-</ds:datastoreItem>
-</file>
-
-<file path=customXml/itemProps14.xml><?xml version="1.0" encoding="utf-8"?>
-<ds:datastoreItem xmlns:ds="http://schemas.openxmlformats.org/officeDocument/2006/customXml" ds:itemID="{DA4BCA12-5CFD-4AB9-B74F-58FA697CAC9F}">
-  <ds:schemaRefs>
-    <ds:schemaRef ds:uri="http://schemas.microsoft.com/VisualStudio/2011/storyboarding/control"/>
-  </ds:schemaRefs>
-</ds:datastoreItem>
-</file>
-
-<file path=customXml/itemProps140.xml><?xml version="1.0" encoding="utf-8"?>
-<ds:datastoreItem xmlns:ds="http://schemas.openxmlformats.org/officeDocument/2006/customXml" ds:itemID="{EEAF559D-6ABB-4726-BC15-07720FBF5422}">
-  <ds:schemaRefs>
-    <ds:schemaRef ds:uri="http://schemas.microsoft.com/VisualStudio/2011/storyboarding/control"/>
-  </ds:schemaRefs>
-</ds:datastoreItem>
-</file>
-
-<file path=customXml/itemProps141.xml><?xml version="1.0" encoding="utf-8"?>
-<ds:datastoreItem xmlns:ds="http://schemas.openxmlformats.org/officeDocument/2006/customXml" ds:itemID="{87DDB2A4-A3BB-4662-AD49-E33370743554}">
-  <ds:schemaRefs>
-    <ds:schemaRef ds:uri="http://schemas.microsoft.com/VisualStudio/2011/storyboarding/control"/>
-  </ds:schemaRefs>
-</ds:datastoreItem>
-</file>
-
-<file path=customXml/itemProps142.xml><?xml version="1.0" encoding="utf-8"?>
+<file path=customXml/itemProps98.xml><?xml version="1.0" encoding="utf-8"?>
 <ds:datastoreItem xmlns:ds="http://schemas.openxmlformats.org/officeDocument/2006/customXml" ds:itemID="{CBEC97EB-1ED7-434E-8964-24A4AE056C5A}">
   <ds:schemaRefs>
     <ds:schemaRef ds:uri="http://schemas.microsoft.com/VisualStudio/2011/storyboarding/control"/>
@@ -27222,810 +27991,10 @@
 </ds:datastoreItem>
 </file>
 
-<file path=customXml/itemProps143.xml><?xml version="1.0" encoding="utf-8"?>
-<ds:datastoreItem xmlns:ds="http://schemas.openxmlformats.org/officeDocument/2006/customXml" ds:itemID="{EEB7FA5B-393F-4875-AAAC-421999BCB3FA}">
-  <ds:schemaRefs>
-    <ds:schemaRef ds:uri="http://schemas.microsoft.com/VisualStudio/2011/storyboarding/control"/>
-  </ds:schemaRefs>
-</ds:datastoreItem>
-</file>
-
-<file path=customXml/itemProps144.xml><?xml version="1.0" encoding="utf-8"?>
-<ds:datastoreItem xmlns:ds="http://schemas.openxmlformats.org/officeDocument/2006/customXml" ds:itemID="{9797BBD6-3559-4610-9FE3-C07100ADCBE2}">
-  <ds:schemaRefs>
-    <ds:schemaRef ds:uri="http://schemas.microsoft.com/VisualStudio/2011/storyboarding/control"/>
-  </ds:schemaRefs>
-</ds:datastoreItem>
-</file>
-
-<file path=customXml/itemProps145.xml><?xml version="1.0" encoding="utf-8"?>
-<ds:datastoreItem xmlns:ds="http://schemas.openxmlformats.org/officeDocument/2006/customXml" ds:itemID="{F6D72439-5F63-431F-942E-E5B83B6E582B}">
-  <ds:schemaRefs>
-    <ds:schemaRef ds:uri="http://schemas.microsoft.com/VisualStudio/2011/storyboarding/control"/>
-  </ds:schemaRefs>
-</ds:datastoreItem>
-</file>
-
-<file path=customXml/itemProps146.xml><?xml version="1.0" encoding="utf-8"?>
-<ds:datastoreItem xmlns:ds="http://schemas.openxmlformats.org/officeDocument/2006/customXml" ds:itemID="{97A870FB-C27D-4587-9BC0-E03FB800A290}">
-  <ds:schemaRefs>
-    <ds:schemaRef ds:uri="http://schemas.microsoft.com/VisualStudio/2011/storyboarding/control"/>
-  </ds:schemaRefs>
-</ds:datastoreItem>
-</file>
-
-<file path=customXml/itemProps147.xml><?xml version="1.0" encoding="utf-8"?>
-<ds:datastoreItem xmlns:ds="http://schemas.openxmlformats.org/officeDocument/2006/customXml" ds:itemID="{E2B1785F-18CB-4BF4-B853-899DEFF2177F}">
-  <ds:schemaRefs>
-    <ds:schemaRef ds:uri="http://schemas.microsoft.com/VisualStudio/2011/storyboarding/control"/>
-  </ds:schemaRefs>
-</ds:datastoreItem>
-</file>
-
-<file path=customXml/itemProps148.xml><?xml version="1.0" encoding="utf-8"?>
-<ds:datastoreItem xmlns:ds="http://schemas.openxmlformats.org/officeDocument/2006/customXml" ds:itemID="{5FA037C0-BB1E-4746-926C-9FA5086A0F91}">
-  <ds:schemaRefs>
-    <ds:schemaRef ds:uri="http://schemas.microsoft.com/VisualStudio/2011/storyboarding/control"/>
-  </ds:schemaRefs>
-</ds:datastoreItem>
-</file>
-
-<file path=customXml/itemProps149.xml><?xml version="1.0" encoding="utf-8"?>
-<ds:datastoreItem xmlns:ds="http://schemas.openxmlformats.org/officeDocument/2006/customXml" ds:itemID="{3376561D-5E0E-43BB-88B8-ABD8D662D1A4}">
-  <ds:schemaRefs>
-    <ds:schemaRef ds:uri="http://schemas.microsoft.com/VisualStudio/2011/storyboarding/control"/>
-  </ds:schemaRefs>
-</ds:datastoreItem>
-</file>
-
-<file path=customXml/itemProps15.xml><?xml version="1.0" encoding="utf-8"?>
-<ds:datastoreItem xmlns:ds="http://schemas.openxmlformats.org/officeDocument/2006/customXml" ds:itemID="{5C22CF0E-6851-4AAD-BF64-70BAB0586916}">
-  <ds:schemaRefs>
-    <ds:schemaRef ds:uri="http://schemas.microsoft.com/VisualStudio/2011/storyboarding/control"/>
-  </ds:schemaRefs>
-</ds:datastoreItem>
-</file>
-
-<file path=customXml/itemProps150.xml><?xml version="1.0" encoding="utf-8"?>
-<ds:datastoreItem xmlns:ds="http://schemas.openxmlformats.org/officeDocument/2006/customXml" ds:itemID="{7DE0DBB8-3251-44A0-B561-FCB409C98783}">
-  <ds:schemaRefs>
-    <ds:schemaRef ds:uri="http://schemas.microsoft.com/VisualStudio/2011/storyboarding/control"/>
-  </ds:schemaRefs>
-</ds:datastoreItem>
-</file>
-
-<file path=customXml/itemProps16.xml><?xml version="1.0" encoding="utf-8"?>
-<ds:datastoreItem xmlns:ds="http://schemas.openxmlformats.org/officeDocument/2006/customXml" ds:itemID="{74A1524E-6161-4BD3-8F36-666CEFF2EB3B}">
-  <ds:schemaRefs>
-    <ds:schemaRef ds:uri="http://schemas.microsoft.com/VisualStudio/2011/storyboarding/control"/>
-  </ds:schemaRefs>
-</ds:datastoreItem>
-</file>
-
-<file path=customXml/itemProps17.xml><?xml version="1.0" encoding="utf-8"?>
-<ds:datastoreItem xmlns:ds="http://schemas.openxmlformats.org/officeDocument/2006/customXml" ds:itemID="{9CC7DA74-F89F-4639-A5D6-AD7DE787043A}">
-  <ds:schemaRefs>
-    <ds:schemaRef ds:uri="http://schemas.microsoft.com/VisualStudio/2011/storyboarding/control"/>
-  </ds:schemaRefs>
-</ds:datastoreItem>
-</file>
-
-<file path=customXml/itemProps18.xml><?xml version="1.0" encoding="utf-8"?>
-<ds:datastoreItem xmlns:ds="http://schemas.openxmlformats.org/officeDocument/2006/customXml" ds:itemID="{D58CACB2-FB3A-421C-AF31-9174983CFE8D}">
-  <ds:schemaRefs>
-    <ds:schemaRef ds:uri="http://schemas.microsoft.com/VisualStudio/2011/storyboarding/control"/>
-  </ds:schemaRefs>
-</ds:datastoreItem>
-</file>
-
-<file path=customXml/itemProps19.xml><?xml version="1.0" encoding="utf-8"?>
-<ds:datastoreItem xmlns:ds="http://schemas.openxmlformats.org/officeDocument/2006/customXml" ds:itemID="{B4F81F4E-8DE9-4EE7-B97E-FEFEB5665977}">
-  <ds:schemaRefs>
-    <ds:schemaRef ds:uri="http://schemas.microsoft.com/VisualStudio/2011/storyboarding/control"/>
-  </ds:schemaRefs>
-</ds:datastoreItem>
-</file>
-
-<file path=customXml/itemProps2.xml><?xml version="1.0" encoding="utf-8"?>
-<ds:datastoreItem xmlns:ds="http://schemas.openxmlformats.org/officeDocument/2006/customXml" ds:itemID="{57B0DE56-B157-4F1F-8315-CEB4C5B4CB76}">
-  <ds:schemaRefs>
-    <ds:schemaRef ds:uri="http://schemas.microsoft.com/VisualStudio/2011/storyboarding/control"/>
-  </ds:schemaRefs>
-</ds:datastoreItem>
-</file>
-
-<file path=customXml/itemProps20.xml><?xml version="1.0" encoding="utf-8"?>
-<ds:datastoreItem xmlns:ds="http://schemas.openxmlformats.org/officeDocument/2006/customXml" ds:itemID="{817CE946-86E3-495C-AE43-4406EE862C46}">
-  <ds:schemaRefs>
-    <ds:schemaRef ds:uri="http://schemas.microsoft.com/VisualStudio/2011/storyboarding/control"/>
-  </ds:schemaRefs>
-</ds:datastoreItem>
-</file>
-
-<file path=customXml/itemProps21.xml><?xml version="1.0" encoding="utf-8"?>
-<ds:datastoreItem xmlns:ds="http://schemas.openxmlformats.org/officeDocument/2006/customXml" ds:itemID="{08DA91C3-9E8C-4E3B-B736-151D6C7434DE}">
-  <ds:schemaRefs>
-    <ds:schemaRef ds:uri="http://schemas.microsoft.com/VisualStudio/2011/storyboarding/control"/>
-  </ds:schemaRefs>
-</ds:datastoreItem>
-</file>
-
-<file path=customXml/itemProps22.xml><?xml version="1.0" encoding="utf-8"?>
-<ds:datastoreItem xmlns:ds="http://schemas.openxmlformats.org/officeDocument/2006/customXml" ds:itemID="{3B64F317-55C6-4B2F-8D9A-15C2FC6AF2B0}">
-  <ds:schemaRefs>
-    <ds:schemaRef ds:uri="http://schemas.microsoft.com/VisualStudio/2011/storyboarding/control"/>
-  </ds:schemaRefs>
-</ds:datastoreItem>
-</file>
-
-<file path=customXml/itemProps23.xml><?xml version="1.0" encoding="utf-8"?>
-<ds:datastoreItem xmlns:ds="http://schemas.openxmlformats.org/officeDocument/2006/customXml" ds:itemID="{EBF855D8-0794-48CF-8342-218B09EC2D63}">
-  <ds:schemaRefs>
-    <ds:schemaRef ds:uri="http://schemas.microsoft.com/VisualStudio/2011/storyboarding/control"/>
-  </ds:schemaRefs>
-</ds:datastoreItem>
-</file>
-
-<file path=customXml/itemProps24.xml><?xml version="1.0" encoding="utf-8"?>
-<ds:datastoreItem xmlns:ds="http://schemas.openxmlformats.org/officeDocument/2006/customXml" ds:itemID="{517591E8-B35A-4B7C-82EA-B13FA45F4D98}">
-  <ds:schemaRefs>
-    <ds:schemaRef ds:uri="http://schemas.microsoft.com/VisualStudio/2011/storyboarding/control"/>
-  </ds:schemaRefs>
-</ds:datastoreItem>
-</file>
-
-<file path=customXml/itemProps25.xml><?xml version="1.0" encoding="utf-8"?>
-<ds:datastoreItem xmlns:ds="http://schemas.openxmlformats.org/officeDocument/2006/customXml" ds:itemID="{01E3ABAE-27A9-4AFF-84A0-79D09E4F82A8}">
-  <ds:schemaRefs>
-    <ds:schemaRef ds:uri="http://schemas.microsoft.com/VisualStudio/2011/storyboarding/control"/>
-  </ds:schemaRefs>
-</ds:datastoreItem>
-</file>
-
-<file path=customXml/itemProps26.xml><?xml version="1.0" encoding="utf-8"?>
-<ds:datastoreItem xmlns:ds="http://schemas.openxmlformats.org/officeDocument/2006/customXml" ds:itemID="{442E4D51-0396-4DEE-8401-9D74EEF104D7}">
-  <ds:schemaRefs>
-    <ds:schemaRef ds:uri="http://schemas.microsoft.com/VisualStudio/2011/storyboarding/control"/>
-  </ds:schemaRefs>
-</ds:datastoreItem>
-</file>
-
-<file path=customXml/itemProps27.xml><?xml version="1.0" encoding="utf-8"?>
-<ds:datastoreItem xmlns:ds="http://schemas.openxmlformats.org/officeDocument/2006/customXml" ds:itemID="{37427A08-ABCD-4D37-B741-2E47A469CD93}">
-  <ds:schemaRefs>
-    <ds:schemaRef ds:uri="http://schemas.microsoft.com/VisualStudio/2011/storyboarding/control"/>
-  </ds:schemaRefs>
-</ds:datastoreItem>
-</file>
-
-<file path=customXml/itemProps28.xml><?xml version="1.0" encoding="utf-8"?>
-<ds:datastoreItem xmlns:ds="http://schemas.openxmlformats.org/officeDocument/2006/customXml" ds:itemID="{10E361DB-C14B-4931-B7DE-45D0EE02CBD8}">
-  <ds:schemaRefs>
-    <ds:schemaRef ds:uri="http://schemas.microsoft.com/VisualStudio/2011/storyboarding/control"/>
-  </ds:schemaRefs>
-</ds:datastoreItem>
-</file>
-
-<file path=customXml/itemProps29.xml><?xml version="1.0" encoding="utf-8"?>
-<ds:datastoreItem xmlns:ds="http://schemas.openxmlformats.org/officeDocument/2006/customXml" ds:itemID="{47365708-AE26-4287-9018-3846CD59ADFA}">
-  <ds:schemaRefs>
-    <ds:schemaRef ds:uri="http://schemas.microsoft.com/VisualStudio/2011/storyboarding/control"/>
-  </ds:schemaRefs>
-</ds:datastoreItem>
-</file>
-
-<file path=customXml/itemProps3.xml><?xml version="1.0" encoding="utf-8"?>
+<file path=customXml/itemProps99.xml><?xml version="1.0" encoding="utf-8"?>
 <ds:datastoreItem xmlns:ds="http://schemas.openxmlformats.org/officeDocument/2006/customXml" ds:itemID="{9CC3E510-5295-4040-A208-F30900E0A23A}">
   <ds:schemaRefs>
     <ds:schemaRef ds:uri="http://schemas.microsoft.com/VisualStudio/2011/storyboarding/control"/>
   </ds:schemaRefs>
 </ds:datastoreItem>
-</file>
-
-<file path=customXml/itemProps30.xml><?xml version="1.0" encoding="utf-8"?>
-<ds:datastoreItem xmlns:ds="http://schemas.openxmlformats.org/officeDocument/2006/customXml" ds:itemID="{9ED0D019-0124-4C06-BAF7-A93446BDD58E}">
-  <ds:schemaRefs>
-    <ds:schemaRef ds:uri="http://schemas.microsoft.com/VisualStudio/2011/storyboarding/control"/>
-  </ds:schemaRefs>
-</ds:datastoreItem>
-</file>
-
-<file path=customXml/itemProps31.xml><?xml version="1.0" encoding="utf-8"?>
-<ds:datastoreItem xmlns:ds="http://schemas.openxmlformats.org/officeDocument/2006/customXml" ds:itemID="{66BC53EB-3CAB-4EE7-982E-35A8C0F12B49}">
-  <ds:schemaRefs>
-    <ds:schemaRef ds:uri="http://schemas.microsoft.com/VisualStudio/2011/storyboarding/control"/>
-  </ds:schemaRefs>
-</ds:datastoreItem>
-</file>
-
-<file path=customXml/itemProps32.xml><?xml version="1.0" encoding="utf-8"?>
-<ds:datastoreItem xmlns:ds="http://schemas.openxmlformats.org/officeDocument/2006/customXml" ds:itemID="{993ACFB9-90DE-45BE-9EC9-60E8ECD4A37E}">
-  <ds:schemaRefs>
-    <ds:schemaRef ds:uri="http://schemas.microsoft.com/VisualStudio/2011/storyboarding/control"/>
-  </ds:schemaRefs>
-</ds:datastoreItem>
-</file>
-
-<file path=customXml/itemProps33.xml><?xml version="1.0" encoding="utf-8"?>
-<ds:datastoreItem xmlns:ds="http://schemas.openxmlformats.org/officeDocument/2006/customXml" ds:itemID="{63B3C1C7-B581-40F6-AF30-536DB49F7380}">
-  <ds:schemaRefs>
-    <ds:schemaRef ds:uri="http://schemas.microsoft.com/VisualStudio/2011/storyboarding/control"/>
-  </ds:schemaRefs>
-</ds:datastoreItem>
-</file>
-
-<file path=customXml/itemProps34.xml><?xml version="1.0" encoding="utf-8"?>
-<ds:datastoreItem xmlns:ds="http://schemas.openxmlformats.org/officeDocument/2006/customXml" ds:itemID="{C591595A-49AF-4280-A8DA-CB45A20CBDAC}">
-  <ds:schemaRefs>
-    <ds:schemaRef ds:uri="http://schemas.microsoft.com/VisualStudio/2011/storyboarding/control"/>
-  </ds:schemaRefs>
-</ds:datastoreItem>
-</file>
-
-<file path=customXml/itemProps35.xml><?xml version="1.0" encoding="utf-8"?>
-<ds:datastoreItem xmlns:ds="http://schemas.openxmlformats.org/officeDocument/2006/customXml" ds:itemID="{6FD09C26-9E01-4CB8-B41D-F0458F6D6021}">
-  <ds:schemaRefs>
-    <ds:schemaRef ds:uri="http://schemas.microsoft.com/VisualStudio/2011/storyboarding/control"/>
-  </ds:schemaRefs>
-</ds:datastoreItem>
-</file>
-
-<file path=customXml/itemProps36.xml><?xml version="1.0" encoding="utf-8"?>
-<ds:datastoreItem xmlns:ds="http://schemas.openxmlformats.org/officeDocument/2006/customXml" ds:itemID="{08A11AF4-9E71-4615-9C88-A4C2B56E5F0E}">
-  <ds:schemaRefs>
-    <ds:schemaRef ds:uri="http://schemas.microsoft.com/VisualStudio/2011/storyboarding/control"/>
-  </ds:schemaRefs>
-</ds:datastoreItem>
-</file>
-
-<file path=customXml/itemProps37.xml><?xml version="1.0" encoding="utf-8"?>
-<ds:datastoreItem xmlns:ds="http://schemas.openxmlformats.org/officeDocument/2006/customXml" ds:itemID="{A10214C5-3F13-4148-9B9A-9973B3F0129E}">
-  <ds:schemaRefs>
-    <ds:schemaRef ds:uri="http://schemas.microsoft.com/VisualStudio/2011/storyboarding/control"/>
-  </ds:schemaRefs>
-</ds:datastoreItem>
-</file>
-
-<file path=customXml/itemProps38.xml><?xml version="1.0" encoding="utf-8"?>
-<ds:datastoreItem xmlns:ds="http://schemas.openxmlformats.org/officeDocument/2006/customXml" ds:itemID="{C4DA0C7F-684F-4C5F-9AFC-01F1AC7D1204}">
-  <ds:schemaRefs>
-    <ds:schemaRef ds:uri="http://schemas.microsoft.com/VisualStudio/2011/storyboarding/control"/>
-  </ds:schemaRefs>
-</ds:datastoreItem>
-</file>
-
-<file path=customXml/itemProps39.xml><?xml version="1.0" encoding="utf-8"?>
-<ds:datastoreItem xmlns:ds="http://schemas.openxmlformats.org/officeDocument/2006/customXml" ds:itemID="{B1EF30F9-0351-4DC4-BA58-819C0D70AB9D}">
-  <ds:schemaRefs>
-    <ds:schemaRef ds:uri="http://schemas.microsoft.com/VisualStudio/2011/storyboarding/control"/>
-  </ds:schemaRefs>
-</ds:datastoreItem>
-</file>
-
-<file path=customXml/itemProps4.xml><?xml version="1.0" encoding="utf-8"?>
-<ds:datastoreItem xmlns:ds="http://schemas.openxmlformats.org/officeDocument/2006/customXml" ds:itemID="{56D5384C-6887-4784-B35F-6BA21D5C067C}">
-  <ds:schemaRefs>
-    <ds:schemaRef ds:uri="http://schemas.microsoft.com/VisualStudio/2011/storyboarding/control"/>
-  </ds:schemaRefs>
-</ds:datastoreItem>
-</file>
-
-<file path=customXml/itemProps40.xml><?xml version="1.0" encoding="utf-8"?>
-<ds:datastoreItem xmlns:ds="http://schemas.openxmlformats.org/officeDocument/2006/customXml" ds:itemID="{5B141645-55E3-462F-844D-5C1389E9C01E}">
-  <ds:schemaRefs>
-    <ds:schemaRef ds:uri="http://schemas.microsoft.com/VisualStudio/2011/storyboarding/control"/>
-  </ds:schemaRefs>
-</ds:datastoreItem>
-</file>
-
-<file path=customXml/itemProps41.xml><?xml version="1.0" encoding="utf-8"?>
-<ds:datastoreItem xmlns:ds="http://schemas.openxmlformats.org/officeDocument/2006/customXml" ds:itemID="{9EEF3F90-2E32-454E-905A-CF082245DEAF}">
-  <ds:schemaRefs>
-    <ds:schemaRef ds:uri="http://schemas.microsoft.com/VisualStudio/2011/storyboarding/control"/>
-  </ds:schemaRefs>
-</ds:datastoreItem>
-</file>
-
-<file path=customXml/itemProps42.xml><?xml version="1.0" encoding="utf-8"?>
-<ds:datastoreItem xmlns:ds="http://schemas.openxmlformats.org/officeDocument/2006/customXml" ds:itemID="{307F672E-8D12-4800-A1D7-77221497D849}">
-  <ds:schemaRefs>
-    <ds:schemaRef ds:uri="http://schemas.microsoft.com/VisualStudio/2011/storyboarding/control"/>
-  </ds:schemaRefs>
-</ds:datastoreItem>
-</file>
-
-<file path=customXml/itemProps43.xml><?xml version="1.0" encoding="utf-8"?>
-<ds:datastoreItem xmlns:ds="http://schemas.openxmlformats.org/officeDocument/2006/customXml" ds:itemID="{2ACBCFAA-F6BD-4B80-AFDE-F0F21758C52F}">
-  <ds:schemaRefs>
-    <ds:schemaRef ds:uri="http://schemas.microsoft.com/VisualStudio/2011/storyboarding/control"/>
-  </ds:schemaRefs>
-</ds:datastoreItem>
-</file>
-
-<file path=customXml/itemProps44.xml><?xml version="1.0" encoding="utf-8"?>
-<ds:datastoreItem xmlns:ds="http://schemas.openxmlformats.org/officeDocument/2006/customXml" ds:itemID="{03C0BB87-78A4-45BE-A729-8B70521005C6}">
-  <ds:schemaRefs>
-    <ds:schemaRef ds:uri="http://schemas.microsoft.com/VisualStudio/2011/storyboarding/control"/>
-  </ds:schemaRefs>
-</ds:datastoreItem>
-</file>
-
-<file path=customXml/itemProps45.xml><?xml version="1.0" encoding="utf-8"?>
-<ds:datastoreItem xmlns:ds="http://schemas.openxmlformats.org/officeDocument/2006/customXml" ds:itemID="{0715CD44-F6EB-4E53-AB66-33EC385BDC06}">
-  <ds:schemaRefs>
-    <ds:schemaRef ds:uri="http://schemas.microsoft.com/VisualStudio/2011/storyboarding/control"/>
-  </ds:schemaRefs>
-</ds:datastoreItem>
-</file>
-
-<file path=customXml/itemProps46.xml><?xml version="1.0" encoding="utf-8"?>
-<ds:datastoreItem xmlns:ds="http://schemas.openxmlformats.org/officeDocument/2006/customXml" ds:itemID="{25BB3D14-7BD0-40EA-8565-52F97AA81D6C}">
-  <ds:schemaRefs>
-    <ds:schemaRef ds:uri="http://schemas.microsoft.com/VisualStudio/2011/storyboarding/control"/>
-  </ds:schemaRefs>
-</ds:datastoreItem>
-</file>
-
-<file path=customXml/itemProps47.xml><?xml version="1.0" encoding="utf-8"?>
-<ds:datastoreItem xmlns:ds="http://schemas.openxmlformats.org/officeDocument/2006/customXml" ds:itemID="{5EA27EFC-6692-49E4-9A10-EE7A2ABD13AE}">
-  <ds:schemaRefs>
-    <ds:schemaRef ds:uri="http://schemas.microsoft.com/VisualStudio/2011/storyboarding/control"/>
-  </ds:schemaRefs>
-</ds:datastoreItem>
-</file>
-
-<file path=customXml/itemProps48.xml><?xml version="1.0" encoding="utf-8"?>
-<ds:datastoreItem xmlns:ds="http://schemas.openxmlformats.org/officeDocument/2006/customXml" ds:itemID="{BA2B2B35-A89E-42F4-9CE7-BC82D26C8AC9}">
-  <ds:schemaRefs>
-    <ds:schemaRef ds:uri="http://schemas.microsoft.com/VisualStudio/2011/storyboarding/control"/>
-  </ds:schemaRefs>
-</ds:datastoreItem>
-</file>
-
-<file path=customXml/itemProps49.xml><?xml version="1.0" encoding="utf-8"?>
-<ds:datastoreItem xmlns:ds="http://schemas.openxmlformats.org/officeDocument/2006/customXml" ds:itemID="{B6BEF128-D031-4E3B-A542-436E714F781E}">
-  <ds:schemaRefs>
-    <ds:schemaRef ds:uri="http://schemas.microsoft.com/VisualStudio/2011/storyboarding/control"/>
-  </ds:schemaRefs>
-</ds:datastoreItem>
-</file>
-
-<file path=customXml/itemProps5.xml><?xml version="1.0" encoding="utf-8"?>
-<ds:datastoreItem xmlns:ds="http://schemas.openxmlformats.org/officeDocument/2006/customXml" ds:itemID="{AD02BD6A-65CC-468F-A23E-D6BFD148AB99}">
-  <ds:schemaRefs>
-    <ds:schemaRef ds:uri="http://schemas.microsoft.com/VisualStudio/2011/storyboarding/control"/>
-  </ds:schemaRefs>
-</ds:datastoreItem>
-</file>
-
-<file path=customXml/itemProps50.xml><?xml version="1.0" encoding="utf-8"?>
-<ds:datastoreItem xmlns:ds="http://schemas.openxmlformats.org/officeDocument/2006/customXml" ds:itemID="{E2383BF3-EB27-4233-9678-DE2EFBBC4329}">
-  <ds:schemaRefs>
-    <ds:schemaRef ds:uri="http://schemas.microsoft.com/VisualStudio/2011/storyboarding/control"/>
-  </ds:schemaRefs>
-</ds:datastoreItem>
-</file>
-
-<file path=customXml/itemProps51.xml><?xml version="1.0" encoding="utf-8"?>
-<ds:datastoreItem xmlns:ds="http://schemas.openxmlformats.org/officeDocument/2006/customXml" ds:itemID="{B026B6F0-3C27-4AED-8FA7-FFEC3021BBDB}">
-  <ds:schemaRefs>
-    <ds:schemaRef ds:uri="http://schemas.microsoft.com/VisualStudio/2011/storyboarding/control"/>
-  </ds:schemaRefs>
-</ds:datastoreItem>
-</file>
-
-<file path=customXml/itemProps52.xml><?xml version="1.0" encoding="utf-8"?>
-<ds:datastoreItem xmlns:ds="http://schemas.openxmlformats.org/officeDocument/2006/customXml" ds:itemID="{80EE1B6F-57AE-439C-AEFC-F9E218EDD35F}">
-  <ds:schemaRefs>
-    <ds:schemaRef ds:uri="http://schemas.microsoft.com/VisualStudio/2011/storyboarding/control"/>
-  </ds:schemaRefs>
-</ds:datastoreItem>
-</file>
-
-<file path=customXml/itemProps53.xml><?xml version="1.0" encoding="utf-8"?>
-<ds:datastoreItem xmlns:ds="http://schemas.openxmlformats.org/officeDocument/2006/customXml" ds:itemID="{CCCA689B-F2B6-4B42-A7F7-90233C27F893}">
-  <ds:schemaRefs>
-    <ds:schemaRef ds:uri="http://schemas.microsoft.com/VisualStudio/2011/storyboarding/control"/>
-  </ds:schemaRefs>
-</ds:datastoreItem>
-</file>
-
-<file path=customXml/itemProps54.xml><?xml version="1.0" encoding="utf-8"?>
-<ds:datastoreItem xmlns:ds="http://schemas.openxmlformats.org/officeDocument/2006/customXml" ds:itemID="{B086F7BD-FA11-4B74-BB9E-9719CB13F9FE}">
-  <ds:schemaRefs>
-    <ds:schemaRef ds:uri="http://schemas.microsoft.com/VisualStudio/2011/storyboarding/control"/>
-  </ds:schemaRefs>
-</ds:datastoreItem>
-</file>
-
-<file path=customXml/itemProps55.xml><?xml version="1.0" encoding="utf-8"?>
-<ds:datastoreItem xmlns:ds="http://schemas.openxmlformats.org/officeDocument/2006/customXml" ds:itemID="{B6FC8705-B60A-469E-87F8-5506895325B0}">
-  <ds:schemaRefs>
-    <ds:schemaRef ds:uri="http://schemas.microsoft.com/VisualStudio/2011/storyboarding/control"/>
-  </ds:schemaRefs>
-</ds:datastoreItem>
-</file>
-
-<file path=customXml/itemProps56.xml><?xml version="1.0" encoding="utf-8"?>
-<ds:datastoreItem xmlns:ds="http://schemas.openxmlformats.org/officeDocument/2006/customXml" ds:itemID="{0AF76D56-49D2-4070-922D-4165B0E5357D}">
-  <ds:schemaRefs>
-    <ds:schemaRef ds:uri="http://schemas.microsoft.com/VisualStudio/2011/storyboarding/control"/>
-  </ds:schemaRefs>
-</ds:datastoreItem>
-</file>
-
-<file path=customXml/itemProps57.xml><?xml version="1.0" encoding="utf-8"?>
-<ds:datastoreItem xmlns:ds="http://schemas.openxmlformats.org/officeDocument/2006/customXml" ds:itemID="{0C583B0D-D29E-4AF7-8381-95E44F6A341C}">
-  <ds:schemaRefs>
-    <ds:schemaRef ds:uri="http://schemas.microsoft.com/VisualStudio/2011/storyboarding/control"/>
-  </ds:schemaRefs>
-</ds:datastoreItem>
-</file>
-
-<file path=customXml/itemProps58.xml><?xml version="1.0" encoding="utf-8"?>
-<ds:datastoreItem xmlns:ds="http://schemas.openxmlformats.org/officeDocument/2006/customXml" ds:itemID="{75247A1B-9D54-4629-98EC-828F32F56EC3}">
-  <ds:schemaRefs>
-    <ds:schemaRef ds:uri="http://schemas.microsoft.com/VisualStudio/2011/storyboarding/control"/>
-  </ds:schemaRefs>
-</ds:datastoreItem>
-</file>
-
-<file path=customXml/itemProps59.xml><?xml version="1.0" encoding="utf-8"?>
-<ds:datastoreItem xmlns:ds="http://schemas.openxmlformats.org/officeDocument/2006/customXml" ds:itemID="{66F891A4-1E0C-4366-AF81-C31386042B19}">
-  <ds:schemaRefs>
-    <ds:schemaRef ds:uri="http://schemas.microsoft.com/VisualStudio/2011/storyboarding/control"/>
-  </ds:schemaRefs>
-</ds:datastoreItem>
-</file>
-
-<file path=customXml/itemProps6.xml><?xml version="1.0" encoding="utf-8"?>
-<ds:datastoreItem xmlns:ds="http://schemas.openxmlformats.org/officeDocument/2006/customXml" ds:itemID="{89FC1577-1E1A-4116-A06B-FD08B9AB2DF0}">
-  <ds:schemaRefs>
-    <ds:schemaRef ds:uri="http://schemas.microsoft.com/VisualStudio/2011/storyboarding/control"/>
-  </ds:schemaRefs>
-</ds:datastoreItem>
-</file>
-
-<file path=customXml/itemProps60.xml><?xml version="1.0" encoding="utf-8"?>
-<ds:datastoreItem xmlns:ds="http://schemas.openxmlformats.org/officeDocument/2006/customXml" ds:itemID="{044AA928-DA9A-437D-B0C5-7B1CC1D6F437}">
-  <ds:schemaRefs>
-    <ds:schemaRef ds:uri="http://schemas.microsoft.com/VisualStudio/2011/storyboarding/control"/>
-  </ds:schemaRefs>
-</ds:datastoreItem>
-</file>
-
-<file path=customXml/itemProps61.xml><?xml version="1.0" encoding="utf-8"?>
-<ds:datastoreItem xmlns:ds="http://schemas.openxmlformats.org/officeDocument/2006/customXml" ds:itemID="{3A060B6E-E4C6-46BD-9F01-42E580790DD3}">
-  <ds:schemaRefs>
-    <ds:schemaRef ds:uri="http://schemas.microsoft.com/VisualStudio/2011/storyboarding/control"/>
-  </ds:schemaRefs>
-</ds:datastoreItem>
-</file>
-
-<file path=customXml/itemProps62.xml><?xml version="1.0" encoding="utf-8"?>
-<ds:datastoreItem xmlns:ds="http://schemas.openxmlformats.org/officeDocument/2006/customXml" ds:itemID="{62C97371-9463-4725-BFFA-4F7084B88D57}">
-  <ds:schemaRefs>
-    <ds:schemaRef ds:uri="http://schemas.microsoft.com/VisualStudio/2011/storyboarding/control"/>
-  </ds:schemaRefs>
-</ds:datastoreItem>
-</file>
-
-<file path=customXml/itemProps63.xml><?xml version="1.0" encoding="utf-8"?>
-<ds:datastoreItem xmlns:ds="http://schemas.openxmlformats.org/officeDocument/2006/customXml" ds:itemID="{73AC646A-7B6C-476C-9341-9E4AD9C07ABC}">
-  <ds:schemaRefs>
-    <ds:schemaRef ds:uri="http://schemas.microsoft.com/VisualStudio/2011/storyboarding/control"/>
-  </ds:schemaRefs>
-</ds:datastoreItem>
-</file>
-
-<file path=customXml/itemProps64.xml><?xml version="1.0" encoding="utf-8"?>
-<ds:datastoreItem xmlns:ds="http://schemas.openxmlformats.org/officeDocument/2006/customXml" ds:itemID="{846FB4E3-8A90-4638-B045-2295072D70A1}">
-  <ds:schemaRefs>
-    <ds:schemaRef ds:uri="http://schemas.microsoft.com/VisualStudio/2011/storyboarding/control"/>
-  </ds:schemaRefs>
-</ds:datastoreItem>
-</file>
-
-<file path=customXml/itemProps65.xml><?xml version="1.0" encoding="utf-8"?>
-<ds:datastoreItem xmlns:ds="http://schemas.openxmlformats.org/officeDocument/2006/customXml" ds:itemID="{084C007A-DF4E-4D39-B6C4-7C4BC213F3E7}">
-  <ds:schemaRefs>
-    <ds:schemaRef ds:uri="http://schemas.microsoft.com/VisualStudio/2011/storyboarding/control"/>
-  </ds:schemaRefs>
-</ds:datastoreItem>
-</file>
-
-<file path=customXml/itemProps66.xml><?xml version="1.0" encoding="utf-8"?>
-<ds:datastoreItem xmlns:ds="http://schemas.openxmlformats.org/officeDocument/2006/customXml" ds:itemID="{D4C7EECA-CD3B-4ABD-B53B-EF292A189C4E}">
-  <ds:schemaRefs>
-    <ds:schemaRef ds:uri="http://schemas.microsoft.com/VisualStudio/2011/storyboarding/control"/>
-  </ds:schemaRefs>
-</ds:datastoreItem>
-</file>
-
-<file path=customXml/itemProps67.xml><?xml version="1.0" encoding="utf-8"?>
-<ds:datastoreItem xmlns:ds="http://schemas.openxmlformats.org/officeDocument/2006/customXml" ds:itemID="{3E3B3F0C-0986-42B7-986B-2CB115B5EDEF}">
-  <ds:schemaRefs>
-    <ds:schemaRef ds:uri="http://schemas.microsoft.com/VisualStudio/2011/storyboarding/control"/>
-  </ds:schemaRefs>
-</ds:datastoreItem>
-</file>
-
-<file path=customXml/itemProps68.xml><?xml version="1.0" encoding="utf-8"?>
-<ds:datastoreItem xmlns:ds="http://schemas.openxmlformats.org/officeDocument/2006/customXml" ds:itemID="{AEEBFD92-4C25-4AE6-89C9-4ABC983F1A5C}">
-  <ds:schemaRefs>
-    <ds:schemaRef ds:uri="http://schemas.microsoft.com/VisualStudio/2011/storyboarding/control"/>
-  </ds:schemaRefs>
-</ds:datastoreItem>
-</file>
-
-<file path=customXml/itemProps69.xml><?xml version="1.0" encoding="utf-8"?>
-<ds:datastoreItem xmlns:ds="http://schemas.openxmlformats.org/officeDocument/2006/customXml" ds:itemID="{19D9C7C1-5A85-4461-AAA3-EC6BA82DCF81}">
-  <ds:schemaRefs>
-    <ds:schemaRef ds:uri="http://schemas.microsoft.com/VisualStudio/2011/storyboarding/control"/>
-  </ds:schemaRefs>
-</ds:datastoreItem>
-</file>
-
-<file path=customXml/itemProps7.xml><?xml version="1.0" encoding="utf-8"?>
-<ds:datastoreItem xmlns:ds="http://schemas.openxmlformats.org/officeDocument/2006/customXml" ds:itemID="{9F874354-5DAE-4169-B64B-C2A3DC4BC910}">
-  <ds:schemaRefs>
-    <ds:schemaRef ds:uri="http://schemas.microsoft.com/VisualStudio/2011/storyboarding/control"/>
-  </ds:schemaRefs>
-</ds:datastoreItem>
-</file>
-
-<file path=customXml/itemProps70.xml><?xml version="1.0" encoding="utf-8"?>
-<ds:datastoreItem xmlns:ds="http://schemas.openxmlformats.org/officeDocument/2006/customXml" ds:itemID="{60E90F39-08BD-4FB9-91DF-16B487028BC8}">
-  <ds:schemaRefs>
-    <ds:schemaRef ds:uri="http://schemas.microsoft.com/VisualStudio/2011/storyboarding/control"/>
-  </ds:schemaRefs>
-</ds:datastoreItem>
-</file>
-
-<file path=customXml/itemProps71.xml><?xml version="1.0" encoding="utf-8"?>
-<ds:datastoreItem xmlns:ds="http://schemas.openxmlformats.org/officeDocument/2006/customXml" ds:itemID="{F57B68D2-1D7C-415D-AEDA-52AEA8B0A86A}">
-  <ds:schemaRefs>
-    <ds:schemaRef ds:uri="http://schemas.microsoft.com/VisualStudio/2011/storyboarding/control"/>
-  </ds:schemaRefs>
-</ds:datastoreItem>
-</file>
-
-<file path=customXml/itemProps72.xml><?xml version="1.0" encoding="utf-8"?>
-<ds:datastoreItem xmlns:ds="http://schemas.openxmlformats.org/officeDocument/2006/customXml" ds:itemID="{5C37F9AC-10D9-4A08-8396-09E9B38D6B4E}">
-  <ds:schemaRefs>
-    <ds:schemaRef ds:uri="http://schemas.microsoft.com/VisualStudio/2011/storyboarding/control"/>
-  </ds:schemaRefs>
-</ds:datastoreItem>
-</file>
-
-<file path=customXml/itemProps73.xml><?xml version="1.0" encoding="utf-8"?>
-<ds:datastoreItem xmlns:ds="http://schemas.openxmlformats.org/officeDocument/2006/customXml" ds:itemID="{0883CB79-711C-40BA-95C3-3CC9CD8C31B9}">
-  <ds:schemaRefs>
-    <ds:schemaRef ds:uri="http://schemas.microsoft.com/VisualStudio/2011/storyboarding/control"/>
-  </ds:schemaRefs>
-</ds:datastoreItem>
-</file>
-
-<file path=customXml/itemProps74.xml><?xml version="1.0" encoding="utf-8"?>
-<ds:datastoreItem xmlns:ds="http://schemas.openxmlformats.org/officeDocument/2006/customXml" ds:itemID="{F92EF8BB-D2BE-4418-B8AD-29FA731D55B9}">
-  <ds:schemaRefs>
-    <ds:schemaRef ds:uri="http://schemas.microsoft.com/VisualStudio/2011/storyboarding/control"/>
-  </ds:schemaRefs>
-</ds:datastoreItem>
-</file>
-
-<file path=customXml/itemProps75.xml><?xml version="1.0" encoding="utf-8"?>
-<ds:datastoreItem xmlns:ds="http://schemas.openxmlformats.org/officeDocument/2006/customXml" ds:itemID="{9789EF1F-74CC-4E36-94B8-9C6BCF1276B2}">
-  <ds:schemaRefs>
-    <ds:schemaRef ds:uri="http://schemas.microsoft.com/VisualStudio/2011/storyboarding/control"/>
-  </ds:schemaRefs>
-</ds:datastoreItem>
-</file>
-
-<file path=customXml/itemProps76.xml><?xml version="1.0" encoding="utf-8"?>
-<ds:datastoreItem xmlns:ds="http://schemas.openxmlformats.org/officeDocument/2006/customXml" ds:itemID="{414DD9E0-30EC-4B47-A843-FD74976D17D0}">
-  <ds:schemaRefs>
-    <ds:schemaRef ds:uri="http://schemas.microsoft.com/VisualStudio/2011/storyboarding/control"/>
-  </ds:schemaRefs>
-</ds:datastoreItem>
-</file>
-
-<file path=customXml/itemProps77.xml><?xml version="1.0" encoding="utf-8"?>
-<ds:datastoreItem xmlns:ds="http://schemas.openxmlformats.org/officeDocument/2006/customXml" ds:itemID="{0FF5BBA3-544A-4DB4-845E-B4AFCC34112D}">
-  <ds:schemaRefs>
-    <ds:schemaRef ds:uri="http://schemas.microsoft.com/VisualStudio/2011/storyboarding/control"/>
-  </ds:schemaRefs>
-</ds:datastoreItem>
-</file>
-
-<file path=customXml/itemProps78.xml><?xml version="1.0" encoding="utf-8"?>
-<ds:datastoreItem xmlns:ds="http://schemas.openxmlformats.org/officeDocument/2006/customXml" ds:itemID="{FC559BC3-5881-4400-8694-FFACD166D722}">
-  <ds:schemaRefs>
-    <ds:schemaRef ds:uri="http://schemas.microsoft.com/VisualStudio/2011/storyboarding/control"/>
-  </ds:schemaRefs>
-</ds:datastoreItem>
-</file>
-
-<file path=customXml/itemProps79.xml><?xml version="1.0" encoding="utf-8"?>
-<ds:datastoreItem xmlns:ds="http://schemas.openxmlformats.org/officeDocument/2006/customXml" ds:itemID="{CA2E5D99-8D35-4345-8681-207DEA29CE92}">
-  <ds:schemaRefs>
-    <ds:schemaRef ds:uri="http://schemas.microsoft.com/VisualStudio/2011/storyboarding/control"/>
-  </ds:schemaRefs>
-</ds:datastoreItem>
-</file>
-
-<file path=customXml/itemProps8.xml><?xml version="1.0" encoding="utf-8"?>
-<ds:datastoreItem xmlns:ds="http://schemas.openxmlformats.org/officeDocument/2006/customXml" ds:itemID="{3A6E97BB-64F7-469B-BC44-BCF9048F052D}">
-  <ds:schemaRefs>
-    <ds:schemaRef ds:uri="http://schemas.microsoft.com/VisualStudio/2011/storyboarding/control"/>
-  </ds:schemaRefs>
-</ds:datastoreItem>
-</file>
-
-<file path=customXml/itemProps80.xml><?xml version="1.0" encoding="utf-8"?>
-<ds:datastoreItem xmlns:ds="http://schemas.openxmlformats.org/officeDocument/2006/customXml" ds:itemID="{98194403-41CF-4A6B-8A84-7A73DA1F5A30}">
-  <ds:schemaRefs>
-    <ds:schemaRef ds:uri="http://schemas.microsoft.com/VisualStudio/2011/storyboarding/control"/>
-  </ds:schemaRefs>
-</ds:datastoreItem>
-</file>
-
-<file path=customXml/itemProps81.xml><?xml version="1.0" encoding="utf-8"?>
-<ds:datastoreItem xmlns:ds="http://schemas.openxmlformats.org/officeDocument/2006/customXml" ds:itemID="{F269F591-E4E9-4E9F-A50A-1EBD8C10E288}">
-  <ds:schemaRefs>
-    <ds:schemaRef ds:uri="http://schemas.microsoft.com/VisualStudio/2011/storyboarding/control"/>
-  </ds:schemaRefs>
-</ds:datastoreItem>
-</file>
-
-<file path=customXml/itemProps82.xml><?xml version="1.0" encoding="utf-8"?>
-<ds:datastoreItem xmlns:ds="http://schemas.openxmlformats.org/officeDocument/2006/customXml" ds:itemID="{A826F1E2-52D8-4783-87A3-7075BFC4C0FB}">
-  <ds:schemaRefs>
-    <ds:schemaRef ds:uri="http://schemas.microsoft.com/VisualStudio/2011/storyboarding/control"/>
-  </ds:schemaRefs>
-</ds:datastoreItem>
-</file>
-
-<file path=customXml/itemProps83.xml><?xml version="1.0" encoding="utf-8"?>
-<ds:datastoreItem xmlns:ds="http://schemas.openxmlformats.org/officeDocument/2006/customXml" ds:itemID="{70021761-42C8-4BFB-950E-339E7AA14DFE}">
-  <ds:schemaRefs>
-    <ds:schemaRef ds:uri="http://schemas.microsoft.com/VisualStudio/2011/storyboarding/control"/>
-  </ds:schemaRefs>
-</ds:datastoreItem>
-</file>
-
-<file path=customXml/itemProps84.xml><?xml version="1.0" encoding="utf-8"?>
-<ds:datastoreItem xmlns:ds="http://schemas.openxmlformats.org/officeDocument/2006/customXml" ds:itemID="{20F6B8E1-EB85-40D1-A3D3-55FF1069FC9F}">
-  <ds:schemaRefs>
-    <ds:schemaRef ds:uri="http://schemas.microsoft.com/VisualStudio/2011/storyboarding/control"/>
-  </ds:schemaRefs>
-</ds:datastoreItem>
-</file>
-
-<file path=customXml/itemProps85.xml><?xml version="1.0" encoding="utf-8"?>
-<ds:datastoreItem xmlns:ds="http://schemas.openxmlformats.org/officeDocument/2006/customXml" ds:itemID="{2169EC5A-6A22-400D-AC70-7C3692790B54}">
-  <ds:schemaRefs>
-    <ds:schemaRef ds:uri="http://schemas.microsoft.com/VisualStudio/2011/storyboarding/control"/>
-  </ds:schemaRefs>
-</ds:datastoreItem>
-</file>
-
-<file path=customXml/itemProps86.xml><?xml version="1.0" encoding="utf-8"?>
-<ds:datastoreItem xmlns:ds="http://schemas.openxmlformats.org/officeDocument/2006/customXml" ds:itemID="{A450FB45-11F5-4FF1-B8C5-D4149938F596}">
-  <ds:schemaRefs>
-    <ds:schemaRef ds:uri="http://schemas.microsoft.com/VisualStudio/2011/storyboarding/control"/>
-  </ds:schemaRefs>
-</ds:datastoreItem>
-</file>
-
-<file path=customXml/itemProps87.xml><?xml version="1.0" encoding="utf-8"?>
-<ds:datastoreItem xmlns:ds="http://schemas.openxmlformats.org/officeDocument/2006/customXml" ds:itemID="{09A3EA89-A631-4A5F-8795-733C9A3EAC1A}">
-  <ds:schemaRefs>
-    <ds:schemaRef ds:uri="http://schemas.microsoft.com/VisualStudio/2011/storyboarding/control"/>
-  </ds:schemaRefs>
-</ds:datastoreItem>
-</file>
-
-<file path=customXml/itemProps88.xml><?xml version="1.0" encoding="utf-8"?>
-<ds:datastoreItem xmlns:ds="http://schemas.openxmlformats.org/officeDocument/2006/customXml" ds:itemID="{CA16E968-79AB-417B-A3C4-1F6901E69161}">
-  <ds:schemaRefs>
-    <ds:schemaRef ds:uri="http://schemas.microsoft.com/VisualStudio/2011/storyboarding/control"/>
-  </ds:schemaRefs>
-</ds:datastoreItem>
-</file>
-
-<file path=customXml/itemProps89.xml><?xml version="1.0" encoding="utf-8"?>
-<ds:datastoreItem xmlns:ds="http://schemas.openxmlformats.org/officeDocument/2006/customXml" ds:itemID="{7EEB8715-F7E1-49E9-B95F-1398D04AEE4F}">
-  <ds:schemaRefs>
-    <ds:schemaRef ds:uri="http://schemas.microsoft.com/VisualStudio/2011/storyboarding/control"/>
-  </ds:schemaRefs>
-</ds:datastoreItem>
-</file>
-
-<file path=customXml/itemProps9.xml><?xml version="1.0" encoding="utf-8"?>
-<ds:datastoreItem xmlns:ds="http://schemas.openxmlformats.org/officeDocument/2006/customXml" ds:itemID="{FB73D5EE-2530-4108-804E-BC9762641E83}">
-  <ds:schemaRefs>
-    <ds:schemaRef ds:uri="http://schemas.microsoft.com/VisualStudio/2011/storyboarding/control"/>
-  </ds:schemaRefs>
-</ds:datastoreItem>
-</file>
-
-<file path=customXml/itemProps90.xml><?xml version="1.0" encoding="utf-8"?>
-<ds:datastoreItem xmlns:ds="http://schemas.openxmlformats.org/officeDocument/2006/customXml" ds:itemID="{E2880F58-0CC6-4E09-89FE-1F2DC16AD8C5}">
-  <ds:schemaRefs>
-    <ds:schemaRef ds:uri="http://schemas.microsoft.com/VisualStudio/2011/storyboarding/control"/>
-  </ds:schemaRefs>
-</ds:datastoreItem>
-</file>
-
-<file path=customXml/itemProps91.xml><?xml version="1.0" encoding="utf-8"?>
-<ds:datastoreItem xmlns:ds="http://schemas.openxmlformats.org/officeDocument/2006/customXml" ds:itemID="{F73BC4C1-B431-4D91-8F6A-B8642D04326B}">
-  <ds:schemaRefs>
-    <ds:schemaRef ds:uri="http://schemas.microsoft.com/VisualStudio/2011/storyboarding/control"/>
-  </ds:schemaRefs>
-</ds:datastoreItem>
-</file>
-
-<file path=customXml/itemProps92.xml><?xml version="1.0" encoding="utf-8"?>
-<ds:datastoreItem xmlns:ds="http://schemas.openxmlformats.org/officeDocument/2006/customXml" ds:itemID="{AB589675-9F38-48F0-B414-E2E3C5F51D3B}">
-  <ds:schemaRefs>
-    <ds:schemaRef ds:uri="http://schemas.microsoft.com/VisualStudio/2011/storyboarding/control"/>
-  </ds:schemaRefs>
-</ds:datastoreItem>
-</file>
-
-<file path=customXml/itemProps93.xml><?xml version="1.0" encoding="utf-8"?>
-<ds:datastoreItem xmlns:ds="http://schemas.openxmlformats.org/officeDocument/2006/customXml" ds:itemID="{8B4ED6C5-8A0A-4DCF-94AF-A7C5D51F9F13}">
-  <ds:schemaRefs>
-    <ds:schemaRef ds:uri="http://schemas.microsoft.com/VisualStudio/2011/storyboarding/control"/>
-  </ds:schemaRefs>
-</ds:datastoreItem>
-</file>
-
-<file path=customXml/itemProps94.xml><?xml version="1.0" encoding="utf-8"?>
-<ds:datastoreItem xmlns:ds="http://schemas.openxmlformats.org/officeDocument/2006/customXml" ds:itemID="{73122FA6-EEA6-4318-AA32-4D8CC919AC3D}">
-  <ds:schemaRefs>
-    <ds:schemaRef ds:uri="http://schemas.microsoft.com/VisualStudio/2011/storyboarding/control"/>
-  </ds:schemaRefs>
-</ds:datastoreItem>
-</file>
-
-<file path=customXml/itemProps95.xml><?xml version="1.0" encoding="utf-8"?>
-<ds:datastoreItem xmlns:ds="http://schemas.openxmlformats.org/officeDocument/2006/customXml" ds:itemID="{025E9338-3A03-449D-A3F9-5A282F54152A}">
-  <ds:schemaRefs>
-    <ds:schemaRef ds:uri="http://schemas.microsoft.com/VisualStudio/2011/storyboarding/control"/>
-  </ds:schemaRefs>
-</ds:datastoreItem>
-</file>
-
-<file path=customXml/itemProps96.xml><?xml version="1.0" encoding="utf-8"?>
-<ds:datastoreItem xmlns:ds="http://schemas.openxmlformats.org/officeDocument/2006/customXml" ds:itemID="{D8066D30-0198-4D81-B664-F42A8D9F3344}">
-  <ds:schemaRefs>
-    <ds:schemaRef ds:uri="http://schemas.microsoft.com/VisualStudio/2011/storyboarding/control"/>
-  </ds:schemaRefs>
-</ds:datastoreItem>
-</file>
-
-<file path=customXml/itemProps97.xml><?xml version="1.0" encoding="utf-8"?>
-<ds:datastoreItem xmlns:ds="http://schemas.openxmlformats.org/officeDocument/2006/customXml" ds:itemID="{BDA25D10-4D4B-4D45-9122-8C648851E4DB}">
-  <ds:schemaRefs>
-    <ds:schemaRef ds:uri="http://schemas.microsoft.com/VisualStudio/2011/storyboarding/control"/>
-  </ds:schemaRefs>
-</ds:datastoreItem>
-</file>
-
-<file path=customXml/itemProps98.xml><?xml version="1.0" encoding="utf-8"?>
-<ds:datastoreItem xmlns:ds="http://schemas.openxmlformats.org/officeDocument/2006/customXml" ds:itemID="{179946FC-F45E-4304-9C4D-ACCAF9EB39A2}">
-  <ds:schemaRefs>
-    <ds:schemaRef ds:uri="http://schemas.microsoft.com/VisualStudio/2011/storyboarding/control"/>
-  </ds:schemaRefs>
-</ds:datastoreItem>
-</file>
-
-<file path=customXml/itemProps99.xml><?xml version="1.0" encoding="utf-8"?>
-<ds:datastoreItem xmlns:ds="http://schemas.openxmlformats.org/officeDocument/2006/customXml" ds:itemID="{BA53BBF3-7869-4224-835B-3B46C2492F59}">
-  <ds:schemaRefs>
-    <ds:schemaRef ds:uri="http://schemas.microsoft.com/VisualStudio/2011/storyboarding/control"/>
-  </ds:schemaRefs>
-</ds:datastoreItem>
 </file>